--- a/comp3807.pptx
+++ b/comp3807.pptx
@@ -7,7 +7,7 @@
     <p:sldMasterId id="2147483652" r:id="rId3"/>
   </p:sldMasterIdLst>
   <p:notesMasterIdLst>
-    <p:notesMasterId r:id="rId29"/>
+    <p:notesMasterId r:id="rId33"/>
   </p:notesMasterIdLst>
   <p:sldIdLst>
     <p:sldId id="256" r:id="rId4"/>
@@ -19,41 +19,45 @@
     <p:sldId id="272" r:id="rId10"/>
     <p:sldId id="280" r:id="rId11"/>
     <p:sldId id="287" r:id="rId12"/>
-    <p:sldId id="263" r:id="rId13"/>
-    <p:sldId id="265" r:id="rId14"/>
-    <p:sldId id="278" r:id="rId15"/>
-    <p:sldId id="277" r:id="rId16"/>
-    <p:sldId id="279" r:id="rId17"/>
-    <p:sldId id="286" r:id="rId18"/>
-    <p:sldId id="285" r:id="rId19"/>
-    <p:sldId id="281" r:id="rId20"/>
-    <p:sldId id="283" r:id="rId21"/>
-    <p:sldId id="282" r:id="rId22"/>
-    <p:sldId id="284" r:id="rId23"/>
-    <p:sldId id="270" r:id="rId24"/>
-    <p:sldId id="262" r:id="rId25"/>
-    <p:sldId id="266" r:id="rId26"/>
-    <p:sldId id="274" r:id="rId27"/>
-    <p:sldId id="261" r:id="rId28"/>
+    <p:sldId id="290" r:id="rId13"/>
+    <p:sldId id="291" r:id="rId14"/>
+    <p:sldId id="263" r:id="rId15"/>
+    <p:sldId id="265" r:id="rId16"/>
+    <p:sldId id="278" r:id="rId17"/>
+    <p:sldId id="277" r:id="rId18"/>
+    <p:sldId id="279" r:id="rId19"/>
+    <p:sldId id="286" r:id="rId20"/>
+    <p:sldId id="285" r:id="rId21"/>
+    <p:sldId id="281" r:id="rId22"/>
+    <p:sldId id="288" r:id="rId23"/>
+    <p:sldId id="289" r:id="rId24"/>
+    <p:sldId id="283" r:id="rId25"/>
+    <p:sldId id="282" r:id="rId26"/>
+    <p:sldId id="284" r:id="rId27"/>
+    <p:sldId id="270" r:id="rId28"/>
+    <p:sldId id="262" r:id="rId29"/>
+    <p:sldId id="266" r:id="rId30"/>
+    <p:sldId id="274" r:id="rId31"/>
+    <p:sldId id="261" r:id="rId32"/>
   </p:sldIdLst>
   <p:sldSz cx="12192000" cy="6858000"/>
   <p:notesSz cx="6858000" cy="9144000"/>
   <p:embeddedFontLst>
     <p:embeddedFont>
       <p:font typeface="맑은 고딕" panose="020B0503020000020004" pitchFamily="34" charset="-127"/>
-      <p:regular r:id="rId30"/>
-      <p:bold r:id="rId31"/>
+      <p:regular r:id="rId34"/>
+      <p:bold r:id="rId35"/>
     </p:embeddedFont>
     <p:embeddedFont>
       <p:font typeface="Calibri" panose="020F0502020204030204" pitchFamily="34" charset="0"/>
-      <p:regular r:id="rId32"/>
-      <p:bold r:id="rId33"/>
-      <p:italic r:id="rId34"/>
-      <p:boldItalic r:id="rId35"/>
+      <p:regular r:id="rId36"/>
+      <p:bold r:id="rId37"/>
+      <p:italic r:id="rId38"/>
+      <p:boldItalic r:id="rId39"/>
     </p:embeddedFont>
     <p:embeddedFont>
       <p:font typeface="Cambria Math" panose="02040503050406030204" pitchFamily="18" charset="0"/>
-      <p:regular r:id="rId36"/>
+      <p:regular r:id="rId40"/>
     </p:embeddedFont>
   </p:embeddedFontLst>
   <p:defaultTextStyle>
@@ -241,7 +245,7 @@
           <a:p>
             <a:fld id="{7CCF9D7A-B1FF-45C6-B084-8B68E9218D0E}" type="datetimeFigureOut">
               <a:rPr lang="en-CA" smtClean="0"/>
-              <a:t>2019-06-17</a:t>
+              <a:t>2019-06-18</a:t>
             </a:fld>
             <a:endParaRPr lang="en-CA"/>
           </a:p>
@@ -677,11 +681,8 @@
           <a:p>
             <a:r>
               <a:rPr lang="en-CA" dirty="0"/>
-              <a:t>There are too many notation to be explained, but since we already know basic idea of segmentation, it would be fairly easy to explain now.</a:t>
-            </a:r>
-          </a:p>
-          <a:p>
-            <a:endParaRPr lang="en-CA" dirty="0"/>
+              <a:t>Formulate segmentation quality function (objective function / energy)</a:t>
+            </a:r>
           </a:p>
         </p:txBody>
       </p:sp>
@@ -711,7 +712,7 @@
     </p:spTree>
     <p:extLst>
       <p:ext uri="{BB962C8B-B14F-4D97-AF65-F5344CB8AC3E}">
-        <p14:creationId xmlns:p14="http://schemas.microsoft.com/office/powerpoint/2010/main" val="2504173768"/>
+        <p14:creationId xmlns:p14="http://schemas.microsoft.com/office/powerpoint/2010/main" val="1196657882"/>
       </p:ext>
     </p:extLst>
   </p:cSld>
@@ -801,7 +802,7 @@
     </p:spTree>
     <p:extLst>
       <p:ext uri="{BB962C8B-B14F-4D97-AF65-F5344CB8AC3E}">
-        <p14:creationId xmlns:p14="http://schemas.microsoft.com/office/powerpoint/2010/main" val="1340925085"/>
+        <p14:creationId xmlns:p14="http://schemas.microsoft.com/office/powerpoint/2010/main" val="66164127"/>
       </p:ext>
     </p:extLst>
   </p:cSld>
@@ -857,7 +858,7 @@
           <a:p>
             <a:r>
               <a:rPr lang="en-CA" dirty="0"/>
-              <a:t>There are too many notation to be explained, but since we already know basic idea of segmentation, it would be fairly easy to explain now.</a:t>
+              <a:t>GMM models may not faithfully represent the true color distribution of the whole image because it only gets few strokes.</a:t>
             </a:r>
           </a:p>
           <a:p>
@@ -883,6 +884,366 @@
             <a:fld id="{13B65874-C5D9-415D-BB74-E8CA3CF82B34}" type="slidenum">
               <a:rPr lang="en-CA" smtClean="0"/>
               <a:t>20</a:t>
+            </a:fld>
+            <a:endParaRPr lang="en-CA"/>
+          </a:p>
+        </p:txBody>
+      </p:sp>
+    </p:spTree>
+    <p:extLst>
+      <p:ext uri="{BB962C8B-B14F-4D97-AF65-F5344CB8AC3E}">
+        <p14:creationId xmlns:p14="http://schemas.microsoft.com/office/powerpoint/2010/main" val="490199497"/>
+      </p:ext>
+    </p:extLst>
+  </p:cSld>
+  <p:clrMapOvr>
+    <a:masterClrMapping/>
+  </p:clrMapOvr>
+</p:notes>
+</file>
+
+<file path=ppt/notesSlides/notesSlide13.xml><?xml version="1.0" encoding="utf-8"?>
+<p:notes xmlns:a="http://schemas.openxmlformats.org/drawingml/2006/main" xmlns:r="http://schemas.openxmlformats.org/officeDocument/2006/relationships" xmlns:p="http://schemas.openxmlformats.org/presentationml/2006/main">
+  <p:cSld>
+    <p:spTree>
+      <p:nvGrpSpPr>
+        <p:cNvPr id="1" name=""/>
+        <p:cNvGrpSpPr/>
+        <p:nvPr/>
+      </p:nvGrpSpPr>
+      <p:grpSpPr>
+        <a:xfrm>
+          <a:off x="0" y="0"/>
+          <a:ext cx="0" cy="0"/>
+          <a:chOff x="0" y="0"/>
+          <a:chExt cx="0" cy="0"/>
+        </a:xfrm>
+      </p:grpSpPr>
+      <p:sp>
+        <p:nvSpPr>
+          <p:cNvPr id="2" name="Slide Image Placeholder 1"/>
+          <p:cNvSpPr>
+            <a:spLocks noGrp="1" noRot="1" noChangeAspect="1"/>
+          </p:cNvSpPr>
+          <p:nvPr>
+            <p:ph type="sldImg"/>
+          </p:nvPr>
+        </p:nvSpPr>
+        <p:spPr/>
+      </p:sp>
+      <p:sp>
+        <p:nvSpPr>
+          <p:cNvPr id="3" name="Notes Placeholder 2"/>
+          <p:cNvSpPr>
+            <a:spLocks noGrp="1"/>
+          </p:cNvSpPr>
+          <p:nvPr>
+            <p:ph type="body" idx="1"/>
+          </p:nvPr>
+        </p:nvSpPr>
+        <p:spPr/>
+        <p:txBody>
+          <a:bodyPr/>
+          <a:lstStyle/>
+          <a:p>
+            <a:r>
+              <a:rPr lang="en-CA" dirty="0"/>
+              <a:t>There are too many notation to be explained, but since we already know basic idea of segmentation, it would be fairly easy to explain now.</a:t>
+            </a:r>
+          </a:p>
+          <a:p>
+            <a:endParaRPr lang="en-CA" dirty="0"/>
+          </a:p>
+        </p:txBody>
+      </p:sp>
+      <p:sp>
+        <p:nvSpPr>
+          <p:cNvPr id="4" name="Slide Number Placeholder 3"/>
+          <p:cNvSpPr>
+            <a:spLocks noGrp="1"/>
+          </p:cNvSpPr>
+          <p:nvPr>
+            <p:ph type="sldNum" sz="quarter" idx="5"/>
+          </p:nvPr>
+        </p:nvSpPr>
+        <p:spPr/>
+        <p:txBody>
+          <a:bodyPr/>
+          <a:lstStyle/>
+          <a:p>
+            <a:fld id="{13B65874-C5D9-415D-BB74-E8CA3CF82B34}" type="slidenum">
+              <a:rPr lang="en-CA" smtClean="0"/>
+              <a:t>21</a:t>
+            </a:fld>
+            <a:endParaRPr lang="en-CA"/>
+          </a:p>
+        </p:txBody>
+      </p:sp>
+    </p:spTree>
+    <p:extLst>
+      <p:ext uri="{BB962C8B-B14F-4D97-AF65-F5344CB8AC3E}">
+        <p14:creationId xmlns:p14="http://schemas.microsoft.com/office/powerpoint/2010/main" val="3286736326"/>
+      </p:ext>
+    </p:extLst>
+  </p:cSld>
+  <p:clrMapOvr>
+    <a:masterClrMapping/>
+  </p:clrMapOvr>
+</p:notes>
+</file>
+
+<file path=ppt/notesSlides/notesSlide14.xml><?xml version="1.0" encoding="utf-8"?>
+<p:notes xmlns:a="http://schemas.openxmlformats.org/drawingml/2006/main" xmlns:r="http://schemas.openxmlformats.org/officeDocument/2006/relationships" xmlns:p="http://schemas.openxmlformats.org/presentationml/2006/main">
+  <p:cSld>
+    <p:spTree>
+      <p:nvGrpSpPr>
+        <p:cNvPr id="1" name=""/>
+        <p:cNvGrpSpPr/>
+        <p:nvPr/>
+      </p:nvGrpSpPr>
+      <p:grpSpPr>
+        <a:xfrm>
+          <a:off x="0" y="0"/>
+          <a:ext cx="0" cy="0"/>
+          <a:chOff x="0" y="0"/>
+          <a:chExt cx="0" cy="0"/>
+        </a:xfrm>
+      </p:grpSpPr>
+      <p:sp>
+        <p:nvSpPr>
+          <p:cNvPr id="2" name="Slide Image Placeholder 1"/>
+          <p:cNvSpPr>
+            <a:spLocks noGrp="1" noRot="1" noChangeAspect="1"/>
+          </p:cNvSpPr>
+          <p:nvPr>
+            <p:ph type="sldImg"/>
+          </p:nvPr>
+        </p:nvSpPr>
+        <p:spPr/>
+      </p:sp>
+      <p:sp>
+        <p:nvSpPr>
+          <p:cNvPr id="3" name="Notes Placeholder 2"/>
+          <p:cNvSpPr>
+            <a:spLocks noGrp="1"/>
+          </p:cNvSpPr>
+          <p:nvPr>
+            <p:ph type="body" idx="1"/>
+          </p:nvPr>
+        </p:nvSpPr>
+        <p:spPr/>
+        <p:txBody>
+          <a:bodyPr/>
+          <a:lstStyle/>
+          <a:p>
+            <a:r>
+              <a:rPr lang="en-CA" dirty="0"/>
+              <a:t>There are too many notation to be explained, but since we already know basic idea of segmentation, it would be fairly easy to explain now.</a:t>
+            </a:r>
+          </a:p>
+          <a:p>
+            <a:endParaRPr lang="en-CA" dirty="0"/>
+          </a:p>
+        </p:txBody>
+      </p:sp>
+      <p:sp>
+        <p:nvSpPr>
+          <p:cNvPr id="4" name="Slide Number Placeholder 3"/>
+          <p:cNvSpPr>
+            <a:spLocks noGrp="1"/>
+          </p:cNvSpPr>
+          <p:nvPr>
+            <p:ph type="sldNum" sz="quarter" idx="5"/>
+          </p:nvPr>
+        </p:nvSpPr>
+        <p:spPr/>
+        <p:txBody>
+          <a:bodyPr/>
+          <a:lstStyle/>
+          <a:p>
+            <a:fld id="{13B65874-C5D9-415D-BB74-E8CA3CF82B34}" type="slidenum">
+              <a:rPr lang="en-CA" smtClean="0"/>
+              <a:t>22</a:t>
+            </a:fld>
+            <a:endParaRPr lang="en-CA"/>
+          </a:p>
+        </p:txBody>
+      </p:sp>
+    </p:spTree>
+    <p:extLst>
+      <p:ext uri="{BB962C8B-B14F-4D97-AF65-F5344CB8AC3E}">
+        <p14:creationId xmlns:p14="http://schemas.microsoft.com/office/powerpoint/2010/main" val="2504173768"/>
+      </p:ext>
+    </p:extLst>
+  </p:cSld>
+  <p:clrMapOvr>
+    <a:masterClrMapping/>
+  </p:clrMapOvr>
+</p:notes>
+</file>
+
+<file path=ppt/notesSlides/notesSlide15.xml><?xml version="1.0" encoding="utf-8"?>
+<p:notes xmlns:a="http://schemas.openxmlformats.org/drawingml/2006/main" xmlns:r="http://schemas.openxmlformats.org/officeDocument/2006/relationships" xmlns:p="http://schemas.openxmlformats.org/presentationml/2006/main">
+  <p:cSld>
+    <p:spTree>
+      <p:nvGrpSpPr>
+        <p:cNvPr id="1" name=""/>
+        <p:cNvGrpSpPr/>
+        <p:nvPr/>
+      </p:nvGrpSpPr>
+      <p:grpSpPr>
+        <a:xfrm>
+          <a:off x="0" y="0"/>
+          <a:ext cx="0" cy="0"/>
+          <a:chOff x="0" y="0"/>
+          <a:chExt cx="0" cy="0"/>
+        </a:xfrm>
+      </p:grpSpPr>
+      <p:sp>
+        <p:nvSpPr>
+          <p:cNvPr id="2" name="Slide Image Placeholder 1"/>
+          <p:cNvSpPr>
+            <a:spLocks noGrp="1" noRot="1" noChangeAspect="1"/>
+          </p:cNvSpPr>
+          <p:nvPr>
+            <p:ph type="sldImg"/>
+          </p:nvPr>
+        </p:nvSpPr>
+        <p:spPr/>
+      </p:sp>
+      <p:sp>
+        <p:nvSpPr>
+          <p:cNvPr id="3" name="Notes Placeholder 2"/>
+          <p:cNvSpPr>
+            <a:spLocks noGrp="1"/>
+          </p:cNvSpPr>
+          <p:nvPr>
+            <p:ph type="body" idx="1"/>
+          </p:nvPr>
+        </p:nvSpPr>
+        <p:spPr/>
+        <p:txBody>
+          <a:bodyPr/>
+          <a:lstStyle/>
+          <a:p>
+            <a:r>
+              <a:rPr lang="en-CA" dirty="0"/>
+              <a:t>There are too many notation to be explained, but since we already know basic idea of segmentation, it would be fairly easy to explain now.</a:t>
+            </a:r>
+          </a:p>
+          <a:p>
+            <a:endParaRPr lang="en-CA" dirty="0"/>
+          </a:p>
+        </p:txBody>
+      </p:sp>
+      <p:sp>
+        <p:nvSpPr>
+          <p:cNvPr id="4" name="Slide Number Placeholder 3"/>
+          <p:cNvSpPr>
+            <a:spLocks noGrp="1"/>
+          </p:cNvSpPr>
+          <p:nvPr>
+            <p:ph type="sldNum" sz="quarter" idx="5"/>
+          </p:nvPr>
+        </p:nvSpPr>
+        <p:spPr/>
+        <p:txBody>
+          <a:bodyPr/>
+          <a:lstStyle/>
+          <a:p>
+            <a:fld id="{13B65874-C5D9-415D-BB74-E8CA3CF82B34}" type="slidenum">
+              <a:rPr lang="en-CA" smtClean="0"/>
+              <a:t>23</a:t>
+            </a:fld>
+            <a:endParaRPr lang="en-CA"/>
+          </a:p>
+        </p:txBody>
+      </p:sp>
+    </p:spTree>
+    <p:extLst>
+      <p:ext uri="{BB962C8B-B14F-4D97-AF65-F5344CB8AC3E}">
+        <p14:creationId xmlns:p14="http://schemas.microsoft.com/office/powerpoint/2010/main" val="1340925085"/>
+      </p:ext>
+    </p:extLst>
+  </p:cSld>
+  <p:clrMapOvr>
+    <a:masterClrMapping/>
+  </p:clrMapOvr>
+</p:notes>
+</file>
+
+<file path=ppt/notesSlides/notesSlide16.xml><?xml version="1.0" encoding="utf-8"?>
+<p:notes xmlns:a="http://schemas.openxmlformats.org/drawingml/2006/main" xmlns:r="http://schemas.openxmlformats.org/officeDocument/2006/relationships" xmlns:p="http://schemas.openxmlformats.org/presentationml/2006/main">
+  <p:cSld>
+    <p:spTree>
+      <p:nvGrpSpPr>
+        <p:cNvPr id="1" name=""/>
+        <p:cNvGrpSpPr/>
+        <p:nvPr/>
+      </p:nvGrpSpPr>
+      <p:grpSpPr>
+        <a:xfrm>
+          <a:off x="0" y="0"/>
+          <a:ext cx="0" cy="0"/>
+          <a:chOff x="0" y="0"/>
+          <a:chExt cx="0" cy="0"/>
+        </a:xfrm>
+      </p:grpSpPr>
+      <p:sp>
+        <p:nvSpPr>
+          <p:cNvPr id="2" name="Slide Image Placeholder 1"/>
+          <p:cNvSpPr>
+            <a:spLocks noGrp="1" noRot="1" noChangeAspect="1"/>
+          </p:cNvSpPr>
+          <p:nvPr>
+            <p:ph type="sldImg"/>
+          </p:nvPr>
+        </p:nvSpPr>
+        <p:spPr/>
+      </p:sp>
+      <p:sp>
+        <p:nvSpPr>
+          <p:cNvPr id="3" name="Notes Placeholder 2"/>
+          <p:cNvSpPr>
+            <a:spLocks noGrp="1"/>
+          </p:cNvSpPr>
+          <p:nvPr>
+            <p:ph type="body" idx="1"/>
+          </p:nvPr>
+        </p:nvSpPr>
+        <p:spPr/>
+        <p:txBody>
+          <a:bodyPr/>
+          <a:lstStyle/>
+          <a:p>
+            <a:r>
+              <a:rPr lang="en-CA" dirty="0"/>
+              <a:t>There are too many notation to be explained, but since we already know basic idea of segmentation, it would be fairly easy to explain now.</a:t>
+            </a:r>
+          </a:p>
+          <a:p>
+            <a:endParaRPr lang="en-CA" dirty="0"/>
+          </a:p>
+        </p:txBody>
+      </p:sp>
+      <p:sp>
+        <p:nvSpPr>
+          <p:cNvPr id="4" name="Slide Number Placeholder 3"/>
+          <p:cNvSpPr>
+            <a:spLocks noGrp="1"/>
+          </p:cNvSpPr>
+          <p:nvPr>
+            <p:ph type="sldNum" sz="quarter" idx="5"/>
+          </p:nvPr>
+        </p:nvSpPr>
+        <p:spPr/>
+        <p:txBody>
+          <a:bodyPr/>
+          <a:lstStyle/>
+          <a:p>
+            <a:fld id="{13B65874-C5D9-415D-BB74-E8CA3CF82B34}" type="slidenum">
+              <a:rPr lang="en-CA" smtClean="0"/>
+              <a:t>24</a:t>
             </a:fld>
             <a:endParaRPr lang="en-CA"/>
           </a:p>
@@ -947,11 +1308,8 @@
           <a:p>
             <a:r>
               <a:rPr lang="en-CA" dirty="0"/>
-              <a:t>--- How can we understand mathematical formula using the basic terms mentioned?</a:t>
-            </a:r>
-          </a:p>
-          <a:p>
-            <a:endParaRPr lang="en-CA" dirty="0"/>
+              <a:t>EM: comes up in a variety of contexts within data science</a:t>
+            </a:r>
           </a:p>
         </p:txBody>
       </p:sp>
@@ -981,7 +1339,7 @@
     </p:spTree>
     <p:extLst>
       <p:ext uri="{BB962C8B-B14F-4D97-AF65-F5344CB8AC3E}">
-        <p14:creationId xmlns:p14="http://schemas.microsoft.com/office/powerpoint/2010/main" val="1507113895"/>
+        <p14:creationId xmlns:p14="http://schemas.microsoft.com/office/powerpoint/2010/main" val="1304425192"/>
       </p:ext>
     </p:extLst>
   </p:cSld>
@@ -1037,7 +1395,7 @@
           <a:p>
             <a:r>
               <a:rPr lang="en-CA" dirty="0"/>
-              <a:t>Formulate segmentation quality function (objective function / energy)</a:t>
+              <a:t>EM: comes up in a variety of contexts within data science</a:t>
             </a:r>
           </a:p>
         </p:txBody>
@@ -1068,7 +1426,7 @@
     </p:spTree>
     <p:extLst>
       <p:ext uri="{BB962C8B-B14F-4D97-AF65-F5344CB8AC3E}">
-        <p14:creationId xmlns:p14="http://schemas.microsoft.com/office/powerpoint/2010/main" val="3414616356"/>
+        <p14:creationId xmlns:p14="http://schemas.microsoft.com/office/powerpoint/2010/main" val="759430256"/>
       </p:ext>
     </p:extLst>
   </p:cSld>
@@ -1124,7 +1482,7 @@
           <a:p>
             <a:r>
               <a:rPr lang="en-CA" dirty="0"/>
-              <a:t>There are too many notation to be explained, but since we already know basic idea of segmentation, it would be fairly easy to explain now.</a:t>
+              <a:t>--- How can we understand mathematical formula using the basic terms mentioned?</a:t>
             </a:r>
           </a:p>
           <a:p>
@@ -1158,7 +1516,7 @@
     </p:spTree>
     <p:extLst>
       <p:ext uri="{BB962C8B-B14F-4D97-AF65-F5344CB8AC3E}">
-        <p14:creationId xmlns:p14="http://schemas.microsoft.com/office/powerpoint/2010/main" val="2515660918"/>
+        <p14:creationId xmlns:p14="http://schemas.microsoft.com/office/powerpoint/2010/main" val="1507113895"/>
       </p:ext>
     </p:extLst>
   </p:cSld>
@@ -1214,11 +1572,8 @@
           <a:p>
             <a:r>
               <a:rPr lang="en-CA" dirty="0"/>
-              <a:t>There are too many notation to be explained, but since we already know basic idea of segmentation, it would be fairly easy to explain now.</a:t>
-            </a:r>
-          </a:p>
-          <a:p>
-            <a:endParaRPr lang="en-CA" dirty="0"/>
+              <a:t>Formulate segmentation quality function (objective function / energy)</a:t>
+            </a:r>
           </a:p>
         </p:txBody>
       </p:sp>
@@ -1248,7 +1603,7 @@
     </p:spTree>
     <p:extLst>
       <p:ext uri="{BB962C8B-B14F-4D97-AF65-F5344CB8AC3E}">
-        <p14:creationId xmlns:p14="http://schemas.microsoft.com/office/powerpoint/2010/main" val="141682974"/>
+        <p14:creationId xmlns:p14="http://schemas.microsoft.com/office/powerpoint/2010/main" val="3414616356"/>
       </p:ext>
     </p:extLst>
   </p:cSld>
@@ -1338,7 +1693,7 @@
     </p:spTree>
     <p:extLst>
       <p:ext uri="{BB962C8B-B14F-4D97-AF65-F5344CB8AC3E}">
-        <p14:creationId xmlns:p14="http://schemas.microsoft.com/office/powerpoint/2010/main" val="106496694"/>
+        <p14:creationId xmlns:p14="http://schemas.microsoft.com/office/powerpoint/2010/main" val="2515660918"/>
       </p:ext>
     </p:extLst>
   </p:cSld>
@@ -1428,7 +1783,7 @@
     </p:spTree>
     <p:extLst>
       <p:ext uri="{BB962C8B-B14F-4D97-AF65-F5344CB8AC3E}">
-        <p14:creationId xmlns:p14="http://schemas.microsoft.com/office/powerpoint/2010/main" val="978273089"/>
+        <p14:creationId xmlns:p14="http://schemas.microsoft.com/office/powerpoint/2010/main" val="141682974"/>
       </p:ext>
     </p:extLst>
   </p:cSld>
@@ -1484,8 +1839,11 @@
           <a:p>
             <a:r>
               <a:rPr lang="en-CA" dirty="0"/>
-              <a:t>Formulate segmentation quality function (objective function / energy)</a:t>
-            </a:r>
+              <a:t>There are too many notation to be explained, but since we already know basic idea of segmentation, it would be fairly easy to explain now.</a:t>
+            </a:r>
+          </a:p>
+          <a:p>
+            <a:endParaRPr lang="en-CA" dirty="0"/>
           </a:p>
         </p:txBody>
       </p:sp>
@@ -1515,7 +1873,7 @@
     </p:spTree>
     <p:extLst>
       <p:ext uri="{BB962C8B-B14F-4D97-AF65-F5344CB8AC3E}">
-        <p14:creationId xmlns:p14="http://schemas.microsoft.com/office/powerpoint/2010/main" val="1196657882"/>
+        <p14:creationId xmlns:p14="http://schemas.microsoft.com/office/powerpoint/2010/main" val="106496694"/>
       </p:ext>
     </p:extLst>
   </p:cSld>
@@ -1605,7 +1963,7 @@
     </p:spTree>
     <p:extLst>
       <p:ext uri="{BB962C8B-B14F-4D97-AF65-F5344CB8AC3E}">
-        <p14:creationId xmlns:p14="http://schemas.microsoft.com/office/powerpoint/2010/main" val="66164127"/>
+        <p14:creationId xmlns:p14="http://schemas.microsoft.com/office/powerpoint/2010/main" val="978273089"/>
       </p:ext>
     </p:extLst>
   </p:cSld>
@@ -3528,7 +3886,7 @@
         <p:spPr>
           <a:xfrm>
             <a:off x="246328" y="310733"/>
-            <a:ext cx="5802614" cy="584775"/>
+            <a:ext cx="9855968" cy="584775"/>
           </a:xfrm>
           <a:prstGeom prst="rect">
             <a:avLst/>
@@ -3549,7 +3907,7 @@
                 <a:latin typeface="나눔스퀘어 Bold" panose="020B0600000101010101" pitchFamily="50" charset="-127"/>
                 <a:ea typeface="나눔스퀘어 Bold" panose="020B0600000101010101" pitchFamily="50" charset="-127"/>
               </a:rPr>
-              <a:t>002/ Mathematical Formula?</a:t>
+              <a:t>001/ Let’s Narrow it Down – but grasp the basics</a:t>
             </a:r>
             <a:endParaRPr lang="ko-KR" altLang="en-US" sz="3200" b="1" dirty="0">
               <a:solidFill>
@@ -3623,6 +3981,712 @@
         <p:spPr>
           <a:xfrm>
             <a:off x="1073827" y="1574800"/>
+            <a:ext cx="9579610" cy="4524315"/>
+          </a:xfrm>
+          <a:prstGeom prst="rect">
+            <a:avLst/>
+          </a:prstGeom>
+          <a:noFill/>
+        </p:spPr>
+        <p:txBody>
+          <a:bodyPr wrap="none" rtlCol="0">
+            <a:spAutoFit/>
+          </a:bodyPr>
+          <a:lstStyle/>
+          <a:p>
+            <a:r>
+              <a:rPr lang="en-CA" altLang="ko-KR" b="1" dirty="0">
+                <a:solidFill>
+                  <a:schemeClr val="accent3">
+                    <a:lumMod val="75000"/>
+                  </a:schemeClr>
+                </a:solidFill>
+                <a:latin typeface="나눔스퀘어" panose="020B0600000101010101" pitchFamily="50" charset="-127"/>
+                <a:ea typeface="나눔스퀘어" panose="020B0600000101010101" pitchFamily="50" charset="-127"/>
+              </a:rPr>
+              <a:t>What are the key concepts?</a:t>
+            </a:r>
+          </a:p>
+          <a:p>
+            <a:r>
+              <a:rPr lang="en-CA" altLang="ko-KR" dirty="0">
+                <a:solidFill>
+                  <a:schemeClr val="accent3">
+                    <a:lumMod val="75000"/>
+                  </a:schemeClr>
+                </a:solidFill>
+                <a:latin typeface="나눔스퀘어" panose="020B0600000101010101" pitchFamily="50" charset="-127"/>
+                <a:ea typeface="나눔스퀘어" panose="020B0600000101010101" pitchFamily="50" charset="-127"/>
+              </a:rPr>
+              <a:t>	Segmentation, features, </a:t>
+            </a:r>
+            <a:r>
+              <a:rPr lang="en-CA" altLang="ko-KR" b="1" dirty="0">
+                <a:solidFill>
+                  <a:srgbClr val="BF586D"/>
+                </a:solidFill>
+                <a:latin typeface="나눔스퀘어" panose="020B0600000101010101" pitchFamily="50" charset="-127"/>
+                <a:ea typeface="나눔스퀘어" panose="020B0600000101010101" pitchFamily="50" charset="-127"/>
+              </a:rPr>
+              <a:t>clustering</a:t>
+            </a:r>
+            <a:r>
+              <a:rPr lang="en-CA" altLang="ko-KR" dirty="0">
+                <a:solidFill>
+                  <a:schemeClr val="bg1"/>
+                </a:solidFill>
+                <a:latin typeface="나눔스퀘어" panose="020B0600000101010101" pitchFamily="50" charset="-127"/>
+                <a:ea typeface="나눔스퀘어" panose="020B0600000101010101" pitchFamily="50" charset="-127"/>
+              </a:rPr>
+              <a:t> </a:t>
+            </a:r>
+          </a:p>
+          <a:p>
+            <a:r>
+              <a:rPr lang="en-CA" altLang="ko-KR" dirty="0">
+                <a:solidFill>
+                  <a:schemeClr val="bg1"/>
+                </a:solidFill>
+                <a:latin typeface="나눔스퀘어" panose="020B0600000101010101" pitchFamily="50" charset="-127"/>
+                <a:ea typeface="나눔스퀘어" panose="020B0600000101010101" pitchFamily="50" charset="-127"/>
+              </a:rPr>
+              <a:t> </a:t>
+            </a:r>
+          </a:p>
+          <a:p>
+            <a:r>
+              <a:rPr lang="en-CA" altLang="ko-KR" dirty="0">
+                <a:solidFill>
+                  <a:schemeClr val="bg1"/>
+                </a:solidFill>
+                <a:latin typeface="나눔스퀘어" panose="020B0600000101010101" pitchFamily="50" charset="-127"/>
+                <a:ea typeface="나눔스퀘어" panose="020B0600000101010101" pitchFamily="50" charset="-127"/>
+              </a:rPr>
+              <a:t>K-means Algorithm: </a:t>
+            </a:r>
+            <a:r>
+              <a:rPr lang="en-CA" altLang="ko-KR" b="1" dirty="0">
+                <a:solidFill>
+                  <a:srgbClr val="C1444D"/>
+                </a:solidFill>
+                <a:latin typeface="나눔스퀘어" panose="020B0600000101010101" pitchFamily="50" charset="-127"/>
+                <a:ea typeface="나눔스퀘어" panose="020B0600000101010101" pitchFamily="50" charset="-127"/>
+              </a:rPr>
+              <a:t>Expectation-Maximization</a:t>
+            </a:r>
+          </a:p>
+          <a:p>
+            <a:endParaRPr lang="en-CA" altLang="ko-KR" b="1" dirty="0">
+              <a:solidFill>
+                <a:srgbClr val="C1444D"/>
+              </a:solidFill>
+              <a:latin typeface="나눔스퀘어" panose="020B0600000101010101" pitchFamily="50" charset="-127"/>
+              <a:ea typeface="나눔스퀘어" panose="020B0600000101010101" pitchFamily="50" charset="-127"/>
+            </a:endParaRPr>
+          </a:p>
+          <a:p>
+            <a:r>
+              <a:rPr lang="en-CA" altLang="ko-KR" dirty="0">
+                <a:solidFill>
+                  <a:schemeClr val="bg1"/>
+                </a:solidFill>
+                <a:latin typeface="나눔스퀘어" panose="020B0600000101010101" pitchFamily="50" charset="-127"/>
+                <a:ea typeface="나눔스퀘어" panose="020B0600000101010101" pitchFamily="50" charset="-127"/>
+              </a:rPr>
+              <a:t>Expectation step: </a:t>
+            </a:r>
+          </a:p>
+          <a:p>
+            <a:r>
+              <a:rPr lang="en-CA" altLang="ko-KR" dirty="0">
+                <a:solidFill>
+                  <a:schemeClr val="bg1"/>
+                </a:solidFill>
+                <a:latin typeface="나눔스퀘어" panose="020B0600000101010101" pitchFamily="50" charset="-127"/>
+                <a:ea typeface="나눔스퀘어" panose="020B0600000101010101" pitchFamily="50" charset="-127"/>
+              </a:rPr>
+              <a:t>	updating expectation of which cluster each point belongs to</a:t>
+            </a:r>
+          </a:p>
+          <a:p>
+            <a:r>
+              <a:rPr lang="en-CA" altLang="ko-KR" dirty="0">
+                <a:solidFill>
+                  <a:schemeClr val="bg1"/>
+                </a:solidFill>
+                <a:latin typeface="나눔스퀘어" panose="020B0600000101010101" pitchFamily="50" charset="-127"/>
+                <a:ea typeface="나눔스퀘어" panose="020B0600000101010101" pitchFamily="50" charset="-127"/>
+              </a:rPr>
+              <a:t>Maximization step: </a:t>
+            </a:r>
+          </a:p>
+          <a:p>
+            <a:r>
+              <a:rPr lang="en-CA" altLang="ko-KR" dirty="0">
+                <a:solidFill>
+                  <a:schemeClr val="bg1"/>
+                </a:solidFill>
+                <a:latin typeface="나눔스퀘어" panose="020B0600000101010101" pitchFamily="50" charset="-127"/>
+                <a:ea typeface="나눔스퀘어" panose="020B0600000101010101" pitchFamily="50" charset="-127"/>
+              </a:rPr>
+              <a:t>	maximizing some fitness function that defines the location of the cluster centers</a:t>
+            </a:r>
+          </a:p>
+          <a:p>
+            <a:endParaRPr lang="en-CA" altLang="ko-KR" b="1" dirty="0">
+              <a:solidFill>
+                <a:srgbClr val="C1444D"/>
+              </a:solidFill>
+              <a:latin typeface="나눔스퀘어" panose="020B0600000101010101" pitchFamily="50" charset="-127"/>
+              <a:ea typeface="나눔스퀘어" panose="020B0600000101010101" pitchFamily="50" charset="-127"/>
+            </a:endParaRPr>
+          </a:p>
+          <a:p>
+            <a:r>
+              <a:rPr lang="en-CA" altLang="ko-KR" b="1" dirty="0">
+                <a:solidFill>
+                  <a:srgbClr val="C1444D"/>
+                </a:solidFill>
+                <a:latin typeface="나눔스퀘어" panose="020B0600000101010101" pitchFamily="50" charset="-127"/>
+                <a:ea typeface="나눔스퀘어" panose="020B0600000101010101" pitchFamily="50" charset="-127"/>
+              </a:rPr>
+              <a:t>Procedure</a:t>
+            </a:r>
+          </a:p>
+          <a:p>
+            <a:pPr marL="342900" indent="-342900">
+              <a:buAutoNum type="arabicPeriod"/>
+            </a:pPr>
+            <a:r>
+              <a:rPr lang="en-CA" altLang="ko-KR" dirty="0">
+                <a:solidFill>
+                  <a:schemeClr val="bg1"/>
+                </a:solidFill>
+                <a:latin typeface="나눔스퀘어" panose="020B0600000101010101" pitchFamily="50" charset="-127"/>
+                <a:ea typeface="나눔스퀘어" panose="020B0600000101010101" pitchFamily="50" charset="-127"/>
+              </a:rPr>
+              <a:t>Guess some cluster centers</a:t>
+            </a:r>
+          </a:p>
+          <a:p>
+            <a:pPr marL="342900" indent="-342900">
+              <a:buAutoNum type="arabicPeriod"/>
+            </a:pPr>
+            <a:r>
+              <a:rPr lang="en-CA" altLang="ko-KR" dirty="0">
+                <a:solidFill>
+                  <a:schemeClr val="bg1"/>
+                </a:solidFill>
+                <a:latin typeface="나눔스퀘어" panose="020B0600000101010101" pitchFamily="50" charset="-127"/>
+                <a:ea typeface="나눔스퀘어" panose="020B0600000101010101" pitchFamily="50" charset="-127"/>
+              </a:rPr>
+              <a:t>Repeat until converged</a:t>
+            </a:r>
+          </a:p>
+          <a:p>
+            <a:pPr marL="800100" lvl="1" indent="-342900">
+              <a:buAutoNum type="arabicPeriod"/>
+            </a:pPr>
+            <a:r>
+              <a:rPr lang="en-CA" altLang="ko-KR" dirty="0">
+                <a:solidFill>
+                  <a:schemeClr val="bg1"/>
+                </a:solidFill>
+                <a:latin typeface="나눔스퀘어" panose="020B0600000101010101" pitchFamily="50" charset="-127"/>
+                <a:ea typeface="나눔스퀘어" panose="020B0600000101010101" pitchFamily="50" charset="-127"/>
+              </a:rPr>
+              <a:t>E-Step: assign points to the nearest cluster center</a:t>
+            </a:r>
+          </a:p>
+          <a:p>
+            <a:pPr marL="800100" lvl="1" indent="-342900">
+              <a:buAutoNum type="arabicPeriod"/>
+            </a:pPr>
+            <a:r>
+              <a:rPr lang="en-CA" altLang="ko-KR" dirty="0">
+                <a:solidFill>
+                  <a:schemeClr val="bg1"/>
+                </a:solidFill>
+                <a:latin typeface="나눔스퀘어" panose="020B0600000101010101" pitchFamily="50" charset="-127"/>
+                <a:ea typeface="나눔스퀘어" panose="020B0600000101010101" pitchFamily="50" charset="-127"/>
+              </a:rPr>
+              <a:t>M-Step: set the cluster centers to the mean</a:t>
+            </a:r>
+          </a:p>
+          <a:p>
+            <a:endParaRPr lang="en-CA" altLang="ko-KR" b="1" dirty="0">
+              <a:solidFill>
+                <a:srgbClr val="BF586D"/>
+              </a:solidFill>
+              <a:latin typeface="나눔스퀘어" panose="020B0600000101010101" pitchFamily="50" charset="-127"/>
+              <a:ea typeface="나눔스퀘어" panose="020B0600000101010101" pitchFamily="50" charset="-127"/>
+            </a:endParaRPr>
+          </a:p>
+        </p:txBody>
+      </p:sp>
+    </p:spTree>
+    <p:extLst>
+      <p:ext uri="{BB962C8B-B14F-4D97-AF65-F5344CB8AC3E}">
+        <p14:creationId xmlns:p14="http://schemas.microsoft.com/office/powerpoint/2010/main" val="804842217"/>
+      </p:ext>
+    </p:extLst>
+  </p:cSld>
+  <p:clrMapOvr>
+    <a:masterClrMapping/>
+  </p:clrMapOvr>
+</p:sld>
+</file>
+
+<file path=ppt/slides/slide11.xml><?xml version="1.0" encoding="utf-8"?>
+<p:sld xmlns:a="http://schemas.openxmlformats.org/drawingml/2006/main" xmlns:r="http://schemas.openxmlformats.org/officeDocument/2006/relationships" xmlns:p="http://schemas.openxmlformats.org/presentationml/2006/main">
+  <p:cSld>
+    <p:spTree>
+      <p:nvGrpSpPr>
+        <p:cNvPr id="1" name=""/>
+        <p:cNvGrpSpPr/>
+        <p:nvPr/>
+      </p:nvGrpSpPr>
+      <p:grpSpPr>
+        <a:xfrm>
+          <a:off x="0" y="0"/>
+          <a:ext cx="0" cy="0"/>
+          <a:chOff x="0" y="0"/>
+          <a:chExt cx="0" cy="0"/>
+        </a:xfrm>
+      </p:grpSpPr>
+      <p:sp>
+        <p:nvSpPr>
+          <p:cNvPr id="3" name="TextBox 2"/>
+          <p:cNvSpPr txBox="1"/>
+          <p:nvPr/>
+        </p:nvSpPr>
+        <p:spPr>
+          <a:xfrm>
+            <a:off x="246328" y="310733"/>
+            <a:ext cx="9855968" cy="584775"/>
+          </a:xfrm>
+          <a:prstGeom prst="rect">
+            <a:avLst/>
+          </a:prstGeom>
+          <a:noFill/>
+        </p:spPr>
+        <p:txBody>
+          <a:bodyPr wrap="none" rtlCol="0" anchor="ctr">
+            <a:spAutoFit/>
+          </a:bodyPr>
+          <a:lstStyle/>
+          <a:p>
+            <a:r>
+              <a:rPr lang="en-US" altLang="ko-KR" sz="3200" b="1" dirty="0">
+                <a:solidFill>
+                  <a:srgbClr val="C1444D"/>
+                </a:solidFill>
+                <a:latin typeface="나눔스퀘어 Bold" panose="020B0600000101010101" pitchFamily="50" charset="-127"/>
+                <a:ea typeface="나눔스퀘어 Bold" panose="020B0600000101010101" pitchFamily="50" charset="-127"/>
+              </a:rPr>
+              <a:t>001/ Let’s Narrow it Down – but grasp the basics</a:t>
+            </a:r>
+            <a:endParaRPr lang="ko-KR" altLang="en-US" sz="3200" b="1" dirty="0">
+              <a:solidFill>
+                <a:srgbClr val="C1444D"/>
+              </a:solidFill>
+              <a:latin typeface="나눔스퀘어 Bold" panose="020B0600000101010101" pitchFamily="50" charset="-127"/>
+              <a:ea typeface="나눔스퀘어 Bold" panose="020B0600000101010101" pitchFamily="50" charset="-127"/>
+            </a:endParaRPr>
+          </a:p>
+        </p:txBody>
+      </p:sp>
+      <p:sp>
+        <p:nvSpPr>
+          <p:cNvPr id="5" name="TextBox 4"/>
+          <p:cNvSpPr txBox="1"/>
+          <p:nvPr/>
+        </p:nvSpPr>
+        <p:spPr>
+          <a:xfrm>
+            <a:off x="7620223" y="74037"/>
+            <a:ext cx="4533677" cy="400110"/>
+          </a:xfrm>
+          <a:prstGeom prst="rect">
+            <a:avLst/>
+          </a:prstGeom>
+          <a:noFill/>
+        </p:spPr>
+        <p:txBody>
+          <a:bodyPr wrap="none" rtlCol="0">
+            <a:spAutoFit/>
+          </a:bodyPr>
+          <a:lstStyle/>
+          <a:p>
+            <a:pPr algn="r"/>
+            <a:r>
+              <a:rPr lang="en-CA" altLang="ko-KR" sz="1000" dirty="0">
+                <a:solidFill>
+                  <a:srgbClr val="3D3D3D"/>
+                </a:solidFill>
+                <a:latin typeface="나눔스퀘어 Light" panose="020B0600000101010101" pitchFamily="50" charset="-127"/>
+                <a:ea typeface="나눔스퀘어 Light" panose="020B0600000101010101" pitchFamily="50" charset="-127"/>
+              </a:rPr>
+              <a:t>IMAGE SEGMENTATION + LINEAR PROGRAMMING + USER INTERACTION</a:t>
+            </a:r>
+            <a:endParaRPr lang="ko-KR" altLang="en-US" sz="1000" dirty="0">
+              <a:solidFill>
+                <a:srgbClr val="3D3D3D"/>
+              </a:solidFill>
+              <a:latin typeface="나눔스퀘어 Light" panose="020B0600000101010101" pitchFamily="50" charset="-127"/>
+              <a:ea typeface="나눔스퀘어 Light" panose="020B0600000101010101" pitchFamily="50" charset="-127"/>
+            </a:endParaRPr>
+          </a:p>
+          <a:p>
+            <a:pPr algn="r"/>
+            <a:endParaRPr lang="ko-KR" altLang="en-US" sz="1000" dirty="0">
+              <a:solidFill>
+                <a:srgbClr val="3D3D3D"/>
+              </a:solidFill>
+              <a:latin typeface="나눔스퀘어 Light" panose="020B0600000101010101" pitchFamily="50" charset="-127"/>
+              <a:ea typeface="나눔스퀘어 Light" panose="020B0600000101010101" pitchFamily="50" charset="-127"/>
+            </a:endParaRPr>
+          </a:p>
+        </p:txBody>
+      </p:sp>
+      <p:sp>
+        <p:nvSpPr>
+          <p:cNvPr id="7" name="TextBox 6"/>
+          <p:cNvSpPr txBox="1"/>
+          <p:nvPr/>
+        </p:nvSpPr>
+        <p:spPr>
+          <a:xfrm>
+            <a:off x="1073827" y="1574800"/>
+            <a:ext cx="6218625" cy="2585323"/>
+          </a:xfrm>
+          <a:prstGeom prst="rect">
+            <a:avLst/>
+          </a:prstGeom>
+          <a:noFill/>
+        </p:spPr>
+        <p:txBody>
+          <a:bodyPr wrap="none" rtlCol="0">
+            <a:spAutoFit/>
+          </a:bodyPr>
+          <a:lstStyle/>
+          <a:p>
+            <a:r>
+              <a:rPr lang="en-CA" altLang="ko-KR" b="1" dirty="0">
+                <a:solidFill>
+                  <a:schemeClr val="accent3">
+                    <a:lumMod val="75000"/>
+                  </a:schemeClr>
+                </a:solidFill>
+                <a:latin typeface="나눔스퀘어" panose="020B0600000101010101" pitchFamily="50" charset="-127"/>
+                <a:ea typeface="나눔스퀘어" panose="020B0600000101010101" pitchFamily="50" charset="-127"/>
+              </a:rPr>
+              <a:t>What are the key concepts?</a:t>
+            </a:r>
+          </a:p>
+          <a:p>
+            <a:r>
+              <a:rPr lang="en-CA" altLang="ko-KR" dirty="0">
+                <a:solidFill>
+                  <a:schemeClr val="accent3">
+                    <a:lumMod val="75000"/>
+                  </a:schemeClr>
+                </a:solidFill>
+                <a:latin typeface="나눔스퀘어" panose="020B0600000101010101" pitchFamily="50" charset="-127"/>
+                <a:ea typeface="나눔스퀘어" panose="020B0600000101010101" pitchFamily="50" charset="-127"/>
+              </a:rPr>
+              <a:t>	Segmentation, features, </a:t>
+            </a:r>
+            <a:r>
+              <a:rPr lang="en-CA" altLang="ko-KR" b="1" dirty="0">
+                <a:solidFill>
+                  <a:srgbClr val="BF586D"/>
+                </a:solidFill>
+                <a:latin typeface="나눔스퀘어" panose="020B0600000101010101" pitchFamily="50" charset="-127"/>
+                <a:ea typeface="나눔스퀘어" panose="020B0600000101010101" pitchFamily="50" charset="-127"/>
+              </a:rPr>
+              <a:t>clustering</a:t>
+            </a:r>
+            <a:r>
+              <a:rPr lang="en-CA" altLang="ko-KR" dirty="0">
+                <a:solidFill>
+                  <a:schemeClr val="bg1"/>
+                </a:solidFill>
+                <a:latin typeface="나눔스퀘어" panose="020B0600000101010101" pitchFamily="50" charset="-127"/>
+                <a:ea typeface="나눔스퀘어" panose="020B0600000101010101" pitchFamily="50" charset="-127"/>
+              </a:rPr>
+              <a:t> </a:t>
+            </a:r>
+          </a:p>
+          <a:p>
+            <a:r>
+              <a:rPr lang="en-CA" altLang="ko-KR" dirty="0">
+                <a:solidFill>
+                  <a:schemeClr val="bg1"/>
+                </a:solidFill>
+                <a:latin typeface="나눔스퀘어" panose="020B0600000101010101" pitchFamily="50" charset="-127"/>
+                <a:ea typeface="나눔스퀘어" panose="020B0600000101010101" pitchFamily="50" charset="-127"/>
+              </a:rPr>
+              <a:t> </a:t>
+            </a:r>
+          </a:p>
+          <a:p>
+            <a:r>
+              <a:rPr lang="en-CA" altLang="ko-KR" dirty="0">
+                <a:solidFill>
+                  <a:schemeClr val="bg1"/>
+                </a:solidFill>
+                <a:latin typeface="나눔스퀘어" panose="020B0600000101010101" pitchFamily="50" charset="-127"/>
+                <a:ea typeface="나눔스퀘어" panose="020B0600000101010101" pitchFamily="50" charset="-127"/>
+              </a:rPr>
+              <a:t>K-means Algorithm: </a:t>
+            </a:r>
+            <a:r>
+              <a:rPr lang="en-CA" altLang="ko-KR" b="1" dirty="0">
+                <a:solidFill>
+                  <a:srgbClr val="C1444D"/>
+                </a:solidFill>
+                <a:latin typeface="나눔스퀘어" panose="020B0600000101010101" pitchFamily="50" charset="-127"/>
+                <a:ea typeface="나눔스퀘어" panose="020B0600000101010101" pitchFamily="50" charset="-127"/>
+              </a:rPr>
+              <a:t>Expectation-Maximization</a:t>
+            </a:r>
+          </a:p>
+          <a:p>
+            <a:pPr marL="342900" indent="-342900">
+              <a:buAutoNum type="arabicPeriod"/>
+            </a:pPr>
+            <a:r>
+              <a:rPr lang="en-CA" altLang="ko-KR" dirty="0">
+                <a:solidFill>
+                  <a:schemeClr val="bg1"/>
+                </a:solidFill>
+                <a:latin typeface="나눔스퀘어" panose="020B0600000101010101" pitchFamily="50" charset="-127"/>
+                <a:ea typeface="나눔스퀘어" panose="020B0600000101010101" pitchFamily="50" charset="-127"/>
+              </a:rPr>
+              <a:t>Guess some cluster centers</a:t>
+            </a:r>
+          </a:p>
+          <a:p>
+            <a:pPr marL="342900" indent="-342900">
+              <a:buAutoNum type="arabicPeriod"/>
+            </a:pPr>
+            <a:r>
+              <a:rPr lang="en-CA" altLang="ko-KR" dirty="0">
+                <a:solidFill>
+                  <a:schemeClr val="bg1"/>
+                </a:solidFill>
+                <a:latin typeface="나눔스퀘어" panose="020B0600000101010101" pitchFamily="50" charset="-127"/>
+                <a:ea typeface="나눔스퀘어" panose="020B0600000101010101" pitchFamily="50" charset="-127"/>
+              </a:rPr>
+              <a:t>Repeat until converged</a:t>
+            </a:r>
+          </a:p>
+          <a:p>
+            <a:pPr marL="800100" lvl="1" indent="-342900">
+              <a:buAutoNum type="arabicPeriod"/>
+            </a:pPr>
+            <a:r>
+              <a:rPr lang="en-CA" altLang="ko-KR" dirty="0">
+                <a:solidFill>
+                  <a:schemeClr val="bg1"/>
+                </a:solidFill>
+                <a:latin typeface="나눔스퀘어" panose="020B0600000101010101" pitchFamily="50" charset="-127"/>
+                <a:ea typeface="나눔스퀘어" panose="020B0600000101010101" pitchFamily="50" charset="-127"/>
+              </a:rPr>
+              <a:t>E-Step: assign points to the nearest cluster center</a:t>
+            </a:r>
+          </a:p>
+          <a:p>
+            <a:pPr marL="800100" lvl="1" indent="-342900">
+              <a:buAutoNum type="arabicPeriod"/>
+            </a:pPr>
+            <a:r>
+              <a:rPr lang="en-CA" altLang="ko-KR" dirty="0">
+                <a:solidFill>
+                  <a:schemeClr val="bg1"/>
+                </a:solidFill>
+                <a:latin typeface="나눔스퀘어" panose="020B0600000101010101" pitchFamily="50" charset="-127"/>
+                <a:ea typeface="나눔스퀘어" panose="020B0600000101010101" pitchFamily="50" charset="-127"/>
+              </a:rPr>
+              <a:t>M-Step: set the cluster centers to the mean</a:t>
+            </a:r>
+          </a:p>
+          <a:p>
+            <a:endParaRPr lang="en-CA" altLang="ko-KR" b="1" dirty="0">
+              <a:solidFill>
+                <a:srgbClr val="BF586D"/>
+              </a:solidFill>
+              <a:latin typeface="나눔스퀘어" panose="020B0600000101010101" pitchFamily="50" charset="-127"/>
+              <a:ea typeface="나눔스퀘어" panose="020B0600000101010101" pitchFamily="50" charset="-127"/>
+            </a:endParaRPr>
+          </a:p>
+        </p:txBody>
+      </p:sp>
+      <p:pic>
+        <p:nvPicPr>
+          <p:cNvPr id="2" name="Picture 1">
+            <a:extLst>
+              <a:ext uri="{FF2B5EF4-FFF2-40B4-BE49-F238E27FC236}">
+                <a16:creationId xmlns:a16="http://schemas.microsoft.com/office/drawing/2014/main" id="{CC3BF0E0-9099-405A-9835-4A7744FF59B0}"/>
+              </a:ext>
+            </a:extLst>
+          </p:cNvPr>
+          <p:cNvPicPr>
+            <a:picLocks noChangeAspect="1"/>
+          </p:cNvPicPr>
+          <p:nvPr/>
+        </p:nvPicPr>
+        <p:blipFill>
+          <a:blip r:embed="rId3"/>
+          <a:stretch>
+            <a:fillRect/>
+          </a:stretch>
+        </p:blipFill>
+        <p:spPr>
+          <a:xfrm>
+            <a:off x="1704975" y="4106862"/>
+            <a:ext cx="8782050" cy="2352675"/>
+          </a:xfrm>
+          <a:prstGeom prst="rect">
+            <a:avLst/>
+          </a:prstGeom>
+        </p:spPr>
+      </p:pic>
+    </p:spTree>
+    <p:extLst>
+      <p:ext uri="{BB962C8B-B14F-4D97-AF65-F5344CB8AC3E}">
+        <p14:creationId xmlns:p14="http://schemas.microsoft.com/office/powerpoint/2010/main" val="3251798745"/>
+      </p:ext>
+    </p:extLst>
+  </p:cSld>
+  <p:clrMapOvr>
+    <a:masterClrMapping/>
+  </p:clrMapOvr>
+</p:sld>
+</file>
+
+<file path=ppt/slides/slide12.xml><?xml version="1.0" encoding="utf-8"?>
+<p:sld xmlns:a="http://schemas.openxmlformats.org/drawingml/2006/main" xmlns:r="http://schemas.openxmlformats.org/officeDocument/2006/relationships" xmlns:p="http://schemas.openxmlformats.org/presentationml/2006/main">
+  <p:cSld>
+    <p:spTree>
+      <p:nvGrpSpPr>
+        <p:cNvPr id="1" name=""/>
+        <p:cNvGrpSpPr/>
+        <p:nvPr/>
+      </p:nvGrpSpPr>
+      <p:grpSpPr>
+        <a:xfrm>
+          <a:off x="0" y="0"/>
+          <a:ext cx="0" cy="0"/>
+          <a:chOff x="0" y="0"/>
+          <a:chExt cx="0" cy="0"/>
+        </a:xfrm>
+      </p:grpSpPr>
+      <p:sp>
+        <p:nvSpPr>
+          <p:cNvPr id="3" name="TextBox 2"/>
+          <p:cNvSpPr txBox="1"/>
+          <p:nvPr/>
+        </p:nvSpPr>
+        <p:spPr>
+          <a:xfrm>
+            <a:off x="246328" y="310733"/>
+            <a:ext cx="5802614" cy="584775"/>
+          </a:xfrm>
+          <a:prstGeom prst="rect">
+            <a:avLst/>
+          </a:prstGeom>
+          <a:noFill/>
+        </p:spPr>
+        <p:txBody>
+          <a:bodyPr wrap="none" rtlCol="0" anchor="ctr">
+            <a:spAutoFit/>
+          </a:bodyPr>
+          <a:lstStyle/>
+          <a:p>
+            <a:r>
+              <a:rPr lang="en-US" altLang="ko-KR" sz="3200" b="1" dirty="0">
+                <a:solidFill>
+                  <a:srgbClr val="C1444D"/>
+                </a:solidFill>
+                <a:latin typeface="나눔스퀘어 Bold" panose="020B0600000101010101" pitchFamily="50" charset="-127"/>
+                <a:ea typeface="나눔스퀘어 Bold" panose="020B0600000101010101" pitchFamily="50" charset="-127"/>
+              </a:rPr>
+              <a:t>002/ Mathematical Formula?</a:t>
+            </a:r>
+            <a:endParaRPr lang="ko-KR" altLang="en-US" sz="3200" b="1" dirty="0">
+              <a:solidFill>
+                <a:srgbClr val="C1444D"/>
+              </a:solidFill>
+              <a:latin typeface="나눔스퀘어 Bold" panose="020B0600000101010101" pitchFamily="50" charset="-127"/>
+              <a:ea typeface="나눔스퀘어 Bold" panose="020B0600000101010101" pitchFamily="50" charset="-127"/>
+            </a:endParaRPr>
+          </a:p>
+        </p:txBody>
+      </p:sp>
+      <p:sp>
+        <p:nvSpPr>
+          <p:cNvPr id="5" name="TextBox 4"/>
+          <p:cNvSpPr txBox="1"/>
+          <p:nvPr/>
+        </p:nvSpPr>
+        <p:spPr>
+          <a:xfrm>
+            <a:off x="7620223" y="74037"/>
+            <a:ext cx="4533677" cy="400110"/>
+          </a:xfrm>
+          <a:prstGeom prst="rect">
+            <a:avLst/>
+          </a:prstGeom>
+          <a:noFill/>
+        </p:spPr>
+        <p:txBody>
+          <a:bodyPr wrap="none" rtlCol="0">
+            <a:spAutoFit/>
+          </a:bodyPr>
+          <a:lstStyle/>
+          <a:p>
+            <a:pPr algn="r"/>
+            <a:r>
+              <a:rPr lang="en-CA" altLang="ko-KR" sz="1000" dirty="0">
+                <a:solidFill>
+                  <a:srgbClr val="3D3D3D"/>
+                </a:solidFill>
+                <a:latin typeface="나눔스퀘어 Light" panose="020B0600000101010101" pitchFamily="50" charset="-127"/>
+                <a:ea typeface="나눔스퀘어 Light" panose="020B0600000101010101" pitchFamily="50" charset="-127"/>
+              </a:rPr>
+              <a:t>IMAGE SEGMENTATION + LINEAR PROGRAMMING + USER INTERACTION</a:t>
+            </a:r>
+            <a:endParaRPr lang="ko-KR" altLang="en-US" sz="1000" dirty="0">
+              <a:solidFill>
+                <a:srgbClr val="3D3D3D"/>
+              </a:solidFill>
+              <a:latin typeface="나눔스퀘어 Light" panose="020B0600000101010101" pitchFamily="50" charset="-127"/>
+              <a:ea typeface="나눔스퀘어 Light" panose="020B0600000101010101" pitchFamily="50" charset="-127"/>
+            </a:endParaRPr>
+          </a:p>
+          <a:p>
+            <a:pPr algn="r"/>
+            <a:endParaRPr lang="ko-KR" altLang="en-US" sz="1000" dirty="0">
+              <a:solidFill>
+                <a:srgbClr val="3D3D3D"/>
+              </a:solidFill>
+              <a:latin typeface="나눔스퀘어 Light" panose="020B0600000101010101" pitchFamily="50" charset="-127"/>
+              <a:ea typeface="나눔스퀘어 Light" panose="020B0600000101010101" pitchFamily="50" charset="-127"/>
+            </a:endParaRPr>
+          </a:p>
+        </p:txBody>
+      </p:sp>
+      <p:sp>
+        <p:nvSpPr>
+          <p:cNvPr id="7" name="TextBox 6"/>
+          <p:cNvSpPr txBox="1"/>
+          <p:nvPr/>
+        </p:nvSpPr>
+        <p:spPr>
+          <a:xfrm>
+            <a:off x="1073827" y="1574800"/>
             <a:ext cx="6344622" cy="923330"/>
           </a:xfrm>
           <a:prstGeom prst="rect">
@@ -3664,7 +4728,7 @@
                 <a:latin typeface="나눔스퀘어" panose="020B0600000101010101" pitchFamily="50" charset="-127"/>
                 <a:ea typeface="나눔스퀘어" panose="020B0600000101010101" pitchFamily="50" charset="-127"/>
               </a:rPr>
-              <a:t> segmentation problem</a:t>
+              <a:t> segmentation problem (k=2)</a:t>
             </a:r>
           </a:p>
           <a:p>
@@ -3740,7 +4804,7 @@
 </p:sld>
 </file>
 
-<file path=ppt/slides/slide11.xml><?xml version="1.0" encoding="utf-8"?>
+<file path=ppt/slides/slide13.xml><?xml version="1.0" encoding="utf-8"?>
 <p:sld xmlns:a="http://schemas.openxmlformats.org/drawingml/2006/main" xmlns:r="http://schemas.openxmlformats.org/officeDocument/2006/relationships" xmlns:p="http://schemas.openxmlformats.org/presentationml/2006/main">
   <p:cSld>
     <p:spTree>
@@ -3895,7 +4959,7 @@
 </p:sld>
 </file>
 
-<file path=ppt/slides/slide12.xml><?xml version="1.0" encoding="utf-8"?>
+<file path=ppt/slides/slide14.xml><?xml version="1.0" encoding="utf-8"?>
 <p:sld xmlns:a="http://schemas.openxmlformats.org/drawingml/2006/main" xmlns:r="http://schemas.openxmlformats.org/officeDocument/2006/relationships" xmlns:p="http://schemas.openxmlformats.org/presentationml/2006/main">
   <p:cSld>
     <p:spTree>
@@ -4016,7 +5080,7 @@
         <p:spPr>
           <a:xfrm>
             <a:off x="1073827" y="1574800"/>
-            <a:ext cx="5138010" cy="2862322"/>
+            <a:ext cx="5030351" cy="4247317"/>
           </a:xfrm>
           <a:prstGeom prst="rect">
             <a:avLst/>
@@ -4098,7 +5162,7 @@
                 <a:latin typeface="나눔스퀘어" panose="020B0600000101010101" pitchFamily="50" charset="-127"/>
                 <a:ea typeface="나눔스퀘어" panose="020B0600000101010101" pitchFamily="50" charset="-127"/>
               </a:rPr>
-              <a:t>Unsupervised: recognition</a:t>
+              <a:t>Unsupervised: no training data</a:t>
             </a:r>
           </a:p>
           <a:p>
@@ -4110,7 +5174,64 @@
                 <a:latin typeface="나눔스퀘어" panose="020B0600000101010101" pitchFamily="50" charset="-127"/>
                 <a:ea typeface="나눔스퀘어" panose="020B0600000101010101" pitchFamily="50" charset="-127"/>
               </a:rPr>
-              <a:t>Supervised: photoshop, medical image analysis</a:t>
+              <a:t>	features lie together because</a:t>
+            </a:r>
+          </a:p>
+          <a:p>
+            <a:r>
+              <a:rPr lang="en-CA" altLang="ko-KR" dirty="0">
+                <a:solidFill>
+                  <a:schemeClr val="bg1"/>
+                </a:solidFill>
+                <a:latin typeface="나눔스퀘어" panose="020B0600000101010101" pitchFamily="50" charset="-127"/>
+                <a:ea typeface="나눔스퀘어" panose="020B0600000101010101" pitchFamily="50" charset="-127"/>
+              </a:rPr>
+              <a:t>	they are locally coherent</a:t>
+            </a:r>
+          </a:p>
+          <a:p>
+            <a:endParaRPr lang="en-CA" altLang="ko-KR" dirty="0">
+              <a:solidFill>
+                <a:schemeClr val="bg1"/>
+              </a:solidFill>
+              <a:latin typeface="나눔스퀘어" panose="020B0600000101010101" pitchFamily="50" charset="-127"/>
+              <a:ea typeface="나눔스퀘어" panose="020B0600000101010101" pitchFamily="50" charset="-127"/>
+            </a:endParaRPr>
+          </a:p>
+          <a:p>
+            <a:r>
+              <a:rPr lang="en-CA" altLang="ko-KR" dirty="0">
+                <a:solidFill>
+                  <a:schemeClr val="bg1"/>
+                </a:solidFill>
+                <a:latin typeface="나눔스퀘어" panose="020B0600000101010101" pitchFamily="50" charset="-127"/>
+                <a:ea typeface="나눔스퀘어" panose="020B0600000101010101" pitchFamily="50" charset="-127"/>
+              </a:rPr>
+              <a:t>Supervised: medical image analysis</a:t>
+            </a:r>
+          </a:p>
+          <a:p>
+            <a:r>
+              <a:rPr lang="en-CA" altLang="ko-KR" dirty="0">
+                <a:solidFill>
+                  <a:schemeClr val="bg1"/>
+                </a:solidFill>
+                <a:latin typeface="나눔스퀘어" panose="020B0600000101010101" pitchFamily="50" charset="-127"/>
+                <a:ea typeface="나눔스퀘어" panose="020B0600000101010101" pitchFamily="50" charset="-127"/>
+              </a:rPr>
+              <a:t>	features belong together because </a:t>
+            </a:r>
+          </a:p>
+          <a:p>
+            <a:r>
+              <a:rPr lang="en-CA" altLang="ko-KR" dirty="0">
+                <a:solidFill>
+                  <a:schemeClr val="bg1"/>
+                </a:solidFill>
+                <a:latin typeface="나눔스퀘어" panose="020B0600000101010101" pitchFamily="50" charset="-127"/>
+                <a:ea typeface="나눔스퀘어" panose="020B0600000101010101" pitchFamily="50" charset="-127"/>
+              </a:rPr>
+              <a:t>	they lie on the same object</a:t>
             </a:r>
           </a:p>
           <a:p>
@@ -4317,7 +5438,7 @@
 </p:sld>
 </file>
 
-<file path=ppt/slides/slide13.xml><?xml version="1.0" encoding="utf-8"?>
+<file path=ppt/slides/slide15.xml><?xml version="1.0" encoding="utf-8"?>
 <p:sld xmlns:a="http://schemas.openxmlformats.org/drawingml/2006/main" xmlns:r="http://schemas.openxmlformats.org/officeDocument/2006/relationships" xmlns:p="http://schemas.openxmlformats.org/presentationml/2006/main">
   <p:cSld>
     <p:spTree>
@@ -4828,7 +5949,7 @@
 </p:sld>
 </file>
 
-<file path=ppt/slides/slide14.xml><?xml version="1.0" encoding="utf-8"?>
+<file path=ppt/slides/slide16.xml><?xml version="1.0" encoding="utf-8"?>
 <p:sld xmlns:a="http://schemas.openxmlformats.org/drawingml/2006/main" xmlns:r="http://schemas.openxmlformats.org/officeDocument/2006/relationships" xmlns:p="http://schemas.openxmlformats.org/presentationml/2006/main">
   <p:cSld>
     <p:spTree>
@@ -5126,7 +6247,7 @@
 </p:sld>
 </file>
 
-<file path=ppt/slides/slide15.xml><?xml version="1.0" encoding="utf-8"?>
+<file path=ppt/slides/slide17.xml><?xml version="1.0" encoding="utf-8"?>
 <p:sld xmlns:a="http://schemas.openxmlformats.org/drawingml/2006/main" xmlns:r="http://schemas.openxmlformats.org/officeDocument/2006/relationships" xmlns:p="http://schemas.openxmlformats.org/presentationml/2006/main">
   <p:cSld>
     <p:spTree>
@@ -5246,8 +6367,8 @@
         </p:nvSpPr>
         <p:spPr>
           <a:xfrm>
-            <a:off x="689678" y="1574800"/>
-            <a:ext cx="6122771" cy="1477328"/>
+            <a:off x="689678" y="1531257"/>
+            <a:ext cx="6122771" cy="2862322"/>
           </a:xfrm>
           <a:prstGeom prst="rect">
             <a:avLst/>
@@ -5278,7 +6399,7 @@
                 <a:latin typeface="나눔스퀘어" panose="020B0600000101010101" pitchFamily="50" charset="-127"/>
                 <a:ea typeface="나눔스퀘어" panose="020B0600000101010101" pitchFamily="50" charset="-127"/>
               </a:rPr>
-              <a:t> technique?</a:t>
+              <a:t> technique? Gaussian Mixture Model </a:t>
             </a:r>
           </a:p>
           <a:p>
@@ -5299,10 +6420,46 @@
                 <a:latin typeface="나눔스퀘어" panose="020B0600000101010101" pitchFamily="50" charset="-127"/>
                 <a:ea typeface="나눔스퀘어" panose="020B0600000101010101" pitchFamily="50" charset="-127"/>
               </a:rPr>
-              <a:t>Decision boundaries in feature space is estimated by</a:t>
-            </a:r>
-          </a:p>
-          <a:p>
+              <a:t>Why? Disadvantages of k-means</a:t>
+            </a:r>
+          </a:p>
+          <a:p>
+            <a:pPr marL="285750" indent="-285750">
+              <a:buFontTx/>
+              <a:buChar char="-"/>
+            </a:pPr>
+            <a:r>
+              <a:rPr lang="en-CA" altLang="ko-KR" dirty="0">
+                <a:solidFill>
+                  <a:schemeClr val="bg1"/>
+                </a:solidFill>
+                <a:latin typeface="나눔스퀘어" panose="020B0600000101010101" pitchFamily="50" charset="-127"/>
+                <a:ea typeface="나눔스퀘어" panose="020B0600000101010101" pitchFamily="50" charset="-127"/>
+              </a:rPr>
+              <a:t>Lack of flexibility in cluster shape</a:t>
+            </a:r>
+          </a:p>
+          <a:p>
+            <a:pPr marL="285750" indent="-285750">
+              <a:buFontTx/>
+              <a:buChar char="-"/>
+            </a:pPr>
+            <a:r>
+              <a:rPr lang="en-CA" altLang="ko-KR" dirty="0">
+                <a:solidFill>
+                  <a:schemeClr val="bg1"/>
+                </a:solidFill>
+                <a:latin typeface="나눔스퀘어" panose="020B0600000101010101" pitchFamily="50" charset="-127"/>
+                <a:ea typeface="나눔스퀘어" panose="020B0600000101010101" pitchFamily="50" charset="-127"/>
+              </a:rPr>
+              <a:t>Lack of probabilistic cluster assignment</a:t>
+            </a:r>
+          </a:p>
+          <a:p>
+            <a:pPr marL="285750" indent="-285750">
+              <a:buFontTx/>
+              <a:buChar char="-"/>
+            </a:pPr>
             <a:endParaRPr lang="en-CA" altLang="ko-KR" dirty="0">
               <a:solidFill>
                 <a:schemeClr val="bg1"/>
@@ -5320,7 +6477,79 @@
                 <a:latin typeface="나눔스퀘어" panose="020B0600000101010101" pitchFamily="50" charset="-127"/>
                 <a:ea typeface="나눔스퀘어" panose="020B0600000101010101" pitchFamily="50" charset="-127"/>
               </a:rPr>
-              <a:t>Automatic clustering method: GMM (parametric)</a:t>
+              <a:t>What is GMM?</a:t>
+            </a:r>
+          </a:p>
+          <a:p>
+            <a:r>
+              <a:rPr lang="en-CA" altLang="ko-KR" dirty="0">
+                <a:solidFill>
+                  <a:schemeClr val="bg1"/>
+                </a:solidFill>
+                <a:latin typeface="나눔스퀘어" panose="020B0600000101010101" pitchFamily="50" charset="-127"/>
+                <a:ea typeface="나눔스퀘어" panose="020B0600000101010101" pitchFamily="50" charset="-127"/>
+              </a:rPr>
+              <a:t>- Attempts to find a </a:t>
+            </a:r>
+            <a:r>
+              <a:rPr lang="en-CA" altLang="ko-KR" b="1" dirty="0">
+                <a:solidFill>
+                  <a:srgbClr val="BF586D"/>
+                </a:solidFill>
+                <a:latin typeface="나눔스퀘어" panose="020B0600000101010101" pitchFamily="50" charset="-127"/>
+                <a:ea typeface="나눔스퀘어" panose="020B0600000101010101" pitchFamily="50" charset="-127"/>
+              </a:rPr>
+              <a:t>mixture</a:t>
+            </a:r>
+            <a:r>
+              <a:rPr lang="en-CA" altLang="ko-KR" dirty="0">
+                <a:solidFill>
+                  <a:schemeClr val="bg1"/>
+                </a:solidFill>
+                <a:latin typeface="나눔스퀘어" panose="020B0600000101010101" pitchFamily="50" charset="-127"/>
+                <a:ea typeface="나눔스퀘어" panose="020B0600000101010101" pitchFamily="50" charset="-127"/>
+              </a:rPr>
+              <a:t> of multi-dimensional </a:t>
+            </a:r>
+            <a:r>
+              <a:rPr lang="en-CA" altLang="ko-KR" b="1" dirty="0">
+                <a:solidFill>
+                  <a:srgbClr val="BF586D"/>
+                </a:solidFill>
+                <a:latin typeface="나눔스퀘어" panose="020B0600000101010101" pitchFamily="50" charset="-127"/>
+                <a:ea typeface="나눔스퀘어" panose="020B0600000101010101" pitchFamily="50" charset="-127"/>
+              </a:rPr>
+              <a:t>Gaussian probability distributions </a:t>
+            </a:r>
+            <a:r>
+              <a:rPr lang="en-CA" altLang="ko-KR" dirty="0">
+                <a:solidFill>
+                  <a:schemeClr val="bg1"/>
+                </a:solidFill>
+                <a:latin typeface="나눔스퀘어" panose="020B0600000101010101" pitchFamily="50" charset="-127"/>
+                <a:ea typeface="나눔스퀘어" panose="020B0600000101010101" pitchFamily="50" charset="-127"/>
+              </a:rPr>
+              <a:t>that </a:t>
+            </a:r>
+            <a:r>
+              <a:rPr lang="en-CA" altLang="ko-KR" b="1" dirty="0">
+                <a:solidFill>
+                  <a:srgbClr val="BF586D"/>
+                </a:solidFill>
+                <a:latin typeface="나눔스퀘어" panose="020B0600000101010101" pitchFamily="50" charset="-127"/>
+                <a:ea typeface="나눔스퀘어" panose="020B0600000101010101" pitchFamily="50" charset="-127"/>
+              </a:rPr>
+              <a:t>best model</a:t>
+            </a:r>
+            <a:r>
+              <a:rPr lang="en-CA" altLang="ko-KR" dirty="0">
+                <a:solidFill>
+                  <a:schemeClr val="bg1"/>
+                </a:solidFill>
+                <a:latin typeface="나눔스퀘어" panose="020B0600000101010101" pitchFamily="50" charset="-127"/>
+                <a:ea typeface="나눔스퀘어" panose="020B0600000101010101" pitchFamily="50" charset="-127"/>
+              </a:rPr>
+              <a:t> any input dataset</a:t>
             </a:r>
           </a:p>
         </p:txBody>
@@ -5347,8 +6576,713 @@
         </p:blipFill>
         <p:spPr>
           <a:xfrm>
-            <a:off x="6549322" y="2266950"/>
+            <a:off x="6812449" y="2150057"/>
             <a:ext cx="4953000" cy="2933700"/>
+          </a:xfrm>
+          <a:prstGeom prst="rect">
+            <a:avLst/>
+          </a:prstGeom>
+        </p:spPr>
+      </p:pic>
+    </p:spTree>
+    <p:extLst>
+      <p:ext uri="{BB962C8B-B14F-4D97-AF65-F5344CB8AC3E}">
+        <p14:creationId xmlns:p14="http://schemas.microsoft.com/office/powerpoint/2010/main" val="2690776996"/>
+      </p:ext>
+    </p:extLst>
+  </p:cSld>
+  <p:clrMapOvr>
+    <a:masterClrMapping/>
+  </p:clrMapOvr>
+</p:sld>
+</file>
+
+<file path=ppt/slides/slide18.xml><?xml version="1.0" encoding="utf-8"?>
+<p:sld xmlns:a="http://schemas.openxmlformats.org/drawingml/2006/main" xmlns:r="http://schemas.openxmlformats.org/officeDocument/2006/relationships" xmlns:p="http://schemas.openxmlformats.org/presentationml/2006/main">
+  <p:cSld>
+    <p:spTree>
+      <p:nvGrpSpPr>
+        <p:cNvPr id="1" name=""/>
+        <p:cNvGrpSpPr/>
+        <p:nvPr/>
+      </p:nvGrpSpPr>
+      <p:grpSpPr>
+        <a:xfrm>
+          <a:off x="0" y="0"/>
+          <a:ext cx="0" cy="0"/>
+          <a:chOff x="0" y="0"/>
+          <a:chExt cx="0" cy="0"/>
+        </a:xfrm>
+      </p:grpSpPr>
+      <p:sp>
+        <p:nvSpPr>
+          <p:cNvPr id="3" name="TextBox 2"/>
+          <p:cNvSpPr txBox="1"/>
+          <p:nvPr/>
+        </p:nvSpPr>
+        <p:spPr>
+          <a:xfrm>
+            <a:off x="246328" y="310733"/>
+            <a:ext cx="5802614" cy="584775"/>
+          </a:xfrm>
+          <a:prstGeom prst="rect">
+            <a:avLst/>
+          </a:prstGeom>
+          <a:noFill/>
+        </p:spPr>
+        <p:txBody>
+          <a:bodyPr wrap="none" rtlCol="0" anchor="ctr">
+            <a:spAutoFit/>
+          </a:bodyPr>
+          <a:lstStyle/>
+          <a:p>
+            <a:r>
+              <a:rPr lang="en-US" altLang="ko-KR" sz="3200" b="1" dirty="0">
+                <a:solidFill>
+                  <a:srgbClr val="C1444D"/>
+                </a:solidFill>
+                <a:latin typeface="나눔스퀘어 Bold" panose="020B0600000101010101" pitchFamily="50" charset="-127"/>
+                <a:ea typeface="나눔스퀘어 Bold" panose="020B0600000101010101" pitchFamily="50" charset="-127"/>
+              </a:rPr>
+              <a:t>002/ Mathematical Formula?</a:t>
+            </a:r>
+            <a:endParaRPr lang="ko-KR" altLang="en-US" sz="3200" b="1" dirty="0">
+              <a:solidFill>
+                <a:srgbClr val="C1444D"/>
+              </a:solidFill>
+              <a:latin typeface="나눔스퀘어 Bold" panose="020B0600000101010101" pitchFamily="50" charset="-127"/>
+              <a:ea typeface="나눔스퀘어 Bold" panose="020B0600000101010101" pitchFamily="50" charset="-127"/>
+            </a:endParaRPr>
+          </a:p>
+        </p:txBody>
+      </p:sp>
+      <p:sp>
+        <p:nvSpPr>
+          <p:cNvPr id="5" name="TextBox 4"/>
+          <p:cNvSpPr txBox="1"/>
+          <p:nvPr/>
+        </p:nvSpPr>
+        <p:spPr>
+          <a:xfrm>
+            <a:off x="7620223" y="74037"/>
+            <a:ext cx="4533677" cy="400110"/>
+          </a:xfrm>
+          <a:prstGeom prst="rect">
+            <a:avLst/>
+          </a:prstGeom>
+          <a:noFill/>
+        </p:spPr>
+        <p:txBody>
+          <a:bodyPr wrap="none" rtlCol="0">
+            <a:spAutoFit/>
+          </a:bodyPr>
+          <a:lstStyle/>
+          <a:p>
+            <a:pPr algn="r"/>
+            <a:r>
+              <a:rPr lang="en-CA" altLang="ko-KR" sz="1000" dirty="0">
+                <a:solidFill>
+                  <a:srgbClr val="3D3D3D"/>
+                </a:solidFill>
+                <a:latin typeface="나눔스퀘어 Light" panose="020B0600000101010101" pitchFamily="50" charset="-127"/>
+                <a:ea typeface="나눔스퀘어 Light" panose="020B0600000101010101" pitchFamily="50" charset="-127"/>
+              </a:rPr>
+              <a:t>IMAGE SEGMENTATION + LINEAR PROGRAMMING + USER INTERACTION</a:t>
+            </a:r>
+            <a:endParaRPr lang="ko-KR" altLang="en-US" sz="1000" dirty="0">
+              <a:solidFill>
+                <a:srgbClr val="3D3D3D"/>
+              </a:solidFill>
+              <a:latin typeface="나눔스퀘어 Light" panose="020B0600000101010101" pitchFamily="50" charset="-127"/>
+              <a:ea typeface="나눔스퀘어 Light" panose="020B0600000101010101" pitchFamily="50" charset="-127"/>
+            </a:endParaRPr>
+          </a:p>
+          <a:p>
+            <a:pPr algn="r"/>
+            <a:endParaRPr lang="ko-KR" altLang="en-US" sz="1000" dirty="0">
+              <a:solidFill>
+                <a:srgbClr val="3D3D3D"/>
+              </a:solidFill>
+              <a:latin typeface="나눔스퀘어 Light" panose="020B0600000101010101" pitchFamily="50" charset="-127"/>
+              <a:ea typeface="나눔스퀘어 Light" panose="020B0600000101010101" pitchFamily="50" charset="-127"/>
+            </a:endParaRPr>
+          </a:p>
+        </p:txBody>
+      </p:sp>
+      <p:pic>
+        <p:nvPicPr>
+          <p:cNvPr id="2" name="Picture 1">
+            <a:extLst>
+              <a:ext uri="{FF2B5EF4-FFF2-40B4-BE49-F238E27FC236}">
+                <a16:creationId xmlns:a16="http://schemas.microsoft.com/office/drawing/2014/main" id="{6A4B97D2-694B-4098-A738-EFD7B6D6408A}"/>
+              </a:ext>
+            </a:extLst>
+          </p:cNvPr>
+          <p:cNvPicPr>
+            <a:picLocks noChangeAspect="1"/>
+          </p:cNvPicPr>
+          <p:nvPr/>
+        </p:nvPicPr>
+        <p:blipFill>
+          <a:blip r:embed="rId3"/>
+          <a:stretch>
+            <a:fillRect/>
+          </a:stretch>
+        </p:blipFill>
+        <p:spPr>
+          <a:xfrm>
+            <a:off x="3619500" y="1962150"/>
+            <a:ext cx="4953000" cy="2933700"/>
+          </a:xfrm>
+          <a:prstGeom prst="rect">
+            <a:avLst/>
+          </a:prstGeom>
+        </p:spPr>
+      </p:pic>
+      <p:sp>
+        <p:nvSpPr>
+          <p:cNvPr id="4" name="Rectangle 3">
+            <a:extLst>
+              <a:ext uri="{FF2B5EF4-FFF2-40B4-BE49-F238E27FC236}">
+                <a16:creationId xmlns:a16="http://schemas.microsoft.com/office/drawing/2014/main" id="{7F26152F-FCE6-4F8D-BB13-DD168E33654E}"/>
+              </a:ext>
+            </a:extLst>
+          </p:cNvPr>
+          <p:cNvSpPr/>
+          <p:nvPr/>
+        </p:nvSpPr>
+        <p:spPr>
+          <a:xfrm>
+            <a:off x="685800" y="3254828"/>
+            <a:ext cx="4767943" cy="87086"/>
+          </a:xfrm>
+          <a:prstGeom prst="rect">
+            <a:avLst/>
+          </a:prstGeom>
+          <a:solidFill>
+            <a:srgbClr val="C1444D"/>
+          </a:solidFill>
+          <a:ln>
+            <a:noFill/>
+          </a:ln>
+        </p:spPr>
+        <p:style>
+          <a:lnRef idx="2">
+            <a:schemeClr val="accent1">
+              <a:shade val="50000"/>
+            </a:schemeClr>
+          </a:lnRef>
+          <a:fillRef idx="1">
+            <a:schemeClr val="accent1"/>
+          </a:fillRef>
+          <a:effectRef idx="0">
+            <a:schemeClr val="accent1"/>
+          </a:effectRef>
+          <a:fontRef idx="minor">
+            <a:schemeClr val="lt1"/>
+          </a:fontRef>
+        </p:style>
+        <p:txBody>
+          <a:bodyPr rtlCol="0" anchor="ctr"/>
+          <a:lstStyle/>
+          <a:p>
+            <a:pPr algn="ctr"/>
+            <a:endParaRPr lang="en-CA" dirty="0"/>
+          </a:p>
+        </p:txBody>
+      </p:sp>
+      <p:sp>
+        <p:nvSpPr>
+          <p:cNvPr id="6" name="Rectangle 5">
+            <a:extLst>
+              <a:ext uri="{FF2B5EF4-FFF2-40B4-BE49-F238E27FC236}">
+                <a16:creationId xmlns:a16="http://schemas.microsoft.com/office/drawing/2014/main" id="{F7E30560-4CE6-4B45-968E-B0319C0D89E6}"/>
+              </a:ext>
+            </a:extLst>
+          </p:cNvPr>
+          <p:cNvSpPr/>
+          <p:nvPr/>
+        </p:nvSpPr>
+        <p:spPr>
+          <a:xfrm>
+            <a:off x="5812972" y="2064283"/>
+            <a:ext cx="4767943" cy="87086"/>
+          </a:xfrm>
+          <a:prstGeom prst="rect">
+            <a:avLst/>
+          </a:prstGeom>
+          <a:solidFill>
+            <a:srgbClr val="C1444D"/>
+          </a:solidFill>
+          <a:ln>
+            <a:noFill/>
+          </a:ln>
+        </p:spPr>
+        <p:style>
+          <a:lnRef idx="2">
+            <a:schemeClr val="accent1">
+              <a:shade val="50000"/>
+            </a:schemeClr>
+          </a:lnRef>
+          <a:fillRef idx="1">
+            <a:schemeClr val="accent1"/>
+          </a:fillRef>
+          <a:effectRef idx="0">
+            <a:schemeClr val="accent1"/>
+          </a:effectRef>
+          <a:fontRef idx="minor">
+            <a:schemeClr val="lt1"/>
+          </a:fontRef>
+        </p:style>
+        <p:txBody>
+          <a:bodyPr rtlCol="0" anchor="ctr"/>
+          <a:lstStyle/>
+          <a:p>
+            <a:pPr algn="ctr"/>
+            <a:endParaRPr lang="en-CA" dirty="0"/>
+          </a:p>
+        </p:txBody>
+      </p:sp>
+      <p:sp>
+        <p:nvSpPr>
+          <p:cNvPr id="7" name="Rectangle 6">
+            <a:extLst>
+              <a:ext uri="{FF2B5EF4-FFF2-40B4-BE49-F238E27FC236}">
+                <a16:creationId xmlns:a16="http://schemas.microsoft.com/office/drawing/2014/main" id="{A74755AC-3492-4137-9BCF-4CEE3B9A3AA6}"/>
+              </a:ext>
+            </a:extLst>
+          </p:cNvPr>
+          <p:cNvSpPr/>
+          <p:nvPr/>
+        </p:nvSpPr>
+        <p:spPr>
+          <a:xfrm>
+            <a:off x="516728" y="2525876"/>
+            <a:ext cx="3102772" cy="646331"/>
+          </a:xfrm>
+          <a:prstGeom prst="rect">
+            <a:avLst/>
+          </a:prstGeom>
+        </p:spPr>
+        <p:txBody>
+          <a:bodyPr wrap="none">
+            <a:spAutoFit/>
+          </a:bodyPr>
+          <a:lstStyle/>
+          <a:p>
+            <a:r>
+              <a:rPr lang="en-CA" altLang="ko-KR" dirty="0">
+                <a:solidFill>
+                  <a:schemeClr val="bg1"/>
+                </a:solidFill>
+                <a:latin typeface="나눔스퀘어" panose="020B0600000101010101" pitchFamily="50" charset="-127"/>
+                <a:ea typeface="나눔스퀘어" panose="020B0600000101010101" pitchFamily="50" charset="-127"/>
+              </a:rPr>
+              <a:t>Data term: sums over pixels</a:t>
+            </a:r>
+          </a:p>
+          <a:p>
+            <a:r>
+              <a:rPr lang="en-CA" altLang="ko-KR" dirty="0">
+                <a:solidFill>
+                  <a:schemeClr val="bg1"/>
+                </a:solidFill>
+                <a:latin typeface="나눔스퀘어" panose="020B0600000101010101" pitchFamily="50" charset="-127"/>
+                <a:ea typeface="나눔스퀘어" panose="020B0600000101010101" pitchFamily="50" charset="-127"/>
+              </a:rPr>
+              <a:t>Captures color consistency</a:t>
+            </a:r>
+          </a:p>
+        </p:txBody>
+      </p:sp>
+      <p:sp>
+        <p:nvSpPr>
+          <p:cNvPr id="8" name="Rectangle 7">
+            <a:extLst>
+              <a:ext uri="{FF2B5EF4-FFF2-40B4-BE49-F238E27FC236}">
+                <a16:creationId xmlns:a16="http://schemas.microsoft.com/office/drawing/2014/main" id="{0BC64ABC-F258-4A40-AD31-3CCC1779F9D9}"/>
+              </a:ext>
+            </a:extLst>
+          </p:cNvPr>
+          <p:cNvSpPr/>
+          <p:nvPr/>
+        </p:nvSpPr>
+        <p:spPr>
+          <a:xfrm>
+            <a:off x="8615871" y="2253502"/>
+            <a:ext cx="2858475" cy="923330"/>
+          </a:xfrm>
+          <a:prstGeom prst="rect">
+            <a:avLst/>
+          </a:prstGeom>
+        </p:spPr>
+        <p:txBody>
+          <a:bodyPr wrap="none">
+            <a:spAutoFit/>
+          </a:bodyPr>
+          <a:lstStyle/>
+          <a:p>
+            <a:r>
+              <a:rPr lang="en-CA" altLang="ko-KR" dirty="0">
+                <a:solidFill>
+                  <a:schemeClr val="bg1"/>
+                </a:solidFill>
+                <a:latin typeface="나눔스퀘어" panose="020B0600000101010101" pitchFamily="50" charset="-127"/>
+                <a:ea typeface="나눔스퀘어" panose="020B0600000101010101" pitchFamily="50" charset="-127"/>
+              </a:rPr>
+              <a:t>Separation term: </a:t>
+            </a:r>
+          </a:p>
+          <a:p>
+            <a:r>
+              <a:rPr lang="en-CA" altLang="ko-KR" dirty="0">
+                <a:solidFill>
+                  <a:schemeClr val="bg1"/>
+                </a:solidFill>
+                <a:latin typeface="나눔스퀘어" panose="020B0600000101010101" pitchFamily="50" charset="-127"/>
+                <a:ea typeface="나눔스퀘어" panose="020B0600000101010101" pitchFamily="50" charset="-127"/>
+              </a:rPr>
+              <a:t>Describing neighborhood</a:t>
+            </a:r>
+          </a:p>
+          <a:p>
+            <a:r>
+              <a:rPr lang="en-CA" altLang="ko-KR" dirty="0">
+                <a:solidFill>
+                  <a:schemeClr val="bg1"/>
+                </a:solidFill>
+                <a:latin typeface="나눔스퀘어" panose="020B0600000101010101" pitchFamily="50" charset="-127"/>
+                <a:ea typeface="나눔스퀘어" panose="020B0600000101010101" pitchFamily="50" charset="-127"/>
+              </a:rPr>
+              <a:t>dependency</a:t>
+            </a:r>
+          </a:p>
+        </p:txBody>
+      </p:sp>
+    </p:spTree>
+    <p:extLst>
+      <p:ext uri="{BB962C8B-B14F-4D97-AF65-F5344CB8AC3E}">
+        <p14:creationId xmlns:p14="http://schemas.microsoft.com/office/powerpoint/2010/main" val="80048429"/>
+      </p:ext>
+    </p:extLst>
+  </p:cSld>
+  <p:clrMapOvr>
+    <a:masterClrMapping/>
+  </p:clrMapOvr>
+</p:sld>
+</file>
+
+<file path=ppt/slides/slide19.xml><?xml version="1.0" encoding="utf-8"?>
+<p:sld xmlns:a="http://schemas.openxmlformats.org/drawingml/2006/main" xmlns:r="http://schemas.openxmlformats.org/officeDocument/2006/relationships" xmlns:p="http://schemas.openxmlformats.org/presentationml/2006/main">
+  <p:cSld>
+    <p:spTree>
+      <p:nvGrpSpPr>
+        <p:cNvPr id="1" name=""/>
+        <p:cNvGrpSpPr/>
+        <p:nvPr/>
+      </p:nvGrpSpPr>
+      <p:grpSpPr>
+        <a:xfrm>
+          <a:off x="0" y="0"/>
+          <a:ext cx="0" cy="0"/>
+          <a:chOff x="0" y="0"/>
+          <a:chExt cx="0" cy="0"/>
+        </a:xfrm>
+      </p:grpSpPr>
+      <p:sp>
+        <p:nvSpPr>
+          <p:cNvPr id="3" name="TextBox 2"/>
+          <p:cNvSpPr txBox="1"/>
+          <p:nvPr/>
+        </p:nvSpPr>
+        <p:spPr>
+          <a:xfrm>
+            <a:off x="246328" y="310733"/>
+            <a:ext cx="5802614" cy="584775"/>
+          </a:xfrm>
+          <a:prstGeom prst="rect">
+            <a:avLst/>
+          </a:prstGeom>
+          <a:noFill/>
+        </p:spPr>
+        <p:txBody>
+          <a:bodyPr wrap="none" rtlCol="0" anchor="ctr">
+            <a:spAutoFit/>
+          </a:bodyPr>
+          <a:lstStyle/>
+          <a:p>
+            <a:r>
+              <a:rPr lang="en-US" altLang="ko-KR" sz="3200" b="1" dirty="0">
+                <a:solidFill>
+                  <a:srgbClr val="C1444D"/>
+                </a:solidFill>
+                <a:latin typeface="나눔스퀘어 Bold" panose="020B0600000101010101" pitchFamily="50" charset="-127"/>
+                <a:ea typeface="나눔스퀘어 Bold" panose="020B0600000101010101" pitchFamily="50" charset="-127"/>
+              </a:rPr>
+              <a:t>002/ Mathematical Formula?</a:t>
+            </a:r>
+            <a:endParaRPr lang="ko-KR" altLang="en-US" sz="3200" b="1" dirty="0">
+              <a:solidFill>
+                <a:srgbClr val="C1444D"/>
+              </a:solidFill>
+              <a:latin typeface="나눔스퀘어 Bold" panose="020B0600000101010101" pitchFamily="50" charset="-127"/>
+              <a:ea typeface="나눔스퀘어 Bold" panose="020B0600000101010101" pitchFamily="50" charset="-127"/>
+            </a:endParaRPr>
+          </a:p>
+        </p:txBody>
+      </p:sp>
+      <p:sp>
+        <p:nvSpPr>
+          <p:cNvPr id="5" name="TextBox 4"/>
+          <p:cNvSpPr txBox="1"/>
+          <p:nvPr/>
+        </p:nvSpPr>
+        <p:spPr>
+          <a:xfrm>
+            <a:off x="7620223" y="74037"/>
+            <a:ext cx="4533677" cy="400110"/>
+          </a:xfrm>
+          <a:prstGeom prst="rect">
+            <a:avLst/>
+          </a:prstGeom>
+          <a:noFill/>
+        </p:spPr>
+        <p:txBody>
+          <a:bodyPr wrap="none" rtlCol="0">
+            <a:spAutoFit/>
+          </a:bodyPr>
+          <a:lstStyle/>
+          <a:p>
+            <a:pPr algn="r"/>
+            <a:r>
+              <a:rPr lang="en-CA" altLang="ko-KR" sz="1000" dirty="0">
+                <a:solidFill>
+                  <a:srgbClr val="3D3D3D"/>
+                </a:solidFill>
+                <a:latin typeface="나눔스퀘어 Light" panose="020B0600000101010101" pitchFamily="50" charset="-127"/>
+                <a:ea typeface="나눔스퀘어 Light" panose="020B0600000101010101" pitchFamily="50" charset="-127"/>
+              </a:rPr>
+              <a:t>IMAGE SEGMENTATION + LINEAR PROGRAMMING + USER INTERACTION</a:t>
+            </a:r>
+            <a:endParaRPr lang="ko-KR" altLang="en-US" sz="1000" dirty="0">
+              <a:solidFill>
+                <a:srgbClr val="3D3D3D"/>
+              </a:solidFill>
+              <a:latin typeface="나눔스퀘어 Light" panose="020B0600000101010101" pitchFamily="50" charset="-127"/>
+              <a:ea typeface="나눔스퀘어 Light" panose="020B0600000101010101" pitchFamily="50" charset="-127"/>
+            </a:endParaRPr>
+          </a:p>
+          <a:p>
+            <a:pPr algn="r"/>
+            <a:endParaRPr lang="ko-KR" altLang="en-US" sz="1000" dirty="0">
+              <a:solidFill>
+                <a:srgbClr val="3D3D3D"/>
+              </a:solidFill>
+              <a:latin typeface="나눔스퀘어 Light" panose="020B0600000101010101" pitchFamily="50" charset="-127"/>
+              <a:ea typeface="나눔스퀘어 Light" panose="020B0600000101010101" pitchFamily="50" charset="-127"/>
+            </a:endParaRPr>
+          </a:p>
+        </p:txBody>
+      </p:sp>
+      <mc:AlternateContent xmlns:mc="http://schemas.openxmlformats.org/markup-compatibility/2006">
+        <mc:Choice xmlns:a14="http://schemas.microsoft.com/office/drawing/2010/main" Requires="a14">
+          <p:sp>
+            <p:nvSpPr>
+              <p:cNvPr id="7" name="TextBox 6"/>
+              <p:cNvSpPr txBox="1"/>
+              <p:nvPr/>
+            </p:nvSpPr>
+            <p:spPr>
+              <a:xfrm>
+                <a:off x="1073827" y="1574800"/>
+                <a:ext cx="5525743" cy="1477328"/>
+              </a:xfrm>
+              <a:prstGeom prst="rect">
+                <a:avLst/>
+              </a:prstGeom>
+              <a:noFill/>
+            </p:spPr>
+            <p:txBody>
+              <a:bodyPr wrap="none" rtlCol="0">
+                <a:spAutoFit/>
+              </a:bodyPr>
+              <a:lstStyle/>
+              <a:p>
+                <a:r>
+                  <a:rPr lang="en-CA" altLang="ko-KR" b="1" dirty="0">
+                    <a:solidFill>
+                      <a:schemeClr val="bg1"/>
+                    </a:solidFill>
+                    <a:latin typeface="나눔스퀘어" panose="020B0600000101010101" pitchFamily="50" charset="-127"/>
+                    <a:ea typeface="나눔스퀘어" panose="020B0600000101010101" pitchFamily="50" charset="-127"/>
+                  </a:rPr>
+                  <a:t>Delta-distance (</a:t>
+                </a:r>
+                <a14:m>
+                  <m:oMath xmlns:m="http://schemas.openxmlformats.org/officeDocument/2006/math">
+                    <m:sSub>
+                      <m:sSubPr>
+                        <m:ctrlPr>
+                          <a:rPr lang="en-CA" altLang="ko-KR" i="1">
+                            <a:solidFill>
+                              <a:schemeClr val="bg1"/>
+                            </a:solidFill>
+                            <a:latin typeface="Cambria Math" panose="02040503050406030204" pitchFamily="18" charset="0"/>
+                            <a:ea typeface="나눔스퀘어" panose="020B0600000101010101" pitchFamily="50" charset="-127"/>
+                          </a:rPr>
+                        </m:ctrlPr>
+                      </m:sSubPr>
+                      <m:e>
+                        <m:r>
+                          <a:rPr lang="en-CA" altLang="ko-KR" i="1">
+                            <a:solidFill>
+                              <a:schemeClr val="bg1"/>
+                            </a:solidFill>
+                            <a:latin typeface="Cambria Math" panose="02040503050406030204" pitchFamily="18" charset="0"/>
+                            <a:ea typeface="나눔스퀘어" panose="020B0600000101010101" pitchFamily="50" charset="-127"/>
+                            <a:sym typeface="Symbol" panose="05050102010706020507" pitchFamily="18" charset="2"/>
+                          </a:rPr>
+                          <m:t></m:t>
+                        </m:r>
+                      </m:e>
+                      <m:sub>
+                        <m:r>
+                          <a:rPr lang="en-CA" altLang="ko-KR" i="1">
+                            <a:solidFill>
+                              <a:schemeClr val="bg1"/>
+                            </a:solidFill>
+                            <a:latin typeface="Cambria Math" panose="02040503050406030204" pitchFamily="18" charset="0"/>
+                            <a:ea typeface="나눔스퀘어" panose="020B0600000101010101" pitchFamily="50" charset="-127"/>
+                          </a:rPr>
+                          <m:t>𝑖</m:t>
+                        </m:r>
+                      </m:sub>
+                    </m:sSub>
+                  </m:oMath>
+                </a14:m>
+                <a:r>
+                  <a:rPr lang="en-CA" altLang="ko-KR" dirty="0">
+                    <a:solidFill>
+                      <a:schemeClr val="bg1"/>
+                    </a:solidFill>
+                    <a:latin typeface="나눔스퀘어" panose="020B0600000101010101" pitchFamily="50" charset="-127"/>
+                    <a:ea typeface="나눔스퀘어" panose="020B0600000101010101" pitchFamily="50" charset="-127"/>
+                  </a:rPr>
+                  <a:t>)</a:t>
+                </a:r>
+                <a:endParaRPr lang="en-CA" altLang="ko-KR" b="1" dirty="0">
+                  <a:solidFill>
+                    <a:schemeClr val="bg1"/>
+                  </a:solidFill>
+                  <a:latin typeface="나눔스퀘어" panose="020B0600000101010101" pitchFamily="50" charset="-127"/>
+                  <a:ea typeface="나눔스퀘어" panose="020B0600000101010101" pitchFamily="50" charset="-127"/>
+                </a:endParaRPr>
+              </a:p>
+              <a:p>
+                <a:endParaRPr lang="en-CA" altLang="ko-KR" dirty="0">
+                  <a:solidFill>
+                    <a:schemeClr val="bg1"/>
+                  </a:solidFill>
+                  <a:latin typeface="나눔스퀘어" panose="020B0600000101010101" pitchFamily="50" charset="-127"/>
+                  <a:ea typeface="나눔스퀘어" panose="020B0600000101010101" pitchFamily="50" charset="-127"/>
+                </a:endParaRPr>
+              </a:p>
+              <a:p>
+                <a:r>
+                  <a:rPr lang="en-CA" altLang="ko-KR" dirty="0">
+                    <a:solidFill>
+                      <a:schemeClr val="bg1"/>
+                    </a:solidFill>
+                    <a:latin typeface="나눔스퀘어" panose="020B0600000101010101" pitchFamily="50" charset="-127"/>
+                    <a:ea typeface="나눔스퀘어" panose="020B0600000101010101" pitchFamily="50" charset="-127"/>
+                  </a:rPr>
+                  <a:t>Difference of background and foreground distance</a:t>
+                </a:r>
+              </a:p>
+              <a:p>
+                <a:endParaRPr lang="en-CA" altLang="ko-KR" dirty="0">
+                  <a:solidFill>
+                    <a:schemeClr val="bg1"/>
+                  </a:solidFill>
+                  <a:latin typeface="나눔스퀘어" panose="020B0600000101010101" pitchFamily="50" charset="-127"/>
+                  <a:ea typeface="나눔스퀘어" panose="020B0600000101010101" pitchFamily="50" charset="-127"/>
+                </a:endParaRPr>
+              </a:p>
+              <a:p>
+                <a:endParaRPr lang="en-CA" altLang="ko-KR" dirty="0">
+                  <a:solidFill>
+                    <a:schemeClr val="bg1"/>
+                  </a:solidFill>
+                  <a:latin typeface="나눔스퀘어" panose="020B0600000101010101" pitchFamily="50" charset="-127"/>
+                  <a:ea typeface="나눔스퀘어" panose="020B0600000101010101" pitchFamily="50" charset="-127"/>
+                </a:endParaRPr>
+              </a:p>
+            </p:txBody>
+          </p:sp>
+        </mc:Choice>
+        <mc:Fallback>
+          <p:sp>
+            <p:nvSpPr>
+              <p:cNvPr id="7" name="TextBox 6"/>
+              <p:cNvSpPr txBox="1">
+                <a:spLocks noRot="1" noChangeAspect="1" noMove="1" noResize="1" noEditPoints="1" noAdjustHandles="1" noChangeArrowheads="1" noChangeShapeType="1" noTextEdit="1"/>
+              </p:cNvSpPr>
+              <p:nvPr/>
+            </p:nvSpPr>
+            <p:spPr>
+              <a:xfrm>
+                <a:off x="1073827" y="1574800"/>
+                <a:ext cx="5525743" cy="1477328"/>
+              </a:xfrm>
+              <a:prstGeom prst="rect">
+                <a:avLst/>
+              </a:prstGeom>
+              <a:blipFill>
+                <a:blip r:embed="rId3"/>
+                <a:stretch>
+                  <a:fillRect l="-882" t="-2058" r="-110"/>
+                </a:stretch>
+              </a:blipFill>
+            </p:spPr>
+            <p:txBody>
+              <a:bodyPr/>
+              <a:lstStyle/>
+              <a:p>
+                <a:r>
+                  <a:rPr lang="en-CA">
+                    <a:noFill/>
+                  </a:rPr>
+                  <a:t> </a:t>
+                </a:r>
+              </a:p>
+            </p:txBody>
+          </p:sp>
+        </mc:Fallback>
+      </mc:AlternateContent>
+      <p:pic>
+        <p:nvPicPr>
+          <p:cNvPr id="6" name="Picture 5">
+            <a:extLst>
+              <a:ext uri="{FF2B5EF4-FFF2-40B4-BE49-F238E27FC236}">
+                <a16:creationId xmlns:a16="http://schemas.microsoft.com/office/drawing/2014/main" id="{E30852CF-B164-463D-9934-B05CC3F86634}"/>
+              </a:ext>
+            </a:extLst>
+          </p:cNvPr>
+          <p:cNvPicPr>
+            <a:picLocks noChangeAspect="1"/>
+          </p:cNvPicPr>
+          <p:nvPr/>
+        </p:nvPicPr>
+        <p:blipFill>
+          <a:blip r:embed="rId4"/>
+          <a:stretch>
+            <a:fillRect/>
+          </a:stretch>
+        </p:blipFill>
+        <p:spPr>
+          <a:xfrm>
+            <a:off x="1182684" y="3012713"/>
+            <a:ext cx="4351105" cy="2577193"/>
           </a:xfrm>
           <a:prstGeom prst="rect">
             <a:avLst/>
@@ -5369,8 +7303,8 @@
         </p:nvSpPr>
         <p:spPr>
           <a:xfrm>
-            <a:off x="7792720" y="2844800"/>
-            <a:ext cx="335280" cy="386080"/>
+            <a:off x="2289476" y="3517403"/>
+            <a:ext cx="294536" cy="339163"/>
           </a:xfrm>
           <a:prstGeom prst="rect">
             <a:avLst/>
@@ -5411,137 +7345,12 @@
           </a:p>
         </p:txBody>
       </p:sp>
-    </p:spTree>
-    <p:extLst>
-      <p:ext uri="{BB962C8B-B14F-4D97-AF65-F5344CB8AC3E}">
-        <p14:creationId xmlns:p14="http://schemas.microsoft.com/office/powerpoint/2010/main" val="2690776996"/>
-      </p:ext>
-    </p:extLst>
-  </p:cSld>
-  <p:clrMapOvr>
-    <a:masterClrMapping/>
-  </p:clrMapOvr>
-</p:sld>
-</file>
-
-<file path=ppt/slides/slide16.xml><?xml version="1.0" encoding="utf-8"?>
-<p:sld xmlns:a="http://schemas.openxmlformats.org/drawingml/2006/main" xmlns:r="http://schemas.openxmlformats.org/officeDocument/2006/relationships" xmlns:p="http://schemas.openxmlformats.org/presentationml/2006/main">
-  <p:cSld>
-    <p:spTree>
-      <p:nvGrpSpPr>
-        <p:cNvPr id="1" name=""/>
-        <p:cNvGrpSpPr/>
-        <p:nvPr/>
-      </p:nvGrpSpPr>
-      <p:grpSpPr>
-        <a:xfrm>
-          <a:off x="0" y="0"/>
-          <a:ext cx="0" cy="0"/>
-          <a:chOff x="0" y="0"/>
-          <a:chExt cx="0" cy="0"/>
-        </a:xfrm>
-      </p:grpSpPr>
-      <p:sp>
-        <p:nvSpPr>
-          <p:cNvPr id="3" name="TextBox 2"/>
-          <p:cNvSpPr txBox="1"/>
-          <p:nvPr/>
-        </p:nvSpPr>
-        <p:spPr>
-          <a:xfrm>
-            <a:off x="246328" y="310733"/>
-            <a:ext cx="5802614" cy="584775"/>
-          </a:xfrm>
-          <a:prstGeom prst="rect">
-            <a:avLst/>
-          </a:prstGeom>
-          <a:noFill/>
-        </p:spPr>
-        <p:txBody>
-          <a:bodyPr wrap="none" rtlCol="0" anchor="ctr">
-            <a:spAutoFit/>
-          </a:bodyPr>
-          <a:lstStyle/>
-          <a:p>
-            <a:r>
-              <a:rPr lang="en-US" altLang="ko-KR" sz="3200" b="1" dirty="0">
-                <a:solidFill>
-                  <a:srgbClr val="C1444D"/>
-                </a:solidFill>
-                <a:latin typeface="나눔스퀘어 Bold" panose="020B0600000101010101" pitchFamily="50" charset="-127"/>
-                <a:ea typeface="나눔스퀘어 Bold" panose="020B0600000101010101" pitchFamily="50" charset="-127"/>
-              </a:rPr>
-              <a:t>002/ Mathematical Formula?</a:t>
-            </a:r>
-            <a:endParaRPr lang="ko-KR" altLang="en-US" sz="3200" b="1" dirty="0">
-              <a:solidFill>
-                <a:srgbClr val="C1444D"/>
-              </a:solidFill>
-              <a:latin typeface="나눔스퀘어 Bold" panose="020B0600000101010101" pitchFamily="50" charset="-127"/>
-              <a:ea typeface="나눔스퀘어 Bold" panose="020B0600000101010101" pitchFamily="50" charset="-127"/>
-            </a:endParaRPr>
-          </a:p>
-        </p:txBody>
-      </p:sp>
-      <p:sp>
-        <p:nvSpPr>
-          <p:cNvPr id="5" name="TextBox 4"/>
-          <p:cNvSpPr txBox="1"/>
-          <p:nvPr/>
-        </p:nvSpPr>
-        <p:spPr>
-          <a:xfrm>
-            <a:off x="7620223" y="74037"/>
-            <a:ext cx="4533677" cy="400110"/>
-          </a:xfrm>
-          <a:prstGeom prst="rect">
-            <a:avLst/>
-          </a:prstGeom>
-          <a:noFill/>
-        </p:spPr>
-        <p:txBody>
-          <a:bodyPr wrap="none" rtlCol="0">
-            <a:spAutoFit/>
-          </a:bodyPr>
-          <a:lstStyle/>
-          <a:p>
-            <a:pPr algn="r"/>
-            <a:r>
-              <a:rPr lang="en-CA" altLang="ko-KR" sz="1000" dirty="0">
-                <a:solidFill>
-                  <a:srgbClr val="3D3D3D"/>
-                </a:solidFill>
-                <a:latin typeface="나눔스퀘어 Light" panose="020B0600000101010101" pitchFamily="50" charset="-127"/>
-                <a:ea typeface="나눔스퀘어 Light" panose="020B0600000101010101" pitchFamily="50" charset="-127"/>
-              </a:rPr>
-              <a:t>IMAGE SEGMENTATION + LINEAR PROGRAMMING + USER INTERACTION</a:t>
-            </a:r>
-            <a:endParaRPr lang="ko-KR" altLang="en-US" sz="1000" dirty="0">
-              <a:solidFill>
-                <a:srgbClr val="3D3D3D"/>
-              </a:solidFill>
-              <a:latin typeface="나눔스퀘어 Light" panose="020B0600000101010101" pitchFamily="50" charset="-127"/>
-              <a:ea typeface="나눔스퀘어 Light" panose="020B0600000101010101" pitchFamily="50" charset="-127"/>
-            </a:endParaRPr>
-          </a:p>
-          <a:p>
-            <a:pPr algn="r"/>
-            <a:endParaRPr lang="ko-KR" altLang="en-US" sz="1000" dirty="0">
-              <a:solidFill>
-                <a:srgbClr val="3D3D3D"/>
-              </a:solidFill>
-              <a:latin typeface="나눔스퀘어 Light" panose="020B0600000101010101" pitchFamily="50" charset="-127"/>
-              <a:ea typeface="나눔스퀘어 Light" panose="020B0600000101010101" pitchFamily="50" charset="-127"/>
-            </a:endParaRPr>
-          </a:p>
-        </p:txBody>
-      </p:sp>
       <p:pic>
         <p:nvPicPr>
-          <p:cNvPr id="2" name="Picture 1">
+          <p:cNvPr id="13" name="Picture 12">
             <a:extLst>
               <a:ext uri="{FF2B5EF4-FFF2-40B4-BE49-F238E27FC236}">
-                <a16:creationId xmlns:a16="http://schemas.microsoft.com/office/drawing/2014/main" id="{6A4B97D2-694B-4098-A738-EFD7B6D6408A}"/>
+                <a16:creationId xmlns:a16="http://schemas.microsoft.com/office/drawing/2014/main" id="{CBFEAC6B-4D3D-4B16-AC7F-8C543C143202}"/>
               </a:ext>
             </a:extLst>
           </p:cNvPr>
@@ -5550,224 +7359,27 @@
           </p:cNvPicPr>
           <p:nvPr/>
         </p:nvPicPr>
-        <p:blipFill>
-          <a:blip r:embed="rId3"/>
-          <a:stretch>
-            <a:fillRect/>
-          </a:stretch>
+        <p:blipFill rotWithShape="1">
+          <a:blip r:embed="rId5"/>
+          <a:srcRect r="1037" b="80067"/>
+          <a:stretch/>
         </p:blipFill>
         <p:spPr>
           <a:xfrm>
-            <a:off x="3619500" y="1962150"/>
-            <a:ext cx="4953000" cy="2933700"/>
+            <a:off x="6048942" y="3052128"/>
+            <a:ext cx="5525746" cy="643410"/>
           </a:xfrm>
           <a:prstGeom prst="rect">
             <a:avLst/>
           </a:prstGeom>
         </p:spPr>
       </p:pic>
-    </p:spTree>
-    <p:extLst>
-      <p:ext uri="{BB962C8B-B14F-4D97-AF65-F5344CB8AC3E}">
-        <p14:creationId xmlns:p14="http://schemas.microsoft.com/office/powerpoint/2010/main" val="80048429"/>
-      </p:ext>
-    </p:extLst>
-  </p:cSld>
-  <p:clrMapOvr>
-    <a:masterClrMapping/>
-  </p:clrMapOvr>
-</p:sld>
-</file>
-
-<file path=ppt/slides/slide17.xml><?xml version="1.0" encoding="utf-8"?>
-<p:sld xmlns:a="http://schemas.openxmlformats.org/drawingml/2006/main" xmlns:r="http://schemas.openxmlformats.org/officeDocument/2006/relationships" xmlns:p="http://schemas.openxmlformats.org/presentationml/2006/main">
-  <p:cSld>
-    <p:spTree>
-      <p:nvGrpSpPr>
-        <p:cNvPr id="1" name=""/>
-        <p:cNvGrpSpPr/>
-        <p:nvPr/>
-      </p:nvGrpSpPr>
-      <p:grpSpPr>
-        <a:xfrm>
-          <a:off x="0" y="0"/>
-          <a:ext cx="0" cy="0"/>
-          <a:chOff x="0" y="0"/>
-          <a:chExt cx="0" cy="0"/>
-        </a:xfrm>
-      </p:grpSpPr>
-      <p:sp>
-        <p:nvSpPr>
-          <p:cNvPr id="3" name="TextBox 2"/>
-          <p:cNvSpPr txBox="1"/>
-          <p:nvPr/>
-        </p:nvSpPr>
-        <p:spPr>
-          <a:xfrm>
-            <a:off x="246328" y="310733"/>
-            <a:ext cx="5802614" cy="584775"/>
-          </a:xfrm>
-          <a:prstGeom prst="rect">
-            <a:avLst/>
-          </a:prstGeom>
-          <a:noFill/>
-        </p:spPr>
-        <p:txBody>
-          <a:bodyPr wrap="none" rtlCol="0" anchor="ctr">
-            <a:spAutoFit/>
-          </a:bodyPr>
-          <a:lstStyle/>
-          <a:p>
-            <a:r>
-              <a:rPr lang="en-US" altLang="ko-KR" sz="3200" b="1" dirty="0">
-                <a:solidFill>
-                  <a:srgbClr val="C1444D"/>
-                </a:solidFill>
-                <a:latin typeface="나눔스퀘어 Bold" panose="020B0600000101010101" pitchFamily="50" charset="-127"/>
-                <a:ea typeface="나눔스퀘어 Bold" panose="020B0600000101010101" pitchFamily="50" charset="-127"/>
-              </a:rPr>
-              <a:t>002/ Mathematical Formula?</a:t>
-            </a:r>
-            <a:endParaRPr lang="ko-KR" altLang="en-US" sz="3200" b="1" dirty="0">
-              <a:solidFill>
-                <a:srgbClr val="C1444D"/>
-              </a:solidFill>
-              <a:latin typeface="나눔스퀘어 Bold" panose="020B0600000101010101" pitchFamily="50" charset="-127"/>
-              <a:ea typeface="나눔스퀘어 Bold" panose="020B0600000101010101" pitchFamily="50" charset="-127"/>
-            </a:endParaRPr>
-          </a:p>
-        </p:txBody>
-      </p:sp>
-      <p:sp>
-        <p:nvSpPr>
-          <p:cNvPr id="5" name="TextBox 4"/>
-          <p:cNvSpPr txBox="1"/>
-          <p:nvPr/>
-        </p:nvSpPr>
-        <p:spPr>
-          <a:xfrm>
-            <a:off x="7620223" y="74037"/>
-            <a:ext cx="4533677" cy="400110"/>
-          </a:xfrm>
-          <a:prstGeom prst="rect">
-            <a:avLst/>
-          </a:prstGeom>
-          <a:noFill/>
-        </p:spPr>
-        <p:txBody>
-          <a:bodyPr wrap="none" rtlCol="0">
-            <a:spAutoFit/>
-          </a:bodyPr>
-          <a:lstStyle/>
-          <a:p>
-            <a:pPr algn="r"/>
-            <a:r>
-              <a:rPr lang="en-CA" altLang="ko-KR" sz="1000" dirty="0">
-                <a:solidFill>
-                  <a:srgbClr val="3D3D3D"/>
-                </a:solidFill>
-                <a:latin typeface="나눔스퀘어 Light" panose="020B0600000101010101" pitchFamily="50" charset="-127"/>
-                <a:ea typeface="나눔스퀘어 Light" panose="020B0600000101010101" pitchFamily="50" charset="-127"/>
-              </a:rPr>
-              <a:t>IMAGE SEGMENTATION + LINEAR PROGRAMMING + USER INTERACTION</a:t>
-            </a:r>
-            <a:endParaRPr lang="ko-KR" altLang="en-US" sz="1000" dirty="0">
-              <a:solidFill>
-                <a:srgbClr val="3D3D3D"/>
-              </a:solidFill>
-              <a:latin typeface="나눔스퀘어 Light" panose="020B0600000101010101" pitchFamily="50" charset="-127"/>
-              <a:ea typeface="나눔스퀘어 Light" panose="020B0600000101010101" pitchFamily="50" charset="-127"/>
-            </a:endParaRPr>
-          </a:p>
-          <a:p>
-            <a:pPr algn="r"/>
-            <a:endParaRPr lang="ko-KR" altLang="en-US" sz="1000" dirty="0">
-              <a:solidFill>
-                <a:srgbClr val="3D3D3D"/>
-              </a:solidFill>
-              <a:latin typeface="나눔스퀘어 Light" panose="020B0600000101010101" pitchFamily="50" charset="-127"/>
-              <a:ea typeface="나눔스퀘어 Light" panose="020B0600000101010101" pitchFamily="50" charset="-127"/>
-            </a:endParaRPr>
-          </a:p>
-        </p:txBody>
-      </p:sp>
-      <p:sp>
-        <p:nvSpPr>
-          <p:cNvPr id="7" name="TextBox 6"/>
-          <p:cNvSpPr txBox="1"/>
-          <p:nvPr/>
-        </p:nvSpPr>
-        <p:spPr>
-          <a:xfrm>
-            <a:off x="1073827" y="1574800"/>
-            <a:ext cx="1765227" cy="1477328"/>
-          </a:xfrm>
-          <a:prstGeom prst="rect">
-            <a:avLst/>
-          </a:prstGeom>
-          <a:noFill/>
-        </p:spPr>
-        <p:txBody>
-          <a:bodyPr wrap="none" rtlCol="0">
-            <a:spAutoFit/>
-          </a:bodyPr>
-          <a:lstStyle/>
-          <a:p>
-            <a:r>
-              <a:rPr lang="en-CA" altLang="ko-KR" b="1" dirty="0">
-                <a:solidFill>
-                  <a:schemeClr val="bg1"/>
-                </a:solidFill>
-                <a:latin typeface="나눔스퀘어" panose="020B0600000101010101" pitchFamily="50" charset="-127"/>
-                <a:ea typeface="나눔스퀘어" panose="020B0600000101010101" pitchFamily="50" charset="-127"/>
-              </a:rPr>
-              <a:t>Delta-distance</a:t>
-            </a:r>
-          </a:p>
-          <a:p>
-            <a:endParaRPr lang="en-CA" altLang="ko-KR" dirty="0">
-              <a:solidFill>
-                <a:schemeClr val="bg1"/>
-              </a:solidFill>
-              <a:latin typeface="나눔스퀘어" panose="020B0600000101010101" pitchFamily="50" charset="-127"/>
-              <a:ea typeface="나눔스퀘어" panose="020B0600000101010101" pitchFamily="50" charset="-127"/>
-            </a:endParaRPr>
-          </a:p>
-          <a:p>
-            <a:endParaRPr lang="en-CA" altLang="ko-KR" dirty="0">
-              <a:solidFill>
-                <a:schemeClr val="bg1"/>
-              </a:solidFill>
-              <a:latin typeface="나눔스퀘어" panose="020B0600000101010101" pitchFamily="50" charset="-127"/>
-              <a:ea typeface="나눔스퀘어" panose="020B0600000101010101" pitchFamily="50" charset="-127"/>
-            </a:endParaRPr>
-          </a:p>
-          <a:p>
-            <a:endParaRPr lang="en-CA" altLang="ko-KR" dirty="0">
-              <a:solidFill>
-                <a:schemeClr val="bg1"/>
-              </a:solidFill>
-              <a:latin typeface="나눔스퀘어" panose="020B0600000101010101" pitchFamily="50" charset="-127"/>
-              <a:ea typeface="나눔스퀘어" panose="020B0600000101010101" pitchFamily="50" charset="-127"/>
-            </a:endParaRPr>
-          </a:p>
-          <a:p>
-            <a:endParaRPr lang="en-CA" altLang="ko-KR" dirty="0">
-              <a:solidFill>
-                <a:schemeClr val="bg1"/>
-              </a:solidFill>
-              <a:latin typeface="나눔스퀘어" panose="020B0600000101010101" pitchFamily="50" charset="-127"/>
-              <a:ea typeface="나눔스퀘어" panose="020B0600000101010101" pitchFamily="50" charset="-127"/>
-            </a:endParaRPr>
-          </a:p>
-        </p:txBody>
-      </p:sp>
       <p:pic>
         <p:nvPicPr>
-          <p:cNvPr id="6" name="Picture 5">
+          <p:cNvPr id="14" name="Picture 13">
             <a:extLst>
               <a:ext uri="{FF2B5EF4-FFF2-40B4-BE49-F238E27FC236}">
-                <a16:creationId xmlns:a16="http://schemas.microsoft.com/office/drawing/2014/main" id="{E30852CF-B164-463D-9934-B05CC3F86634}"/>
+                <a16:creationId xmlns:a16="http://schemas.microsoft.com/office/drawing/2014/main" id="{AF1F835D-8137-4049-9C02-14A0110341AD}"/>
               </a:ext>
             </a:extLst>
           </p:cNvPr>
@@ -5776,84 +7388,27 @@
           </p:cNvPicPr>
           <p:nvPr/>
         </p:nvPicPr>
-        <p:blipFill>
-          <a:blip r:embed="rId3"/>
-          <a:stretch>
-            <a:fillRect/>
-          </a:stretch>
+        <p:blipFill rotWithShape="1">
+          <a:blip r:embed="rId5"/>
+          <a:srcRect t="40304" r="1037" b="39763"/>
+          <a:stretch/>
         </p:blipFill>
         <p:spPr>
           <a:xfrm>
-            <a:off x="6549322" y="2266950"/>
-            <a:ext cx="4953000" cy="2933700"/>
+            <a:off x="6048942" y="4026148"/>
+            <a:ext cx="5525746" cy="643410"/>
           </a:xfrm>
           <a:prstGeom prst="rect">
             <a:avLst/>
           </a:prstGeom>
         </p:spPr>
       </p:pic>
-      <p:sp>
-        <p:nvSpPr>
-          <p:cNvPr id="2" name="Rectangle 1">
+      <p:pic>
+        <p:nvPicPr>
+          <p:cNvPr id="15" name="Picture 14">
             <a:extLst>
               <a:ext uri="{FF2B5EF4-FFF2-40B4-BE49-F238E27FC236}">
-                <a16:creationId xmlns:a16="http://schemas.microsoft.com/office/drawing/2014/main" id="{E7B70C82-8E6D-4A2A-B526-AB828BDCFE49}"/>
-              </a:ext>
-            </a:extLst>
-          </p:cNvPr>
-          <p:cNvSpPr/>
-          <p:nvPr/>
-        </p:nvSpPr>
-        <p:spPr>
-          <a:xfrm>
-            <a:off x="7792720" y="2844800"/>
-            <a:ext cx="335280" cy="386080"/>
-          </a:xfrm>
-          <a:prstGeom prst="rect">
-            <a:avLst/>
-          </a:prstGeom>
-          <a:solidFill>
-            <a:srgbClr val="FFFF00">
-              <a:alpha val="33000"/>
-            </a:srgbClr>
-          </a:solidFill>
-          <a:ln>
-            <a:solidFill>
-              <a:srgbClr val="FF0000"/>
-            </a:solidFill>
-          </a:ln>
-        </p:spPr>
-        <p:style>
-          <a:lnRef idx="2">
-            <a:schemeClr val="accent1">
-              <a:shade val="50000"/>
-            </a:schemeClr>
-          </a:lnRef>
-          <a:fillRef idx="1">
-            <a:schemeClr val="accent1"/>
-          </a:fillRef>
-          <a:effectRef idx="0">
-            <a:schemeClr val="accent1"/>
-          </a:effectRef>
-          <a:fontRef idx="minor">
-            <a:schemeClr val="lt1"/>
-          </a:fontRef>
-        </p:style>
-        <p:txBody>
-          <a:bodyPr rtlCol="0" anchor="ctr"/>
-          <a:lstStyle/>
-          <a:p>
-            <a:pPr algn="ctr"/>
-            <a:endParaRPr lang="en-CA"/>
-          </a:p>
-        </p:txBody>
-      </p:sp>
-      <p:pic>
-        <p:nvPicPr>
-          <p:cNvPr id="8" name="Picture 7">
-            <a:extLst>
-              <a:ext uri="{FF2B5EF4-FFF2-40B4-BE49-F238E27FC236}">
-                <a16:creationId xmlns:a16="http://schemas.microsoft.com/office/drawing/2014/main" id="{7DDD9564-5B17-4AF2-8C53-19930B4AB3F4}"/>
+                <a16:creationId xmlns:a16="http://schemas.microsoft.com/office/drawing/2014/main" id="{DA6A7F0E-3D5F-40C3-962E-38DEFD744529}"/>
               </a:ext>
             </a:extLst>
           </p:cNvPr>
@@ -5862,16 +7417,15 @@
           </p:cNvPicPr>
           <p:nvPr/>
         </p:nvPicPr>
-        <p:blipFill>
-          <a:blip r:embed="rId4"/>
-          <a:stretch>
-            <a:fillRect/>
-          </a:stretch>
+        <p:blipFill rotWithShape="1">
+          <a:blip r:embed="rId5"/>
+          <a:srcRect t="82156" r="1037" b="2260"/>
+          <a:stretch/>
         </p:blipFill>
         <p:spPr>
           <a:xfrm>
-            <a:off x="1139220" y="2266950"/>
-            <a:ext cx="4735833" cy="2737731"/>
+            <a:off x="6048946" y="5000167"/>
+            <a:ext cx="5525743" cy="503043"/>
           </a:xfrm>
           <a:prstGeom prst="rect">
             <a:avLst/>
@@ -5882,713 +7436,6 @@
     <p:extLst>
       <p:ext uri="{BB962C8B-B14F-4D97-AF65-F5344CB8AC3E}">
         <p14:creationId xmlns:p14="http://schemas.microsoft.com/office/powerpoint/2010/main" val="978290386"/>
-      </p:ext>
-    </p:extLst>
-  </p:cSld>
-  <p:clrMapOvr>
-    <a:masterClrMapping/>
-  </p:clrMapOvr>
-</p:sld>
-</file>
-
-<file path=ppt/slides/slide18.xml><?xml version="1.0" encoding="utf-8"?>
-<p:sld xmlns:a="http://schemas.openxmlformats.org/drawingml/2006/main" xmlns:r="http://schemas.openxmlformats.org/officeDocument/2006/relationships" xmlns:p="http://schemas.openxmlformats.org/presentationml/2006/main">
-  <p:cSld>
-    <p:spTree>
-      <p:nvGrpSpPr>
-        <p:cNvPr id="1" name=""/>
-        <p:cNvGrpSpPr/>
-        <p:nvPr/>
-      </p:nvGrpSpPr>
-      <p:grpSpPr>
-        <a:xfrm>
-          <a:off x="0" y="0"/>
-          <a:ext cx="0" cy="0"/>
-          <a:chOff x="0" y="0"/>
-          <a:chExt cx="0" cy="0"/>
-        </a:xfrm>
-      </p:grpSpPr>
-      <p:sp>
-        <p:nvSpPr>
-          <p:cNvPr id="3" name="TextBox 2"/>
-          <p:cNvSpPr txBox="1"/>
-          <p:nvPr/>
-        </p:nvSpPr>
-        <p:spPr>
-          <a:xfrm>
-            <a:off x="246328" y="310733"/>
-            <a:ext cx="5802614" cy="584775"/>
-          </a:xfrm>
-          <a:prstGeom prst="rect">
-            <a:avLst/>
-          </a:prstGeom>
-          <a:noFill/>
-        </p:spPr>
-        <p:txBody>
-          <a:bodyPr wrap="none" rtlCol="0" anchor="ctr">
-            <a:spAutoFit/>
-          </a:bodyPr>
-          <a:lstStyle/>
-          <a:p>
-            <a:r>
-              <a:rPr lang="en-US" altLang="ko-KR" sz="3200" b="1" dirty="0">
-                <a:solidFill>
-                  <a:srgbClr val="C1444D"/>
-                </a:solidFill>
-                <a:latin typeface="나눔스퀘어 Bold" panose="020B0600000101010101" pitchFamily="50" charset="-127"/>
-                <a:ea typeface="나눔스퀘어 Bold" panose="020B0600000101010101" pitchFamily="50" charset="-127"/>
-              </a:rPr>
-              <a:t>002/ Mathematical Formula?</a:t>
-            </a:r>
-            <a:endParaRPr lang="ko-KR" altLang="en-US" sz="3200" b="1" dirty="0">
-              <a:solidFill>
-                <a:srgbClr val="C1444D"/>
-              </a:solidFill>
-              <a:latin typeface="나눔스퀘어 Bold" panose="020B0600000101010101" pitchFamily="50" charset="-127"/>
-              <a:ea typeface="나눔스퀘어 Bold" panose="020B0600000101010101" pitchFamily="50" charset="-127"/>
-            </a:endParaRPr>
-          </a:p>
-        </p:txBody>
-      </p:sp>
-      <p:sp>
-        <p:nvSpPr>
-          <p:cNvPr id="5" name="TextBox 4"/>
-          <p:cNvSpPr txBox="1"/>
-          <p:nvPr/>
-        </p:nvSpPr>
-        <p:spPr>
-          <a:xfrm>
-            <a:off x="7620223" y="74037"/>
-            <a:ext cx="4533677" cy="400110"/>
-          </a:xfrm>
-          <a:prstGeom prst="rect">
-            <a:avLst/>
-          </a:prstGeom>
-          <a:noFill/>
-        </p:spPr>
-        <p:txBody>
-          <a:bodyPr wrap="none" rtlCol="0">
-            <a:spAutoFit/>
-          </a:bodyPr>
-          <a:lstStyle/>
-          <a:p>
-            <a:pPr algn="r"/>
-            <a:r>
-              <a:rPr lang="en-CA" altLang="ko-KR" sz="1000" dirty="0">
-                <a:solidFill>
-                  <a:srgbClr val="3D3D3D"/>
-                </a:solidFill>
-                <a:latin typeface="나눔스퀘어 Light" panose="020B0600000101010101" pitchFamily="50" charset="-127"/>
-                <a:ea typeface="나눔스퀘어 Light" panose="020B0600000101010101" pitchFamily="50" charset="-127"/>
-              </a:rPr>
-              <a:t>IMAGE SEGMENTATION + LINEAR PROGRAMMING + USER INTERACTION</a:t>
-            </a:r>
-            <a:endParaRPr lang="ko-KR" altLang="en-US" sz="1000" dirty="0">
-              <a:solidFill>
-                <a:srgbClr val="3D3D3D"/>
-              </a:solidFill>
-              <a:latin typeface="나눔스퀘어 Light" panose="020B0600000101010101" pitchFamily="50" charset="-127"/>
-              <a:ea typeface="나눔스퀘어 Light" panose="020B0600000101010101" pitchFamily="50" charset="-127"/>
-            </a:endParaRPr>
-          </a:p>
-          <a:p>
-            <a:pPr algn="r"/>
-            <a:endParaRPr lang="ko-KR" altLang="en-US" sz="1000" dirty="0">
-              <a:solidFill>
-                <a:srgbClr val="3D3D3D"/>
-              </a:solidFill>
-              <a:latin typeface="나눔스퀘어 Light" panose="020B0600000101010101" pitchFamily="50" charset="-127"/>
-              <a:ea typeface="나눔스퀘어 Light" panose="020B0600000101010101" pitchFamily="50" charset="-127"/>
-            </a:endParaRPr>
-          </a:p>
-        </p:txBody>
-      </p:sp>
-      <p:sp>
-        <p:nvSpPr>
-          <p:cNvPr id="7" name="TextBox 6"/>
-          <p:cNvSpPr txBox="1"/>
-          <p:nvPr/>
-        </p:nvSpPr>
-        <p:spPr>
-          <a:xfrm>
-            <a:off x="1073827" y="1574800"/>
-            <a:ext cx="3154710" cy="3139321"/>
-          </a:xfrm>
-          <a:prstGeom prst="rect">
-            <a:avLst/>
-          </a:prstGeom>
-          <a:noFill/>
-        </p:spPr>
-        <p:txBody>
-          <a:bodyPr wrap="none" rtlCol="0">
-            <a:spAutoFit/>
-          </a:bodyPr>
-          <a:lstStyle/>
-          <a:p>
-            <a:r>
-              <a:rPr lang="en-CA" altLang="ko-KR" b="1" dirty="0">
-                <a:solidFill>
-                  <a:schemeClr val="bg1"/>
-                </a:solidFill>
-                <a:latin typeface="나눔스퀘어" panose="020B0600000101010101" pitchFamily="50" charset="-127"/>
-                <a:ea typeface="나눔스퀘어" panose="020B0600000101010101" pitchFamily="50" charset="-127"/>
-              </a:rPr>
-              <a:t>Set of labeled pixels</a:t>
-            </a:r>
-          </a:p>
-          <a:p>
-            <a:endParaRPr lang="en-CA" altLang="ko-KR" dirty="0">
-              <a:solidFill>
-                <a:schemeClr val="bg1"/>
-              </a:solidFill>
-              <a:latin typeface="나눔스퀘어" panose="020B0600000101010101" pitchFamily="50" charset="-127"/>
-              <a:ea typeface="나눔스퀘어" panose="020B0600000101010101" pitchFamily="50" charset="-127"/>
-            </a:endParaRPr>
-          </a:p>
-          <a:p>
-            <a:r>
-              <a:rPr lang="en-CA" altLang="ko-KR" dirty="0">
-                <a:solidFill>
-                  <a:schemeClr val="bg1"/>
-                </a:solidFill>
-                <a:latin typeface="나눔스퀘어" panose="020B0600000101010101" pitchFamily="50" charset="-127"/>
-                <a:ea typeface="나눔스퀘어" panose="020B0600000101010101" pitchFamily="50" charset="-127"/>
-              </a:rPr>
-              <a:t>Scribbles by user interaction</a:t>
-            </a:r>
-          </a:p>
-          <a:p>
-            <a:endParaRPr lang="en-CA" altLang="ko-KR" dirty="0">
-              <a:solidFill>
-                <a:schemeClr val="bg1"/>
-              </a:solidFill>
-              <a:latin typeface="나눔스퀘어" panose="020B0600000101010101" pitchFamily="50" charset="-127"/>
-              <a:ea typeface="나눔스퀘어" panose="020B0600000101010101" pitchFamily="50" charset="-127"/>
-            </a:endParaRPr>
-          </a:p>
-          <a:p>
-            <a:r>
-              <a:rPr lang="en-CA" altLang="ko-KR" dirty="0">
-                <a:solidFill>
-                  <a:schemeClr val="bg1"/>
-                </a:solidFill>
-                <a:latin typeface="나눔스퀘어" panose="020B0600000101010101" pitchFamily="50" charset="-127"/>
-                <a:ea typeface="나눔스퀘어" panose="020B0600000101010101" pitchFamily="50" charset="-127"/>
-              </a:rPr>
-              <a:t>Already labeled </a:t>
-            </a:r>
-          </a:p>
-          <a:p>
-            <a:r>
-              <a:rPr lang="en-CA" altLang="ko-KR" dirty="0">
-                <a:solidFill>
-                  <a:schemeClr val="bg1"/>
-                </a:solidFill>
-                <a:latin typeface="나눔스퀘어" panose="020B0600000101010101" pitchFamily="50" charset="-127"/>
-                <a:ea typeface="나눔스퀘어" panose="020B0600000101010101" pitchFamily="50" charset="-127"/>
-              </a:rPr>
-              <a:t>	- 0 for foreground,</a:t>
-            </a:r>
-          </a:p>
-          <a:p>
-            <a:r>
-              <a:rPr lang="en-CA" altLang="ko-KR" dirty="0">
-                <a:solidFill>
-                  <a:schemeClr val="bg1"/>
-                </a:solidFill>
-                <a:latin typeface="나눔스퀘어" panose="020B0600000101010101" pitchFamily="50" charset="-127"/>
-                <a:ea typeface="나눔스퀘어" panose="020B0600000101010101" pitchFamily="50" charset="-127"/>
-              </a:rPr>
-              <a:t>	- 1 for background</a:t>
-            </a:r>
-          </a:p>
-          <a:p>
-            <a:endParaRPr lang="en-CA" altLang="ko-KR" dirty="0">
-              <a:solidFill>
-                <a:schemeClr val="bg1"/>
-              </a:solidFill>
-              <a:latin typeface="나눔스퀘어" panose="020B0600000101010101" pitchFamily="50" charset="-127"/>
-              <a:ea typeface="나눔스퀘어" panose="020B0600000101010101" pitchFamily="50" charset="-127"/>
-            </a:endParaRPr>
-          </a:p>
-          <a:p>
-            <a:endParaRPr lang="en-CA" altLang="ko-KR" dirty="0">
-              <a:solidFill>
-                <a:schemeClr val="bg1"/>
-              </a:solidFill>
-              <a:latin typeface="나눔스퀘어" panose="020B0600000101010101" pitchFamily="50" charset="-127"/>
-              <a:ea typeface="나눔스퀘어" panose="020B0600000101010101" pitchFamily="50" charset="-127"/>
-            </a:endParaRPr>
-          </a:p>
-          <a:p>
-            <a:endParaRPr lang="en-CA" altLang="ko-KR" dirty="0">
-              <a:solidFill>
-                <a:schemeClr val="bg1"/>
-              </a:solidFill>
-              <a:latin typeface="나눔스퀘어" panose="020B0600000101010101" pitchFamily="50" charset="-127"/>
-              <a:ea typeface="나눔스퀘어" panose="020B0600000101010101" pitchFamily="50" charset="-127"/>
-            </a:endParaRPr>
-          </a:p>
-          <a:p>
-            <a:endParaRPr lang="en-CA" altLang="ko-KR" dirty="0">
-              <a:solidFill>
-                <a:schemeClr val="bg1"/>
-              </a:solidFill>
-              <a:latin typeface="나눔스퀘어" panose="020B0600000101010101" pitchFamily="50" charset="-127"/>
-              <a:ea typeface="나눔스퀘어" panose="020B0600000101010101" pitchFamily="50" charset="-127"/>
-            </a:endParaRPr>
-          </a:p>
-        </p:txBody>
-      </p:sp>
-      <p:pic>
-        <p:nvPicPr>
-          <p:cNvPr id="6" name="Picture 5">
-            <a:extLst>
-              <a:ext uri="{FF2B5EF4-FFF2-40B4-BE49-F238E27FC236}">
-                <a16:creationId xmlns:a16="http://schemas.microsoft.com/office/drawing/2014/main" id="{E30852CF-B164-463D-9934-B05CC3F86634}"/>
-              </a:ext>
-            </a:extLst>
-          </p:cNvPr>
-          <p:cNvPicPr>
-            <a:picLocks noChangeAspect="1"/>
-          </p:cNvPicPr>
-          <p:nvPr/>
-        </p:nvPicPr>
-        <p:blipFill>
-          <a:blip r:embed="rId3"/>
-          <a:stretch>
-            <a:fillRect/>
-          </a:stretch>
-        </p:blipFill>
-        <p:spPr>
-          <a:xfrm>
-            <a:off x="6549322" y="2266950"/>
-            <a:ext cx="4953000" cy="2933700"/>
-          </a:xfrm>
-          <a:prstGeom prst="rect">
-            <a:avLst/>
-          </a:prstGeom>
-        </p:spPr>
-      </p:pic>
-      <p:sp>
-        <p:nvSpPr>
-          <p:cNvPr id="2" name="Rectangle 1">
-            <a:extLst>
-              <a:ext uri="{FF2B5EF4-FFF2-40B4-BE49-F238E27FC236}">
-                <a16:creationId xmlns:a16="http://schemas.microsoft.com/office/drawing/2014/main" id="{E7B70C82-8E6D-4A2A-B526-AB828BDCFE49}"/>
-              </a:ext>
-            </a:extLst>
-          </p:cNvPr>
-          <p:cNvSpPr/>
-          <p:nvPr/>
-        </p:nvSpPr>
-        <p:spPr>
-          <a:xfrm>
-            <a:off x="8101262" y="2859088"/>
-            <a:ext cx="335280" cy="386080"/>
-          </a:xfrm>
-          <a:prstGeom prst="rect">
-            <a:avLst/>
-          </a:prstGeom>
-          <a:solidFill>
-            <a:srgbClr val="FFFF00">
-              <a:alpha val="33000"/>
-            </a:srgbClr>
-          </a:solidFill>
-          <a:ln>
-            <a:solidFill>
-              <a:srgbClr val="FF0000"/>
-            </a:solidFill>
-          </a:ln>
-        </p:spPr>
-        <p:style>
-          <a:lnRef idx="2">
-            <a:schemeClr val="accent1">
-              <a:shade val="50000"/>
-            </a:schemeClr>
-          </a:lnRef>
-          <a:fillRef idx="1">
-            <a:schemeClr val="accent1"/>
-          </a:fillRef>
-          <a:effectRef idx="0">
-            <a:schemeClr val="accent1"/>
-          </a:effectRef>
-          <a:fontRef idx="minor">
-            <a:schemeClr val="lt1"/>
-          </a:fontRef>
-        </p:style>
-        <p:txBody>
-          <a:bodyPr rtlCol="0" anchor="ctr"/>
-          <a:lstStyle/>
-          <a:p>
-            <a:pPr algn="ctr"/>
-            <a:endParaRPr lang="en-CA"/>
-          </a:p>
-        </p:txBody>
-      </p:sp>
-      <p:sp>
-        <p:nvSpPr>
-          <p:cNvPr id="8" name="Rectangle 7">
-            <a:extLst>
-              <a:ext uri="{FF2B5EF4-FFF2-40B4-BE49-F238E27FC236}">
-                <a16:creationId xmlns:a16="http://schemas.microsoft.com/office/drawing/2014/main" id="{3E675860-32F5-438D-838E-9BFA1B021CC6}"/>
-              </a:ext>
-            </a:extLst>
-          </p:cNvPr>
-          <p:cNvSpPr/>
-          <p:nvPr/>
-        </p:nvSpPr>
-        <p:spPr>
-          <a:xfrm>
-            <a:off x="6583544" y="4535488"/>
-            <a:ext cx="4084456" cy="386080"/>
-          </a:xfrm>
-          <a:prstGeom prst="rect">
-            <a:avLst/>
-          </a:prstGeom>
-          <a:solidFill>
-            <a:srgbClr val="FFFF00">
-              <a:alpha val="33000"/>
-            </a:srgbClr>
-          </a:solidFill>
-          <a:ln>
-            <a:solidFill>
-              <a:srgbClr val="FF0000"/>
-            </a:solidFill>
-          </a:ln>
-        </p:spPr>
-        <p:style>
-          <a:lnRef idx="2">
-            <a:schemeClr val="accent1">
-              <a:shade val="50000"/>
-            </a:schemeClr>
-          </a:lnRef>
-          <a:fillRef idx="1">
-            <a:schemeClr val="accent1"/>
-          </a:fillRef>
-          <a:effectRef idx="0">
-            <a:schemeClr val="accent1"/>
-          </a:effectRef>
-          <a:fontRef idx="minor">
-            <a:schemeClr val="lt1"/>
-          </a:fontRef>
-        </p:style>
-        <p:txBody>
-          <a:bodyPr rtlCol="0" anchor="ctr"/>
-          <a:lstStyle/>
-          <a:p>
-            <a:pPr algn="ctr"/>
-            <a:endParaRPr lang="en-CA"/>
-          </a:p>
-        </p:txBody>
-      </p:sp>
-    </p:spTree>
-    <p:extLst>
-      <p:ext uri="{BB962C8B-B14F-4D97-AF65-F5344CB8AC3E}">
-        <p14:creationId xmlns:p14="http://schemas.microsoft.com/office/powerpoint/2010/main" val="2897857673"/>
-      </p:ext>
-    </p:extLst>
-  </p:cSld>
-  <p:clrMapOvr>
-    <a:masterClrMapping/>
-  </p:clrMapOvr>
-</p:sld>
-</file>
-
-<file path=ppt/slides/slide19.xml><?xml version="1.0" encoding="utf-8"?>
-<p:sld xmlns:a="http://schemas.openxmlformats.org/drawingml/2006/main" xmlns:r="http://schemas.openxmlformats.org/officeDocument/2006/relationships" xmlns:p="http://schemas.openxmlformats.org/presentationml/2006/main">
-  <p:cSld>
-    <p:spTree>
-      <p:nvGrpSpPr>
-        <p:cNvPr id="1" name=""/>
-        <p:cNvGrpSpPr/>
-        <p:nvPr/>
-      </p:nvGrpSpPr>
-      <p:grpSpPr>
-        <a:xfrm>
-          <a:off x="0" y="0"/>
-          <a:ext cx="0" cy="0"/>
-          <a:chOff x="0" y="0"/>
-          <a:chExt cx="0" cy="0"/>
-        </a:xfrm>
-      </p:grpSpPr>
-      <p:sp>
-        <p:nvSpPr>
-          <p:cNvPr id="3" name="TextBox 2"/>
-          <p:cNvSpPr txBox="1"/>
-          <p:nvPr/>
-        </p:nvSpPr>
-        <p:spPr>
-          <a:xfrm>
-            <a:off x="246328" y="310733"/>
-            <a:ext cx="5802614" cy="584775"/>
-          </a:xfrm>
-          <a:prstGeom prst="rect">
-            <a:avLst/>
-          </a:prstGeom>
-          <a:noFill/>
-        </p:spPr>
-        <p:txBody>
-          <a:bodyPr wrap="none" rtlCol="0" anchor="ctr">
-            <a:spAutoFit/>
-          </a:bodyPr>
-          <a:lstStyle/>
-          <a:p>
-            <a:r>
-              <a:rPr lang="en-US" altLang="ko-KR" sz="3200" b="1" dirty="0">
-                <a:solidFill>
-                  <a:srgbClr val="C1444D"/>
-                </a:solidFill>
-                <a:latin typeface="나눔스퀘어 Bold" panose="020B0600000101010101" pitchFamily="50" charset="-127"/>
-                <a:ea typeface="나눔스퀘어 Bold" panose="020B0600000101010101" pitchFamily="50" charset="-127"/>
-              </a:rPr>
-              <a:t>002/ Mathematical Formula?</a:t>
-            </a:r>
-            <a:endParaRPr lang="ko-KR" altLang="en-US" sz="3200" b="1" dirty="0">
-              <a:solidFill>
-                <a:srgbClr val="C1444D"/>
-              </a:solidFill>
-              <a:latin typeface="나눔스퀘어 Bold" panose="020B0600000101010101" pitchFamily="50" charset="-127"/>
-              <a:ea typeface="나눔스퀘어 Bold" panose="020B0600000101010101" pitchFamily="50" charset="-127"/>
-            </a:endParaRPr>
-          </a:p>
-        </p:txBody>
-      </p:sp>
-      <p:sp>
-        <p:nvSpPr>
-          <p:cNvPr id="5" name="TextBox 4"/>
-          <p:cNvSpPr txBox="1"/>
-          <p:nvPr/>
-        </p:nvSpPr>
-        <p:spPr>
-          <a:xfrm>
-            <a:off x="7620223" y="74037"/>
-            <a:ext cx="4533677" cy="400110"/>
-          </a:xfrm>
-          <a:prstGeom prst="rect">
-            <a:avLst/>
-          </a:prstGeom>
-          <a:noFill/>
-        </p:spPr>
-        <p:txBody>
-          <a:bodyPr wrap="none" rtlCol="0">
-            <a:spAutoFit/>
-          </a:bodyPr>
-          <a:lstStyle/>
-          <a:p>
-            <a:pPr algn="r"/>
-            <a:r>
-              <a:rPr lang="en-CA" altLang="ko-KR" sz="1000" dirty="0">
-                <a:solidFill>
-                  <a:srgbClr val="3D3D3D"/>
-                </a:solidFill>
-                <a:latin typeface="나눔스퀘어 Light" panose="020B0600000101010101" pitchFamily="50" charset="-127"/>
-                <a:ea typeface="나눔스퀘어 Light" panose="020B0600000101010101" pitchFamily="50" charset="-127"/>
-              </a:rPr>
-              <a:t>IMAGE SEGMENTATION + LINEAR PROGRAMMING + USER INTERACTION</a:t>
-            </a:r>
-            <a:endParaRPr lang="ko-KR" altLang="en-US" sz="1000" dirty="0">
-              <a:solidFill>
-                <a:srgbClr val="3D3D3D"/>
-              </a:solidFill>
-              <a:latin typeface="나눔스퀘어 Light" panose="020B0600000101010101" pitchFamily="50" charset="-127"/>
-              <a:ea typeface="나눔스퀘어 Light" panose="020B0600000101010101" pitchFamily="50" charset="-127"/>
-            </a:endParaRPr>
-          </a:p>
-          <a:p>
-            <a:pPr algn="r"/>
-            <a:endParaRPr lang="ko-KR" altLang="en-US" sz="1000" dirty="0">
-              <a:solidFill>
-                <a:srgbClr val="3D3D3D"/>
-              </a:solidFill>
-              <a:latin typeface="나눔스퀘어 Light" panose="020B0600000101010101" pitchFamily="50" charset="-127"/>
-              <a:ea typeface="나눔스퀘어 Light" panose="020B0600000101010101" pitchFamily="50" charset="-127"/>
-            </a:endParaRPr>
-          </a:p>
-        </p:txBody>
-      </p:sp>
-      <p:sp>
-        <p:nvSpPr>
-          <p:cNvPr id="7" name="TextBox 6"/>
-          <p:cNvSpPr txBox="1"/>
-          <p:nvPr/>
-        </p:nvSpPr>
-        <p:spPr>
-          <a:xfrm>
-            <a:off x="1073827" y="1574800"/>
-            <a:ext cx="4802469" cy="2031325"/>
-          </a:xfrm>
-          <a:prstGeom prst="rect">
-            <a:avLst/>
-          </a:prstGeom>
-          <a:noFill/>
-        </p:spPr>
-        <p:txBody>
-          <a:bodyPr wrap="none" rtlCol="0">
-            <a:spAutoFit/>
-          </a:bodyPr>
-          <a:lstStyle/>
-          <a:p>
-            <a:r>
-              <a:rPr lang="en-CA" altLang="ko-KR" b="1" dirty="0">
-                <a:solidFill>
-                  <a:schemeClr val="bg1"/>
-                </a:solidFill>
-                <a:latin typeface="나눔스퀘어" panose="020B0600000101010101" pitchFamily="50" charset="-127"/>
-                <a:ea typeface="나눔스퀘어" panose="020B0600000101010101" pitchFamily="50" charset="-127"/>
-              </a:rPr>
-              <a:t>User-specified regularization parameter</a:t>
-            </a:r>
-          </a:p>
-          <a:p>
-            <a:endParaRPr lang="en-CA" altLang="ko-KR" dirty="0">
-              <a:solidFill>
-                <a:schemeClr val="bg1"/>
-              </a:solidFill>
-              <a:latin typeface="나눔스퀘어" panose="020B0600000101010101" pitchFamily="50" charset="-127"/>
-              <a:ea typeface="나눔스퀘어" panose="020B0600000101010101" pitchFamily="50" charset="-127"/>
-            </a:endParaRPr>
-          </a:p>
-          <a:p>
-            <a:r>
-              <a:rPr lang="en-CA" altLang="ko-KR" dirty="0">
-                <a:solidFill>
-                  <a:schemeClr val="bg1"/>
-                </a:solidFill>
-                <a:latin typeface="나눔스퀘어" panose="020B0600000101010101" pitchFamily="50" charset="-127"/>
-                <a:ea typeface="나눔스퀘어" panose="020B0600000101010101" pitchFamily="50" charset="-127"/>
-              </a:rPr>
-              <a:t>In the paper, it is set to 0.2 (for experiment)</a:t>
-            </a:r>
-          </a:p>
-          <a:p>
-            <a:endParaRPr lang="en-CA" altLang="ko-KR" dirty="0">
-              <a:solidFill>
-                <a:schemeClr val="bg1"/>
-              </a:solidFill>
-              <a:latin typeface="나눔스퀘어" panose="020B0600000101010101" pitchFamily="50" charset="-127"/>
-              <a:ea typeface="나눔스퀘어" panose="020B0600000101010101" pitchFamily="50" charset="-127"/>
-            </a:endParaRPr>
-          </a:p>
-          <a:p>
-            <a:endParaRPr lang="en-CA" altLang="ko-KR" dirty="0">
-              <a:solidFill>
-                <a:schemeClr val="bg1"/>
-              </a:solidFill>
-              <a:latin typeface="나눔스퀘어" panose="020B0600000101010101" pitchFamily="50" charset="-127"/>
-              <a:ea typeface="나눔스퀘어" panose="020B0600000101010101" pitchFamily="50" charset="-127"/>
-            </a:endParaRPr>
-          </a:p>
-          <a:p>
-            <a:endParaRPr lang="en-CA" altLang="ko-KR" dirty="0">
-              <a:solidFill>
-                <a:schemeClr val="bg1"/>
-              </a:solidFill>
-              <a:latin typeface="나눔스퀘어" panose="020B0600000101010101" pitchFamily="50" charset="-127"/>
-              <a:ea typeface="나눔스퀘어" panose="020B0600000101010101" pitchFamily="50" charset="-127"/>
-            </a:endParaRPr>
-          </a:p>
-          <a:p>
-            <a:endParaRPr lang="en-CA" altLang="ko-KR" dirty="0">
-              <a:solidFill>
-                <a:schemeClr val="bg1"/>
-              </a:solidFill>
-              <a:latin typeface="나눔스퀘어" panose="020B0600000101010101" pitchFamily="50" charset="-127"/>
-              <a:ea typeface="나눔스퀘어" panose="020B0600000101010101" pitchFamily="50" charset="-127"/>
-            </a:endParaRPr>
-          </a:p>
-        </p:txBody>
-      </p:sp>
-      <p:pic>
-        <p:nvPicPr>
-          <p:cNvPr id="6" name="Picture 5">
-            <a:extLst>
-              <a:ext uri="{FF2B5EF4-FFF2-40B4-BE49-F238E27FC236}">
-                <a16:creationId xmlns:a16="http://schemas.microsoft.com/office/drawing/2014/main" id="{E30852CF-B164-463D-9934-B05CC3F86634}"/>
-              </a:ext>
-            </a:extLst>
-          </p:cNvPr>
-          <p:cNvPicPr>
-            <a:picLocks noChangeAspect="1"/>
-          </p:cNvPicPr>
-          <p:nvPr/>
-        </p:nvPicPr>
-        <p:blipFill>
-          <a:blip r:embed="rId3"/>
-          <a:stretch>
-            <a:fillRect/>
-          </a:stretch>
-        </p:blipFill>
-        <p:spPr>
-          <a:xfrm>
-            <a:off x="6549322" y="2266950"/>
-            <a:ext cx="4953000" cy="2933700"/>
-          </a:xfrm>
-          <a:prstGeom prst="rect">
-            <a:avLst/>
-          </a:prstGeom>
-        </p:spPr>
-      </p:pic>
-      <p:sp>
-        <p:nvSpPr>
-          <p:cNvPr id="2" name="Rectangle 1">
-            <a:extLst>
-              <a:ext uri="{FF2B5EF4-FFF2-40B4-BE49-F238E27FC236}">
-                <a16:creationId xmlns:a16="http://schemas.microsoft.com/office/drawing/2014/main" id="{E7B70C82-8E6D-4A2A-B526-AB828BDCFE49}"/>
-              </a:ext>
-            </a:extLst>
-          </p:cNvPr>
-          <p:cNvSpPr/>
-          <p:nvPr/>
-        </p:nvSpPr>
-        <p:spPr>
-          <a:xfrm>
-            <a:off x="8690542" y="2859088"/>
-            <a:ext cx="335280" cy="386080"/>
-          </a:xfrm>
-          <a:prstGeom prst="rect">
-            <a:avLst/>
-          </a:prstGeom>
-          <a:solidFill>
-            <a:srgbClr val="FFFF00">
-              <a:alpha val="33000"/>
-            </a:srgbClr>
-          </a:solidFill>
-          <a:ln>
-            <a:solidFill>
-              <a:srgbClr val="FF0000"/>
-            </a:solidFill>
-          </a:ln>
-        </p:spPr>
-        <p:style>
-          <a:lnRef idx="2">
-            <a:schemeClr val="accent1">
-              <a:shade val="50000"/>
-            </a:schemeClr>
-          </a:lnRef>
-          <a:fillRef idx="1">
-            <a:schemeClr val="accent1"/>
-          </a:fillRef>
-          <a:effectRef idx="0">
-            <a:schemeClr val="accent1"/>
-          </a:effectRef>
-          <a:fontRef idx="minor">
-            <a:schemeClr val="lt1"/>
-          </a:fontRef>
-        </p:style>
-        <p:txBody>
-          <a:bodyPr rtlCol="0" anchor="ctr"/>
-          <a:lstStyle/>
-          <a:p>
-            <a:pPr algn="ctr"/>
-            <a:endParaRPr lang="en-CA"/>
-          </a:p>
-        </p:txBody>
-      </p:sp>
-    </p:spTree>
-    <p:extLst>
-      <p:ext uri="{BB962C8B-B14F-4D97-AF65-F5344CB8AC3E}">
-        <p14:creationId xmlns:p14="http://schemas.microsoft.com/office/powerpoint/2010/main" val="2449674547"/>
       </p:ext>
     </p:extLst>
   </p:cSld>
@@ -7045,6 +7892,1796 @@
       </p:sp>
       <mc:AlternateContent xmlns:mc="http://schemas.openxmlformats.org/markup-compatibility/2006">
         <mc:Choice xmlns:a14="http://schemas.microsoft.com/office/drawing/2010/main" Requires="a14">
+          <p:sp>
+            <p:nvSpPr>
+              <p:cNvPr id="7" name="TextBox 6"/>
+              <p:cNvSpPr txBox="1"/>
+              <p:nvPr/>
+            </p:nvSpPr>
+            <p:spPr>
+              <a:xfrm>
+                <a:off x="1073827" y="1574800"/>
+                <a:ext cx="10262553" cy="3970318"/>
+              </a:xfrm>
+              <a:prstGeom prst="rect">
+                <a:avLst/>
+              </a:prstGeom>
+              <a:noFill/>
+            </p:spPr>
+            <p:txBody>
+              <a:bodyPr wrap="none" rtlCol="0">
+                <a:spAutoFit/>
+              </a:bodyPr>
+              <a:lstStyle/>
+              <a:p>
+                <a:r>
+                  <a:rPr lang="en-CA" altLang="ko-KR" b="1" dirty="0">
+                    <a:solidFill>
+                      <a:schemeClr val="bg1"/>
+                    </a:solidFill>
+                    <a:latin typeface="나눔스퀘어" panose="020B0600000101010101" pitchFamily="50" charset="-127"/>
+                    <a:ea typeface="나눔스퀘어" panose="020B0600000101010101" pitchFamily="50" charset="-127"/>
+                  </a:rPr>
+                  <a:t>Delta-distance (</a:t>
+                </a:r>
+                <a14:m>
+                  <m:oMath xmlns:m="http://schemas.openxmlformats.org/officeDocument/2006/math">
+                    <m:sSub>
+                      <m:sSubPr>
+                        <m:ctrlPr>
+                          <a:rPr lang="en-CA" altLang="ko-KR" i="1">
+                            <a:solidFill>
+                              <a:schemeClr val="bg1"/>
+                            </a:solidFill>
+                            <a:latin typeface="Cambria Math" panose="02040503050406030204" pitchFamily="18" charset="0"/>
+                            <a:ea typeface="나눔스퀘어" panose="020B0600000101010101" pitchFamily="50" charset="-127"/>
+                          </a:rPr>
+                        </m:ctrlPr>
+                      </m:sSubPr>
+                      <m:e>
+                        <m:r>
+                          <a:rPr lang="en-CA" altLang="ko-KR" i="1">
+                            <a:solidFill>
+                              <a:schemeClr val="bg1"/>
+                            </a:solidFill>
+                            <a:latin typeface="Cambria Math" panose="02040503050406030204" pitchFamily="18" charset="0"/>
+                            <a:ea typeface="나눔스퀘어" panose="020B0600000101010101" pitchFamily="50" charset="-127"/>
+                            <a:sym typeface="Symbol" panose="05050102010706020507" pitchFamily="18" charset="2"/>
+                          </a:rPr>
+                          <m:t></m:t>
+                        </m:r>
+                      </m:e>
+                      <m:sub>
+                        <m:r>
+                          <a:rPr lang="en-CA" altLang="ko-KR" i="1">
+                            <a:solidFill>
+                              <a:schemeClr val="bg1"/>
+                            </a:solidFill>
+                            <a:latin typeface="Cambria Math" panose="02040503050406030204" pitchFamily="18" charset="0"/>
+                            <a:ea typeface="나눔스퀘어" panose="020B0600000101010101" pitchFamily="50" charset="-127"/>
+                          </a:rPr>
+                          <m:t>𝑖</m:t>
+                        </m:r>
+                      </m:sub>
+                    </m:sSub>
+                  </m:oMath>
+                </a14:m>
+                <a:r>
+                  <a:rPr lang="en-CA" altLang="ko-KR" dirty="0">
+                    <a:solidFill>
+                      <a:schemeClr val="bg1"/>
+                    </a:solidFill>
+                    <a:latin typeface="나눔스퀘어" panose="020B0600000101010101" pitchFamily="50" charset="-127"/>
+                    <a:ea typeface="나눔스퀘어" panose="020B0600000101010101" pitchFamily="50" charset="-127"/>
+                  </a:rPr>
+                  <a:t>)</a:t>
+                </a:r>
+                <a:endParaRPr lang="en-CA" altLang="ko-KR" b="1" dirty="0">
+                  <a:solidFill>
+                    <a:schemeClr val="bg1"/>
+                  </a:solidFill>
+                  <a:latin typeface="나눔스퀘어" panose="020B0600000101010101" pitchFamily="50" charset="-127"/>
+                  <a:ea typeface="나눔스퀘어" panose="020B0600000101010101" pitchFamily="50" charset="-127"/>
+                </a:endParaRPr>
+              </a:p>
+              <a:p>
+                <a:pPr marL="285750" indent="-285750">
+                  <a:buFontTx/>
+                  <a:buChar char="-"/>
+                </a:pPr>
+                <a:r>
+                  <a:rPr lang="en-CA" altLang="ko-KR" dirty="0">
+                    <a:solidFill>
+                      <a:schemeClr val="bg1"/>
+                    </a:solidFill>
+                    <a:latin typeface="나눔스퀘어" panose="020B0600000101010101" pitchFamily="50" charset="-127"/>
+                    <a:ea typeface="나눔스퀘어" panose="020B0600000101010101" pitchFamily="50" charset="-127"/>
+                  </a:rPr>
+                  <a:t>Foreground distance</a:t>
+                </a:r>
+              </a:p>
+              <a:p>
+                <a:endParaRPr lang="en-CA" altLang="ko-KR" dirty="0">
+                  <a:solidFill>
+                    <a:schemeClr val="bg1"/>
+                  </a:solidFill>
+                  <a:latin typeface="나눔스퀘어" panose="020B0600000101010101" pitchFamily="50" charset="-127"/>
+                  <a:ea typeface="나눔스퀘어" panose="020B0600000101010101" pitchFamily="50" charset="-127"/>
+                </a:endParaRPr>
+              </a:p>
+              <a:p>
+                <a:r>
+                  <a:rPr lang="en-CA" altLang="ko-KR" i="1" dirty="0">
+                    <a:solidFill>
+                      <a:schemeClr val="bg1"/>
+                    </a:solidFill>
+                    <a:latin typeface="나눔스퀘어" panose="020B0600000101010101" pitchFamily="50" charset="-127"/>
+                    <a:ea typeface="나눔스퀘어" panose="020B0600000101010101" pitchFamily="50" charset="-127"/>
+                  </a:rPr>
+                  <a:t>Eq. (11)</a:t>
+                </a:r>
+              </a:p>
+              <a:p>
+                <a:r>
+                  <a:rPr lang="en-CA" altLang="ko-KR" dirty="0">
+                    <a:solidFill>
+                      <a:schemeClr val="bg2">
+                        <a:lumMod val="50000"/>
+                      </a:schemeClr>
+                    </a:solidFill>
+                    <a:latin typeface="나눔스퀘어" panose="020B0600000101010101" pitchFamily="50" charset="-127"/>
+                    <a:ea typeface="나눔스퀘어" panose="020B0600000101010101" pitchFamily="50" charset="-127"/>
+                  </a:rPr>
+                  <a:t>(</a:t>
+                </a:r>
+                <a:r>
+                  <a:rPr lang="en-CA" altLang="ko-KR" dirty="0" err="1">
+                    <a:solidFill>
+                      <a:schemeClr val="bg2">
+                        <a:lumMod val="50000"/>
+                      </a:schemeClr>
+                    </a:solidFill>
+                    <a:latin typeface="나눔스퀘어" panose="020B0600000101010101" pitchFamily="50" charset="-127"/>
+                    <a:ea typeface="나눔스퀘어" panose="020B0600000101010101" pitchFamily="50" charset="-127"/>
+                  </a:rPr>
+                  <a:t>Mahalanobis</a:t>
+                </a:r>
+                <a:r>
+                  <a:rPr lang="en-CA" altLang="ko-KR" dirty="0">
+                    <a:solidFill>
+                      <a:schemeClr val="bg2">
+                        <a:lumMod val="50000"/>
+                      </a:schemeClr>
+                    </a:solidFill>
+                    <a:latin typeface="나눔스퀘어" panose="020B0600000101010101" pitchFamily="50" charset="-127"/>
+                    <a:ea typeface="나눔스퀘어" panose="020B0600000101010101" pitchFamily="50" charset="-127"/>
+                  </a:rPr>
+                  <a:t>) </a:t>
+                </a:r>
+                <a:r>
+                  <a:rPr lang="en-CA" altLang="ko-KR" dirty="0">
+                    <a:solidFill>
+                      <a:schemeClr val="bg1"/>
+                    </a:solidFill>
+                    <a:latin typeface="나눔스퀘어" panose="020B0600000101010101" pitchFamily="50" charset="-127"/>
+                    <a:ea typeface="나눔스퀘어" panose="020B0600000101010101" pitchFamily="50" charset="-127"/>
+                  </a:rPr>
+                  <a:t>Distance of foreground in respect to </a:t>
+                </a:r>
+                <a:r>
+                  <a:rPr lang="en-CA" altLang="ko-KR" i="1" dirty="0" err="1">
+                    <a:solidFill>
+                      <a:schemeClr val="bg1"/>
+                    </a:solidFill>
+                    <a:latin typeface="나눔스퀘어" panose="020B0600000101010101" pitchFamily="50" charset="-127"/>
+                    <a:ea typeface="나눔스퀘어" panose="020B0600000101010101" pitchFamily="50" charset="-127"/>
+                  </a:rPr>
+                  <a:t>i-th</a:t>
+                </a:r>
+                <a:r>
+                  <a:rPr lang="en-CA" altLang="ko-KR" dirty="0">
+                    <a:solidFill>
+                      <a:schemeClr val="bg1"/>
+                    </a:solidFill>
+                    <a:latin typeface="나눔스퀘어" panose="020B0600000101010101" pitchFamily="50" charset="-127"/>
+                    <a:ea typeface="나눔스퀘어" panose="020B0600000101010101" pitchFamily="50" charset="-127"/>
+                  </a:rPr>
+                  <a:t> feature vector</a:t>
+                </a:r>
+              </a:p>
+              <a:p>
+                <a:r>
+                  <a:rPr lang="en-CA" altLang="ko-KR" dirty="0">
+                    <a:solidFill>
+                      <a:schemeClr val="bg1"/>
+                    </a:solidFill>
+                    <a:latin typeface="나눔스퀘어" panose="020B0600000101010101" pitchFamily="50" charset="-127"/>
+                    <a:ea typeface="나눔스퀘어" panose="020B0600000101010101" pitchFamily="50" charset="-127"/>
+                  </a:rPr>
+                  <a:t>- Visual Occlusions and illumination changes are taken into account </a:t>
+                </a:r>
+              </a:p>
+              <a:p>
+                <a:endParaRPr lang="en-CA" altLang="ko-KR" dirty="0">
+                  <a:solidFill>
+                    <a:schemeClr val="bg1"/>
+                  </a:solidFill>
+                  <a:latin typeface="나눔스퀘어" panose="020B0600000101010101" pitchFamily="50" charset="-127"/>
+                  <a:ea typeface="나눔스퀘어" panose="020B0600000101010101" pitchFamily="50" charset="-127"/>
+                </a:endParaRPr>
+              </a:p>
+              <a:p>
+                <a:endParaRPr lang="en-CA" altLang="ko-KR" dirty="0">
+                  <a:solidFill>
+                    <a:schemeClr val="bg1"/>
+                  </a:solidFill>
+                  <a:latin typeface="나눔스퀘어" panose="020B0600000101010101" pitchFamily="50" charset="-127"/>
+                  <a:ea typeface="나눔스퀘어" panose="020B0600000101010101" pitchFamily="50" charset="-127"/>
+                </a:endParaRPr>
+              </a:p>
+              <a:p>
+                <a:r>
+                  <a:rPr lang="en-CA" altLang="ko-KR" dirty="0">
+                    <a:solidFill>
+                      <a:schemeClr val="bg1"/>
+                    </a:solidFill>
+                    <a:latin typeface="나눔스퀘어" panose="020B0600000101010101" pitchFamily="50" charset="-127"/>
+                    <a:ea typeface="나눔스퀘어" panose="020B0600000101010101" pitchFamily="50" charset="-127"/>
+                  </a:rPr>
+                  <a:t>      k-</a:t>
+                </a:r>
+                <a:r>
+                  <a:rPr lang="en-CA" altLang="ko-KR" dirty="0" err="1">
+                    <a:solidFill>
+                      <a:schemeClr val="bg1"/>
+                    </a:solidFill>
+                    <a:latin typeface="나눔스퀘어" panose="020B0600000101010101" pitchFamily="50" charset="-127"/>
+                    <a:ea typeface="나눔스퀘어" panose="020B0600000101010101" pitchFamily="50" charset="-127"/>
+                  </a:rPr>
+                  <a:t>th</a:t>
+                </a:r>
+                <a:r>
+                  <a:rPr lang="en-CA" altLang="ko-KR" dirty="0">
+                    <a:solidFill>
+                      <a:schemeClr val="bg1"/>
+                    </a:solidFill>
+                    <a:latin typeface="나눔스퀘어" panose="020B0600000101010101" pitchFamily="50" charset="-127"/>
+                    <a:ea typeface="나눔스퀘어" panose="020B0600000101010101" pitchFamily="50" charset="-127"/>
+                  </a:rPr>
+                  <a:t> </a:t>
+                </a:r>
+                <a:r>
+                  <a:rPr lang="en-CA" altLang="ko-KR" dirty="0" err="1">
+                    <a:solidFill>
+                      <a:schemeClr val="bg1"/>
+                    </a:solidFill>
+                    <a:latin typeface="나눔스퀘어" panose="020B0600000101010101" pitchFamily="50" charset="-127"/>
+                    <a:ea typeface="나눔스퀘어" panose="020B0600000101010101" pitchFamily="50" charset="-127"/>
+                  </a:rPr>
+                  <a:t>Guass</a:t>
+                </a:r>
+                <a:r>
+                  <a:rPr lang="en-CA" altLang="ko-KR" dirty="0">
+                    <a:solidFill>
+                      <a:schemeClr val="bg1"/>
+                    </a:solidFill>
+                    <a:latin typeface="나눔스퀘어" panose="020B0600000101010101" pitchFamily="50" charset="-127"/>
+                    <a:ea typeface="나눔스퀘어" panose="020B0600000101010101" pitchFamily="50" charset="-127"/>
+                  </a:rPr>
+                  <a:t> mode (components) of the foreground object region’s </a:t>
+                </a:r>
+                <a:r>
+                  <a:rPr lang="en-CA" altLang="ko-KR" b="1" dirty="0">
+                    <a:solidFill>
+                      <a:srgbClr val="BF586D"/>
+                    </a:solidFill>
+                    <a:latin typeface="나눔스퀘어" panose="020B0600000101010101" pitchFamily="50" charset="-127"/>
+                    <a:ea typeface="나눔스퀘어" panose="020B0600000101010101" pitchFamily="50" charset="-127"/>
+                  </a:rPr>
+                  <a:t>mean</a:t>
+                </a:r>
+              </a:p>
+              <a:p>
+                <a:endParaRPr lang="en-CA" altLang="ko-KR" dirty="0">
+                  <a:solidFill>
+                    <a:schemeClr val="bg1"/>
+                  </a:solidFill>
+                  <a:latin typeface="나눔스퀘어" panose="020B0600000101010101" pitchFamily="50" charset="-127"/>
+                  <a:ea typeface="나눔스퀘어" panose="020B0600000101010101" pitchFamily="50" charset="-127"/>
+                </a:endParaRPr>
+              </a:p>
+              <a:p>
+                <a:r>
+                  <a:rPr lang="en-CA" altLang="ko-KR" dirty="0">
+                    <a:solidFill>
+                      <a:schemeClr val="bg1"/>
+                    </a:solidFill>
+                    <a:latin typeface="나눔스퀘어" panose="020B0600000101010101" pitchFamily="50" charset="-127"/>
+                    <a:ea typeface="나눔스퀘어" panose="020B0600000101010101" pitchFamily="50" charset="-127"/>
+                  </a:rPr>
+                  <a:t>       reciprocal of k-</a:t>
+                </a:r>
+                <a:r>
+                  <a:rPr lang="en-CA" altLang="ko-KR" dirty="0" err="1">
+                    <a:solidFill>
+                      <a:schemeClr val="bg1"/>
+                    </a:solidFill>
+                    <a:latin typeface="나눔스퀘어" panose="020B0600000101010101" pitchFamily="50" charset="-127"/>
+                    <a:ea typeface="나눔스퀘어" panose="020B0600000101010101" pitchFamily="50" charset="-127"/>
+                  </a:rPr>
+                  <a:t>th</a:t>
+                </a:r>
+                <a:r>
+                  <a:rPr lang="en-CA" altLang="ko-KR" dirty="0">
+                    <a:solidFill>
+                      <a:schemeClr val="bg1"/>
+                    </a:solidFill>
+                    <a:latin typeface="나눔스퀘어" panose="020B0600000101010101" pitchFamily="50" charset="-127"/>
+                    <a:ea typeface="나눔스퀘어" panose="020B0600000101010101" pitchFamily="50" charset="-127"/>
+                  </a:rPr>
+                  <a:t> </a:t>
+                </a:r>
+                <a:r>
+                  <a:rPr lang="en-CA" altLang="ko-KR" dirty="0" err="1">
+                    <a:solidFill>
+                      <a:schemeClr val="bg1"/>
+                    </a:solidFill>
+                    <a:latin typeface="나눔스퀘어" panose="020B0600000101010101" pitchFamily="50" charset="-127"/>
+                    <a:ea typeface="나눔스퀘어" panose="020B0600000101010101" pitchFamily="50" charset="-127"/>
+                  </a:rPr>
+                  <a:t>Guass</a:t>
+                </a:r>
+                <a:r>
+                  <a:rPr lang="en-CA" altLang="ko-KR" dirty="0">
+                    <a:solidFill>
+                      <a:schemeClr val="bg1"/>
+                    </a:solidFill>
+                    <a:latin typeface="나눔스퀘어" panose="020B0600000101010101" pitchFamily="50" charset="-127"/>
+                    <a:ea typeface="나눔스퀘어" panose="020B0600000101010101" pitchFamily="50" charset="-127"/>
+                  </a:rPr>
+                  <a:t> mode (components) of the foreground object region’s </a:t>
+                </a:r>
+                <a:r>
+                  <a:rPr lang="en-CA" altLang="ko-KR" b="1" dirty="0">
+                    <a:solidFill>
+                      <a:srgbClr val="BF586D"/>
+                    </a:solidFill>
+                    <a:latin typeface="나눔스퀘어" panose="020B0600000101010101" pitchFamily="50" charset="-127"/>
+                    <a:ea typeface="나눔스퀘어" panose="020B0600000101010101" pitchFamily="50" charset="-127"/>
+                  </a:rPr>
+                  <a:t>covariance</a:t>
+                </a:r>
+              </a:p>
+              <a:p>
+                <a:endParaRPr lang="en-CA" altLang="ko-KR" dirty="0">
+                  <a:solidFill>
+                    <a:schemeClr val="bg1"/>
+                  </a:solidFill>
+                  <a:latin typeface="나눔스퀘어" panose="020B0600000101010101" pitchFamily="50" charset="-127"/>
+                  <a:ea typeface="나눔스퀘어" panose="020B0600000101010101" pitchFamily="50" charset="-127"/>
+                </a:endParaRPr>
+              </a:p>
+              <a:p>
+                <a:endParaRPr lang="en-CA" altLang="ko-KR" dirty="0">
+                  <a:solidFill>
+                    <a:schemeClr val="bg1"/>
+                  </a:solidFill>
+                  <a:latin typeface="나눔스퀘어" panose="020B0600000101010101" pitchFamily="50" charset="-127"/>
+                  <a:ea typeface="나눔스퀘어" panose="020B0600000101010101" pitchFamily="50" charset="-127"/>
+                </a:endParaRPr>
+              </a:p>
+              <a:p>
+                <a:r>
+                  <a:rPr lang="en-CA" altLang="ko-KR" dirty="0">
+                    <a:solidFill>
+                      <a:schemeClr val="bg1"/>
+                    </a:solidFill>
+                    <a:latin typeface="나눔스퀘어" panose="020B0600000101010101" pitchFamily="50" charset="-127"/>
+                    <a:ea typeface="나눔스퀘어" panose="020B0600000101010101" pitchFamily="50" charset="-127"/>
+                  </a:rPr>
+                  <a:t>We estimate these by using Gaussian Mixture Model </a:t>
+                </a:r>
+              </a:p>
+            </p:txBody>
+          </p:sp>
+        </mc:Choice>
+        <mc:Fallback>
+          <p:sp>
+            <p:nvSpPr>
+              <p:cNvPr id="7" name="TextBox 6"/>
+              <p:cNvSpPr txBox="1">
+                <a:spLocks noRot="1" noChangeAspect="1" noMove="1" noResize="1" noEditPoints="1" noAdjustHandles="1" noChangeArrowheads="1" noChangeShapeType="1" noTextEdit="1"/>
+              </p:cNvSpPr>
+              <p:nvPr/>
+            </p:nvSpPr>
+            <p:spPr>
+              <a:xfrm>
+                <a:off x="1073827" y="1574800"/>
+                <a:ext cx="10262553" cy="3970318"/>
+              </a:xfrm>
+              <a:prstGeom prst="rect">
+                <a:avLst/>
+              </a:prstGeom>
+              <a:blipFill>
+                <a:blip r:embed="rId3"/>
+                <a:stretch>
+                  <a:fillRect l="-594" t="-767" b="-1380"/>
+                </a:stretch>
+              </a:blipFill>
+            </p:spPr>
+            <p:txBody>
+              <a:bodyPr/>
+              <a:lstStyle/>
+              <a:p>
+                <a:r>
+                  <a:rPr lang="en-CA">
+                    <a:noFill/>
+                  </a:rPr>
+                  <a:t> </a:t>
+                </a:r>
+              </a:p>
+            </p:txBody>
+          </p:sp>
+        </mc:Fallback>
+      </mc:AlternateContent>
+      <p:pic>
+        <p:nvPicPr>
+          <p:cNvPr id="8" name="Picture 7">
+            <a:extLst>
+              <a:ext uri="{FF2B5EF4-FFF2-40B4-BE49-F238E27FC236}">
+                <a16:creationId xmlns:a16="http://schemas.microsoft.com/office/drawing/2014/main" id="{7DDD9564-5B17-4AF2-8C53-19930B4AB3F4}"/>
+              </a:ext>
+            </a:extLst>
+          </p:cNvPr>
+          <p:cNvPicPr>
+            <a:picLocks noChangeAspect="1"/>
+          </p:cNvPicPr>
+          <p:nvPr/>
+        </p:nvPicPr>
+        <p:blipFill rotWithShape="1">
+          <a:blip r:embed="rId4"/>
+          <a:srcRect r="1037" b="80067"/>
+          <a:stretch/>
+        </p:blipFill>
+        <p:spPr>
+          <a:xfrm>
+            <a:off x="5015108" y="1574800"/>
+            <a:ext cx="6320780" cy="735983"/>
+          </a:xfrm>
+          <a:prstGeom prst="rect">
+            <a:avLst/>
+          </a:prstGeom>
+        </p:spPr>
+      </p:pic>
+      <p:pic>
+        <p:nvPicPr>
+          <p:cNvPr id="11" name="Picture 10">
+            <a:extLst>
+              <a:ext uri="{FF2B5EF4-FFF2-40B4-BE49-F238E27FC236}">
+                <a16:creationId xmlns:a16="http://schemas.microsoft.com/office/drawing/2014/main" id="{3B792E0F-0DB8-477F-809F-1D4983A53FC4}"/>
+              </a:ext>
+            </a:extLst>
+          </p:cNvPr>
+          <p:cNvPicPr>
+            <a:picLocks noChangeAspect="1"/>
+          </p:cNvPicPr>
+          <p:nvPr/>
+        </p:nvPicPr>
+        <p:blipFill rotWithShape="1">
+          <a:blip r:embed="rId4"/>
+          <a:srcRect l="32774" t="1946" r="61261" b="83312"/>
+          <a:stretch/>
+        </p:blipFill>
+        <p:spPr>
+          <a:xfrm>
+            <a:off x="1101041" y="3610981"/>
+            <a:ext cx="381000" cy="544285"/>
+          </a:xfrm>
+          <a:prstGeom prst="rect">
+            <a:avLst/>
+          </a:prstGeom>
+        </p:spPr>
+      </p:pic>
+      <p:pic>
+        <p:nvPicPr>
+          <p:cNvPr id="12" name="Picture 11">
+            <a:extLst>
+              <a:ext uri="{FF2B5EF4-FFF2-40B4-BE49-F238E27FC236}">
+                <a16:creationId xmlns:a16="http://schemas.microsoft.com/office/drawing/2014/main" id="{D0725986-D156-47F7-8D0C-F431351836C1}"/>
+              </a:ext>
+            </a:extLst>
+          </p:cNvPr>
+          <p:cNvPicPr>
+            <a:picLocks noChangeAspect="1"/>
+          </p:cNvPicPr>
+          <p:nvPr/>
+        </p:nvPicPr>
+        <p:blipFill rotWithShape="1">
+          <a:blip r:embed="rId4"/>
+          <a:srcRect l="41977" t="2596" r="50524" b="82663"/>
+          <a:stretch/>
+        </p:blipFill>
+        <p:spPr>
+          <a:xfrm>
+            <a:off x="1101041" y="4295130"/>
+            <a:ext cx="478973" cy="544285"/>
+          </a:xfrm>
+          <a:prstGeom prst="rect">
+            <a:avLst/>
+          </a:prstGeom>
+        </p:spPr>
+      </p:pic>
+    </p:spTree>
+    <p:extLst>
+      <p:ext uri="{BB962C8B-B14F-4D97-AF65-F5344CB8AC3E}">
+        <p14:creationId xmlns:p14="http://schemas.microsoft.com/office/powerpoint/2010/main" val="2642021314"/>
+      </p:ext>
+    </p:extLst>
+  </p:cSld>
+  <p:clrMapOvr>
+    <a:masterClrMapping/>
+  </p:clrMapOvr>
+</p:sld>
+</file>
+
+<file path=ppt/slides/slide21.xml><?xml version="1.0" encoding="utf-8"?>
+<p:sld xmlns:a="http://schemas.openxmlformats.org/drawingml/2006/main" xmlns:r="http://schemas.openxmlformats.org/officeDocument/2006/relationships" xmlns:p="http://schemas.openxmlformats.org/presentationml/2006/main">
+  <p:cSld>
+    <p:spTree>
+      <p:nvGrpSpPr>
+        <p:cNvPr id="1" name=""/>
+        <p:cNvGrpSpPr/>
+        <p:nvPr/>
+      </p:nvGrpSpPr>
+      <p:grpSpPr>
+        <a:xfrm>
+          <a:off x="0" y="0"/>
+          <a:ext cx="0" cy="0"/>
+          <a:chOff x="0" y="0"/>
+          <a:chExt cx="0" cy="0"/>
+        </a:xfrm>
+      </p:grpSpPr>
+      <p:sp>
+        <p:nvSpPr>
+          <p:cNvPr id="3" name="TextBox 2"/>
+          <p:cNvSpPr txBox="1"/>
+          <p:nvPr/>
+        </p:nvSpPr>
+        <p:spPr>
+          <a:xfrm>
+            <a:off x="246328" y="310733"/>
+            <a:ext cx="5802614" cy="584775"/>
+          </a:xfrm>
+          <a:prstGeom prst="rect">
+            <a:avLst/>
+          </a:prstGeom>
+          <a:noFill/>
+        </p:spPr>
+        <p:txBody>
+          <a:bodyPr wrap="none" rtlCol="0" anchor="ctr">
+            <a:spAutoFit/>
+          </a:bodyPr>
+          <a:lstStyle/>
+          <a:p>
+            <a:r>
+              <a:rPr lang="en-US" altLang="ko-KR" sz="3200" b="1" dirty="0">
+                <a:solidFill>
+                  <a:srgbClr val="C1444D"/>
+                </a:solidFill>
+                <a:latin typeface="나눔스퀘어 Bold" panose="020B0600000101010101" pitchFamily="50" charset="-127"/>
+                <a:ea typeface="나눔스퀘어 Bold" panose="020B0600000101010101" pitchFamily="50" charset="-127"/>
+              </a:rPr>
+              <a:t>002/ Mathematical Formula?</a:t>
+            </a:r>
+            <a:endParaRPr lang="ko-KR" altLang="en-US" sz="3200" b="1" dirty="0">
+              <a:solidFill>
+                <a:srgbClr val="C1444D"/>
+              </a:solidFill>
+              <a:latin typeface="나눔스퀘어 Bold" panose="020B0600000101010101" pitchFamily="50" charset="-127"/>
+              <a:ea typeface="나눔스퀘어 Bold" panose="020B0600000101010101" pitchFamily="50" charset="-127"/>
+            </a:endParaRPr>
+          </a:p>
+        </p:txBody>
+      </p:sp>
+      <p:sp>
+        <p:nvSpPr>
+          <p:cNvPr id="5" name="TextBox 4"/>
+          <p:cNvSpPr txBox="1"/>
+          <p:nvPr/>
+        </p:nvSpPr>
+        <p:spPr>
+          <a:xfrm>
+            <a:off x="7620223" y="74037"/>
+            <a:ext cx="4533677" cy="400110"/>
+          </a:xfrm>
+          <a:prstGeom prst="rect">
+            <a:avLst/>
+          </a:prstGeom>
+          <a:noFill/>
+        </p:spPr>
+        <p:txBody>
+          <a:bodyPr wrap="none" rtlCol="0">
+            <a:spAutoFit/>
+          </a:bodyPr>
+          <a:lstStyle/>
+          <a:p>
+            <a:pPr algn="r"/>
+            <a:r>
+              <a:rPr lang="en-CA" altLang="ko-KR" sz="1000" dirty="0">
+                <a:solidFill>
+                  <a:srgbClr val="3D3D3D"/>
+                </a:solidFill>
+                <a:latin typeface="나눔스퀘어 Light" panose="020B0600000101010101" pitchFamily="50" charset="-127"/>
+                <a:ea typeface="나눔스퀘어 Light" panose="020B0600000101010101" pitchFamily="50" charset="-127"/>
+              </a:rPr>
+              <a:t>IMAGE SEGMENTATION + LINEAR PROGRAMMING + USER INTERACTION</a:t>
+            </a:r>
+            <a:endParaRPr lang="ko-KR" altLang="en-US" sz="1000" dirty="0">
+              <a:solidFill>
+                <a:srgbClr val="3D3D3D"/>
+              </a:solidFill>
+              <a:latin typeface="나눔스퀘어 Light" panose="020B0600000101010101" pitchFamily="50" charset="-127"/>
+              <a:ea typeface="나눔스퀘어 Light" panose="020B0600000101010101" pitchFamily="50" charset="-127"/>
+            </a:endParaRPr>
+          </a:p>
+          <a:p>
+            <a:pPr algn="r"/>
+            <a:endParaRPr lang="ko-KR" altLang="en-US" sz="1000" dirty="0">
+              <a:solidFill>
+                <a:srgbClr val="3D3D3D"/>
+              </a:solidFill>
+              <a:latin typeface="나눔스퀘어 Light" panose="020B0600000101010101" pitchFamily="50" charset="-127"/>
+              <a:ea typeface="나눔스퀘어 Light" panose="020B0600000101010101" pitchFamily="50" charset="-127"/>
+            </a:endParaRPr>
+          </a:p>
+        </p:txBody>
+      </p:sp>
+      <mc:AlternateContent xmlns:mc="http://schemas.openxmlformats.org/markup-compatibility/2006">
+        <mc:Choice xmlns:a14="http://schemas.microsoft.com/office/drawing/2010/main" Requires="a14">
+          <p:sp>
+            <p:nvSpPr>
+              <p:cNvPr id="7" name="TextBox 6"/>
+              <p:cNvSpPr txBox="1"/>
+              <p:nvPr/>
+            </p:nvSpPr>
+            <p:spPr>
+              <a:xfrm>
+                <a:off x="1073827" y="1574800"/>
+                <a:ext cx="2632324" cy="1754326"/>
+              </a:xfrm>
+              <a:prstGeom prst="rect">
+                <a:avLst/>
+              </a:prstGeom>
+              <a:noFill/>
+            </p:spPr>
+            <p:txBody>
+              <a:bodyPr wrap="none" rtlCol="0">
+                <a:spAutoFit/>
+              </a:bodyPr>
+              <a:lstStyle/>
+              <a:p>
+                <a:r>
+                  <a:rPr lang="en-CA" altLang="ko-KR" b="1" dirty="0">
+                    <a:solidFill>
+                      <a:schemeClr val="bg1"/>
+                    </a:solidFill>
+                    <a:latin typeface="나눔스퀘어" panose="020B0600000101010101" pitchFamily="50" charset="-127"/>
+                    <a:ea typeface="나눔스퀘어" panose="020B0600000101010101" pitchFamily="50" charset="-127"/>
+                  </a:rPr>
+                  <a:t>Delta-distance (</a:t>
+                </a:r>
+                <a14:m>
+                  <m:oMath xmlns:m="http://schemas.openxmlformats.org/officeDocument/2006/math">
+                    <m:sSub>
+                      <m:sSubPr>
+                        <m:ctrlPr>
+                          <a:rPr lang="en-CA" altLang="ko-KR" i="1">
+                            <a:solidFill>
+                              <a:schemeClr val="bg1"/>
+                            </a:solidFill>
+                            <a:latin typeface="Cambria Math" panose="02040503050406030204" pitchFamily="18" charset="0"/>
+                            <a:ea typeface="나눔스퀘어" panose="020B0600000101010101" pitchFamily="50" charset="-127"/>
+                          </a:rPr>
+                        </m:ctrlPr>
+                      </m:sSubPr>
+                      <m:e>
+                        <m:r>
+                          <a:rPr lang="en-CA" altLang="ko-KR" i="1">
+                            <a:solidFill>
+                              <a:schemeClr val="bg1"/>
+                            </a:solidFill>
+                            <a:latin typeface="Cambria Math" panose="02040503050406030204" pitchFamily="18" charset="0"/>
+                            <a:ea typeface="나눔스퀘어" panose="020B0600000101010101" pitchFamily="50" charset="-127"/>
+                            <a:sym typeface="Symbol" panose="05050102010706020507" pitchFamily="18" charset="2"/>
+                          </a:rPr>
+                          <m:t></m:t>
+                        </m:r>
+                      </m:e>
+                      <m:sub>
+                        <m:r>
+                          <a:rPr lang="en-CA" altLang="ko-KR" i="1">
+                            <a:solidFill>
+                              <a:schemeClr val="bg1"/>
+                            </a:solidFill>
+                            <a:latin typeface="Cambria Math" panose="02040503050406030204" pitchFamily="18" charset="0"/>
+                            <a:ea typeface="나눔스퀘어" panose="020B0600000101010101" pitchFamily="50" charset="-127"/>
+                          </a:rPr>
+                          <m:t>𝑖</m:t>
+                        </m:r>
+                      </m:sub>
+                    </m:sSub>
+                  </m:oMath>
+                </a14:m>
+                <a:r>
+                  <a:rPr lang="en-CA" altLang="ko-KR" dirty="0">
+                    <a:solidFill>
+                      <a:schemeClr val="bg1"/>
+                    </a:solidFill>
+                    <a:latin typeface="나눔스퀘어" panose="020B0600000101010101" pitchFamily="50" charset="-127"/>
+                    <a:ea typeface="나눔스퀘어" panose="020B0600000101010101" pitchFamily="50" charset="-127"/>
+                  </a:rPr>
+                  <a:t>)</a:t>
+                </a:r>
+                <a:endParaRPr lang="en-CA" altLang="ko-KR" b="1" dirty="0">
+                  <a:solidFill>
+                    <a:schemeClr val="bg1"/>
+                  </a:solidFill>
+                  <a:latin typeface="나눔스퀘어" panose="020B0600000101010101" pitchFamily="50" charset="-127"/>
+                  <a:ea typeface="나눔스퀘어" panose="020B0600000101010101" pitchFamily="50" charset="-127"/>
+                </a:endParaRPr>
+              </a:p>
+              <a:p>
+                <a:pPr marL="285750" indent="-285750">
+                  <a:buFontTx/>
+                  <a:buChar char="-"/>
+                </a:pPr>
+                <a:r>
+                  <a:rPr lang="en-CA" altLang="ko-KR" dirty="0">
+                    <a:solidFill>
+                      <a:schemeClr val="bg1"/>
+                    </a:solidFill>
+                    <a:latin typeface="나눔스퀘어" panose="020B0600000101010101" pitchFamily="50" charset="-127"/>
+                    <a:ea typeface="나눔스퀘어" panose="020B0600000101010101" pitchFamily="50" charset="-127"/>
+                  </a:rPr>
+                  <a:t>Foreground distance</a:t>
+                </a:r>
+              </a:p>
+              <a:p>
+                <a:pPr marL="285750" indent="-285750">
+                  <a:buFontTx/>
+                  <a:buChar char="-"/>
+                </a:pPr>
+                <a:endParaRPr lang="en-CA" altLang="ko-KR" dirty="0">
+                  <a:solidFill>
+                    <a:schemeClr val="bg1"/>
+                  </a:solidFill>
+                  <a:latin typeface="나눔스퀘어" panose="020B0600000101010101" pitchFamily="50" charset="-127"/>
+                  <a:ea typeface="나눔스퀘어" panose="020B0600000101010101" pitchFamily="50" charset="-127"/>
+                </a:endParaRPr>
+              </a:p>
+              <a:p>
+                <a:endParaRPr lang="en-CA" altLang="ko-KR" dirty="0">
+                  <a:solidFill>
+                    <a:schemeClr val="bg1"/>
+                  </a:solidFill>
+                  <a:latin typeface="나눔스퀘어" panose="020B0600000101010101" pitchFamily="50" charset="-127"/>
+                  <a:ea typeface="나눔스퀘어" panose="020B0600000101010101" pitchFamily="50" charset="-127"/>
+                </a:endParaRPr>
+              </a:p>
+              <a:p>
+                <a:endParaRPr lang="en-CA" altLang="ko-KR" dirty="0">
+                  <a:solidFill>
+                    <a:schemeClr val="bg1"/>
+                  </a:solidFill>
+                  <a:latin typeface="나눔스퀘어" panose="020B0600000101010101" pitchFamily="50" charset="-127"/>
+                  <a:ea typeface="나눔스퀘어" panose="020B0600000101010101" pitchFamily="50" charset="-127"/>
+                </a:endParaRPr>
+              </a:p>
+              <a:p>
+                <a:endParaRPr lang="en-CA" altLang="ko-KR" dirty="0">
+                  <a:solidFill>
+                    <a:schemeClr val="bg1"/>
+                  </a:solidFill>
+                  <a:latin typeface="나눔스퀘어" panose="020B0600000101010101" pitchFamily="50" charset="-127"/>
+                  <a:ea typeface="나눔스퀘어" panose="020B0600000101010101" pitchFamily="50" charset="-127"/>
+                </a:endParaRPr>
+              </a:p>
+            </p:txBody>
+          </p:sp>
+        </mc:Choice>
+        <mc:Fallback>
+          <p:sp>
+            <p:nvSpPr>
+              <p:cNvPr id="7" name="TextBox 6"/>
+              <p:cNvSpPr txBox="1">
+                <a:spLocks noRot="1" noChangeAspect="1" noMove="1" noResize="1" noEditPoints="1" noAdjustHandles="1" noChangeArrowheads="1" noChangeShapeType="1" noTextEdit="1"/>
+              </p:cNvSpPr>
+              <p:nvPr/>
+            </p:nvSpPr>
+            <p:spPr>
+              <a:xfrm>
+                <a:off x="1073827" y="1574800"/>
+                <a:ext cx="2632324" cy="1754326"/>
+              </a:xfrm>
+              <a:prstGeom prst="rect">
+                <a:avLst/>
+              </a:prstGeom>
+              <a:blipFill>
+                <a:blip r:embed="rId3"/>
+                <a:stretch>
+                  <a:fillRect l="-2315" t="-1736" r="-1389"/>
+                </a:stretch>
+              </a:blipFill>
+            </p:spPr>
+            <p:txBody>
+              <a:bodyPr/>
+              <a:lstStyle/>
+              <a:p>
+                <a:r>
+                  <a:rPr lang="en-CA">
+                    <a:noFill/>
+                  </a:rPr>
+                  <a:t> </a:t>
+                </a:r>
+              </a:p>
+            </p:txBody>
+          </p:sp>
+        </mc:Fallback>
+      </mc:AlternateContent>
+      <p:pic>
+        <p:nvPicPr>
+          <p:cNvPr id="9" name="Picture 8">
+            <a:extLst>
+              <a:ext uri="{FF2B5EF4-FFF2-40B4-BE49-F238E27FC236}">
+                <a16:creationId xmlns:a16="http://schemas.microsoft.com/office/drawing/2014/main" id="{7CBFBC99-CEAD-4F1B-A7DF-181DCF4D916B}"/>
+              </a:ext>
+            </a:extLst>
+          </p:cNvPr>
+          <p:cNvPicPr>
+            <a:picLocks noChangeAspect="1"/>
+          </p:cNvPicPr>
+          <p:nvPr/>
+        </p:nvPicPr>
+        <p:blipFill rotWithShape="1">
+          <a:blip r:embed="rId4"/>
+          <a:srcRect r="1037" b="80067"/>
+          <a:stretch/>
+        </p:blipFill>
+        <p:spPr>
+          <a:xfrm>
+            <a:off x="2363784" y="3528875"/>
+            <a:ext cx="5525746" cy="643410"/>
+          </a:xfrm>
+          <a:prstGeom prst="rect">
+            <a:avLst/>
+          </a:prstGeom>
+        </p:spPr>
+      </p:pic>
+      <p:pic>
+        <p:nvPicPr>
+          <p:cNvPr id="10" name="Picture 9">
+            <a:extLst>
+              <a:ext uri="{FF2B5EF4-FFF2-40B4-BE49-F238E27FC236}">
+                <a16:creationId xmlns:a16="http://schemas.microsoft.com/office/drawing/2014/main" id="{3D36C1F4-5614-4580-AA65-487F545C3283}"/>
+              </a:ext>
+            </a:extLst>
+          </p:cNvPr>
+          <p:cNvPicPr>
+            <a:picLocks noChangeAspect="1"/>
+          </p:cNvPicPr>
+          <p:nvPr/>
+        </p:nvPicPr>
+        <p:blipFill rotWithShape="1">
+          <a:blip r:embed="rId4"/>
+          <a:srcRect t="40304" r="1037" b="39763"/>
+          <a:stretch/>
+        </p:blipFill>
+        <p:spPr>
+          <a:xfrm>
+            <a:off x="2363784" y="4502895"/>
+            <a:ext cx="5525746" cy="643410"/>
+          </a:xfrm>
+          <a:prstGeom prst="rect">
+            <a:avLst/>
+          </a:prstGeom>
+        </p:spPr>
+      </p:pic>
+      <p:pic>
+        <p:nvPicPr>
+          <p:cNvPr id="13" name="Picture 12">
+            <a:extLst>
+              <a:ext uri="{FF2B5EF4-FFF2-40B4-BE49-F238E27FC236}">
+                <a16:creationId xmlns:a16="http://schemas.microsoft.com/office/drawing/2014/main" id="{CA913D51-E25D-4FA5-9307-5994DCC55DC5}"/>
+              </a:ext>
+            </a:extLst>
+          </p:cNvPr>
+          <p:cNvPicPr>
+            <a:picLocks noChangeAspect="1"/>
+          </p:cNvPicPr>
+          <p:nvPr/>
+        </p:nvPicPr>
+        <p:blipFill rotWithShape="1">
+          <a:blip r:embed="rId4"/>
+          <a:srcRect t="82156" r="1037" b="2260"/>
+          <a:stretch/>
+        </p:blipFill>
+        <p:spPr>
+          <a:xfrm>
+            <a:off x="1073827" y="2627082"/>
+            <a:ext cx="5525743" cy="503043"/>
+          </a:xfrm>
+          <a:prstGeom prst="rect">
+            <a:avLst/>
+          </a:prstGeom>
+        </p:spPr>
+      </p:pic>
+    </p:spTree>
+    <p:extLst>
+      <p:ext uri="{BB962C8B-B14F-4D97-AF65-F5344CB8AC3E}">
+        <p14:creationId xmlns:p14="http://schemas.microsoft.com/office/powerpoint/2010/main" val="2753410747"/>
+      </p:ext>
+    </p:extLst>
+  </p:cSld>
+  <p:clrMapOvr>
+    <a:masterClrMapping/>
+  </p:clrMapOvr>
+</p:sld>
+</file>
+
+<file path=ppt/slides/slide22.xml><?xml version="1.0" encoding="utf-8"?>
+<p:sld xmlns:a="http://schemas.openxmlformats.org/drawingml/2006/main" xmlns:r="http://schemas.openxmlformats.org/officeDocument/2006/relationships" xmlns:p="http://schemas.openxmlformats.org/presentationml/2006/main">
+  <p:cSld>
+    <p:spTree>
+      <p:nvGrpSpPr>
+        <p:cNvPr id="1" name=""/>
+        <p:cNvGrpSpPr/>
+        <p:nvPr/>
+      </p:nvGrpSpPr>
+      <p:grpSpPr>
+        <a:xfrm>
+          <a:off x="0" y="0"/>
+          <a:ext cx="0" cy="0"/>
+          <a:chOff x="0" y="0"/>
+          <a:chExt cx="0" cy="0"/>
+        </a:xfrm>
+      </p:grpSpPr>
+      <p:sp>
+        <p:nvSpPr>
+          <p:cNvPr id="3" name="TextBox 2"/>
+          <p:cNvSpPr txBox="1"/>
+          <p:nvPr/>
+        </p:nvSpPr>
+        <p:spPr>
+          <a:xfrm>
+            <a:off x="246328" y="310733"/>
+            <a:ext cx="5802614" cy="584775"/>
+          </a:xfrm>
+          <a:prstGeom prst="rect">
+            <a:avLst/>
+          </a:prstGeom>
+          <a:noFill/>
+        </p:spPr>
+        <p:txBody>
+          <a:bodyPr wrap="none" rtlCol="0" anchor="ctr">
+            <a:spAutoFit/>
+          </a:bodyPr>
+          <a:lstStyle/>
+          <a:p>
+            <a:r>
+              <a:rPr lang="en-US" altLang="ko-KR" sz="3200" b="1" dirty="0">
+                <a:solidFill>
+                  <a:srgbClr val="C1444D"/>
+                </a:solidFill>
+                <a:latin typeface="나눔스퀘어 Bold" panose="020B0600000101010101" pitchFamily="50" charset="-127"/>
+                <a:ea typeface="나눔스퀘어 Bold" panose="020B0600000101010101" pitchFamily="50" charset="-127"/>
+              </a:rPr>
+              <a:t>002/ Mathematical Formula?</a:t>
+            </a:r>
+            <a:endParaRPr lang="ko-KR" altLang="en-US" sz="3200" b="1" dirty="0">
+              <a:solidFill>
+                <a:srgbClr val="C1444D"/>
+              </a:solidFill>
+              <a:latin typeface="나눔스퀘어 Bold" panose="020B0600000101010101" pitchFamily="50" charset="-127"/>
+              <a:ea typeface="나눔스퀘어 Bold" panose="020B0600000101010101" pitchFamily="50" charset="-127"/>
+            </a:endParaRPr>
+          </a:p>
+        </p:txBody>
+      </p:sp>
+      <p:sp>
+        <p:nvSpPr>
+          <p:cNvPr id="5" name="TextBox 4"/>
+          <p:cNvSpPr txBox="1"/>
+          <p:nvPr/>
+        </p:nvSpPr>
+        <p:spPr>
+          <a:xfrm>
+            <a:off x="7620223" y="74037"/>
+            <a:ext cx="4533677" cy="400110"/>
+          </a:xfrm>
+          <a:prstGeom prst="rect">
+            <a:avLst/>
+          </a:prstGeom>
+          <a:noFill/>
+        </p:spPr>
+        <p:txBody>
+          <a:bodyPr wrap="none" rtlCol="0">
+            <a:spAutoFit/>
+          </a:bodyPr>
+          <a:lstStyle/>
+          <a:p>
+            <a:pPr algn="r"/>
+            <a:r>
+              <a:rPr lang="en-CA" altLang="ko-KR" sz="1000" dirty="0">
+                <a:solidFill>
+                  <a:srgbClr val="3D3D3D"/>
+                </a:solidFill>
+                <a:latin typeface="나눔스퀘어 Light" panose="020B0600000101010101" pitchFamily="50" charset="-127"/>
+                <a:ea typeface="나눔스퀘어 Light" panose="020B0600000101010101" pitchFamily="50" charset="-127"/>
+              </a:rPr>
+              <a:t>IMAGE SEGMENTATION + LINEAR PROGRAMMING + USER INTERACTION</a:t>
+            </a:r>
+            <a:endParaRPr lang="ko-KR" altLang="en-US" sz="1000" dirty="0">
+              <a:solidFill>
+                <a:srgbClr val="3D3D3D"/>
+              </a:solidFill>
+              <a:latin typeface="나눔스퀘어 Light" panose="020B0600000101010101" pitchFamily="50" charset="-127"/>
+              <a:ea typeface="나눔스퀘어 Light" panose="020B0600000101010101" pitchFamily="50" charset="-127"/>
+            </a:endParaRPr>
+          </a:p>
+          <a:p>
+            <a:pPr algn="r"/>
+            <a:endParaRPr lang="ko-KR" altLang="en-US" sz="1000" dirty="0">
+              <a:solidFill>
+                <a:srgbClr val="3D3D3D"/>
+              </a:solidFill>
+              <a:latin typeface="나눔스퀘어 Light" panose="020B0600000101010101" pitchFamily="50" charset="-127"/>
+              <a:ea typeface="나눔스퀘어 Light" panose="020B0600000101010101" pitchFamily="50" charset="-127"/>
+            </a:endParaRPr>
+          </a:p>
+        </p:txBody>
+      </p:sp>
+      <p:sp>
+        <p:nvSpPr>
+          <p:cNvPr id="7" name="TextBox 6"/>
+          <p:cNvSpPr txBox="1"/>
+          <p:nvPr/>
+        </p:nvSpPr>
+        <p:spPr>
+          <a:xfrm>
+            <a:off x="1073827" y="1574800"/>
+            <a:ext cx="3154710" cy="3139321"/>
+          </a:xfrm>
+          <a:prstGeom prst="rect">
+            <a:avLst/>
+          </a:prstGeom>
+          <a:noFill/>
+        </p:spPr>
+        <p:txBody>
+          <a:bodyPr wrap="none" rtlCol="0">
+            <a:spAutoFit/>
+          </a:bodyPr>
+          <a:lstStyle/>
+          <a:p>
+            <a:r>
+              <a:rPr lang="en-CA" altLang="ko-KR" b="1" dirty="0">
+                <a:solidFill>
+                  <a:schemeClr val="bg1"/>
+                </a:solidFill>
+                <a:latin typeface="나눔스퀘어" panose="020B0600000101010101" pitchFamily="50" charset="-127"/>
+                <a:ea typeface="나눔스퀘어" panose="020B0600000101010101" pitchFamily="50" charset="-127"/>
+              </a:rPr>
+              <a:t>Set of labeled pixels</a:t>
+            </a:r>
+          </a:p>
+          <a:p>
+            <a:endParaRPr lang="en-CA" altLang="ko-KR" dirty="0">
+              <a:solidFill>
+                <a:schemeClr val="bg1"/>
+              </a:solidFill>
+              <a:latin typeface="나눔스퀘어" panose="020B0600000101010101" pitchFamily="50" charset="-127"/>
+              <a:ea typeface="나눔스퀘어" panose="020B0600000101010101" pitchFamily="50" charset="-127"/>
+            </a:endParaRPr>
+          </a:p>
+          <a:p>
+            <a:r>
+              <a:rPr lang="en-CA" altLang="ko-KR" dirty="0">
+                <a:solidFill>
+                  <a:schemeClr val="bg1"/>
+                </a:solidFill>
+                <a:latin typeface="나눔스퀘어" panose="020B0600000101010101" pitchFamily="50" charset="-127"/>
+                <a:ea typeface="나눔스퀘어" panose="020B0600000101010101" pitchFamily="50" charset="-127"/>
+              </a:rPr>
+              <a:t>Scribbles by user interaction</a:t>
+            </a:r>
+          </a:p>
+          <a:p>
+            <a:endParaRPr lang="en-CA" altLang="ko-KR" dirty="0">
+              <a:solidFill>
+                <a:schemeClr val="bg1"/>
+              </a:solidFill>
+              <a:latin typeface="나눔스퀘어" panose="020B0600000101010101" pitchFamily="50" charset="-127"/>
+              <a:ea typeface="나눔스퀘어" panose="020B0600000101010101" pitchFamily="50" charset="-127"/>
+            </a:endParaRPr>
+          </a:p>
+          <a:p>
+            <a:r>
+              <a:rPr lang="en-CA" altLang="ko-KR" dirty="0">
+                <a:solidFill>
+                  <a:schemeClr val="bg1"/>
+                </a:solidFill>
+                <a:latin typeface="나눔스퀘어" panose="020B0600000101010101" pitchFamily="50" charset="-127"/>
+                <a:ea typeface="나눔스퀘어" panose="020B0600000101010101" pitchFamily="50" charset="-127"/>
+              </a:rPr>
+              <a:t>Already labeled </a:t>
+            </a:r>
+          </a:p>
+          <a:p>
+            <a:r>
+              <a:rPr lang="en-CA" altLang="ko-KR" dirty="0">
+                <a:solidFill>
+                  <a:schemeClr val="bg1"/>
+                </a:solidFill>
+                <a:latin typeface="나눔스퀘어" panose="020B0600000101010101" pitchFamily="50" charset="-127"/>
+                <a:ea typeface="나눔스퀘어" panose="020B0600000101010101" pitchFamily="50" charset="-127"/>
+              </a:rPr>
+              <a:t>	- 0 for foreground,</a:t>
+            </a:r>
+          </a:p>
+          <a:p>
+            <a:r>
+              <a:rPr lang="en-CA" altLang="ko-KR" dirty="0">
+                <a:solidFill>
+                  <a:schemeClr val="bg1"/>
+                </a:solidFill>
+                <a:latin typeface="나눔스퀘어" panose="020B0600000101010101" pitchFamily="50" charset="-127"/>
+                <a:ea typeface="나눔스퀘어" panose="020B0600000101010101" pitchFamily="50" charset="-127"/>
+              </a:rPr>
+              <a:t>	- 1 for background</a:t>
+            </a:r>
+          </a:p>
+          <a:p>
+            <a:endParaRPr lang="en-CA" altLang="ko-KR" dirty="0">
+              <a:solidFill>
+                <a:schemeClr val="bg1"/>
+              </a:solidFill>
+              <a:latin typeface="나눔스퀘어" panose="020B0600000101010101" pitchFamily="50" charset="-127"/>
+              <a:ea typeface="나눔스퀘어" panose="020B0600000101010101" pitchFamily="50" charset="-127"/>
+            </a:endParaRPr>
+          </a:p>
+          <a:p>
+            <a:endParaRPr lang="en-CA" altLang="ko-KR" dirty="0">
+              <a:solidFill>
+                <a:schemeClr val="bg1"/>
+              </a:solidFill>
+              <a:latin typeface="나눔스퀘어" panose="020B0600000101010101" pitchFamily="50" charset="-127"/>
+              <a:ea typeface="나눔스퀘어" panose="020B0600000101010101" pitchFamily="50" charset="-127"/>
+            </a:endParaRPr>
+          </a:p>
+          <a:p>
+            <a:endParaRPr lang="en-CA" altLang="ko-KR" dirty="0">
+              <a:solidFill>
+                <a:schemeClr val="bg1"/>
+              </a:solidFill>
+              <a:latin typeface="나눔스퀘어" panose="020B0600000101010101" pitchFamily="50" charset="-127"/>
+              <a:ea typeface="나눔스퀘어" panose="020B0600000101010101" pitchFamily="50" charset="-127"/>
+            </a:endParaRPr>
+          </a:p>
+          <a:p>
+            <a:endParaRPr lang="en-CA" altLang="ko-KR" dirty="0">
+              <a:solidFill>
+                <a:schemeClr val="bg1"/>
+              </a:solidFill>
+              <a:latin typeface="나눔스퀘어" panose="020B0600000101010101" pitchFamily="50" charset="-127"/>
+              <a:ea typeface="나눔스퀘어" panose="020B0600000101010101" pitchFamily="50" charset="-127"/>
+            </a:endParaRPr>
+          </a:p>
+        </p:txBody>
+      </p:sp>
+      <p:pic>
+        <p:nvPicPr>
+          <p:cNvPr id="6" name="Picture 5">
+            <a:extLst>
+              <a:ext uri="{FF2B5EF4-FFF2-40B4-BE49-F238E27FC236}">
+                <a16:creationId xmlns:a16="http://schemas.microsoft.com/office/drawing/2014/main" id="{E30852CF-B164-463D-9934-B05CC3F86634}"/>
+              </a:ext>
+            </a:extLst>
+          </p:cNvPr>
+          <p:cNvPicPr>
+            <a:picLocks noChangeAspect="1"/>
+          </p:cNvPicPr>
+          <p:nvPr/>
+        </p:nvPicPr>
+        <p:blipFill>
+          <a:blip r:embed="rId3"/>
+          <a:stretch>
+            <a:fillRect/>
+          </a:stretch>
+        </p:blipFill>
+        <p:spPr>
+          <a:xfrm>
+            <a:off x="6549322" y="2266950"/>
+            <a:ext cx="4953000" cy="2933700"/>
+          </a:xfrm>
+          <a:prstGeom prst="rect">
+            <a:avLst/>
+          </a:prstGeom>
+        </p:spPr>
+      </p:pic>
+      <p:sp>
+        <p:nvSpPr>
+          <p:cNvPr id="2" name="Rectangle 1">
+            <a:extLst>
+              <a:ext uri="{FF2B5EF4-FFF2-40B4-BE49-F238E27FC236}">
+                <a16:creationId xmlns:a16="http://schemas.microsoft.com/office/drawing/2014/main" id="{E7B70C82-8E6D-4A2A-B526-AB828BDCFE49}"/>
+              </a:ext>
+            </a:extLst>
+          </p:cNvPr>
+          <p:cNvSpPr/>
+          <p:nvPr/>
+        </p:nvSpPr>
+        <p:spPr>
+          <a:xfrm>
+            <a:off x="8101262" y="2859088"/>
+            <a:ext cx="335280" cy="386080"/>
+          </a:xfrm>
+          <a:prstGeom prst="rect">
+            <a:avLst/>
+          </a:prstGeom>
+          <a:solidFill>
+            <a:srgbClr val="FFFF00">
+              <a:alpha val="33000"/>
+            </a:srgbClr>
+          </a:solidFill>
+          <a:ln>
+            <a:solidFill>
+              <a:srgbClr val="FF0000"/>
+            </a:solidFill>
+          </a:ln>
+        </p:spPr>
+        <p:style>
+          <a:lnRef idx="2">
+            <a:schemeClr val="accent1">
+              <a:shade val="50000"/>
+            </a:schemeClr>
+          </a:lnRef>
+          <a:fillRef idx="1">
+            <a:schemeClr val="accent1"/>
+          </a:fillRef>
+          <a:effectRef idx="0">
+            <a:schemeClr val="accent1"/>
+          </a:effectRef>
+          <a:fontRef idx="minor">
+            <a:schemeClr val="lt1"/>
+          </a:fontRef>
+        </p:style>
+        <p:txBody>
+          <a:bodyPr rtlCol="0" anchor="ctr"/>
+          <a:lstStyle/>
+          <a:p>
+            <a:pPr algn="ctr"/>
+            <a:endParaRPr lang="en-CA"/>
+          </a:p>
+        </p:txBody>
+      </p:sp>
+      <p:sp>
+        <p:nvSpPr>
+          <p:cNvPr id="8" name="Rectangle 7">
+            <a:extLst>
+              <a:ext uri="{FF2B5EF4-FFF2-40B4-BE49-F238E27FC236}">
+                <a16:creationId xmlns:a16="http://schemas.microsoft.com/office/drawing/2014/main" id="{3E675860-32F5-438D-838E-9BFA1B021CC6}"/>
+              </a:ext>
+            </a:extLst>
+          </p:cNvPr>
+          <p:cNvSpPr/>
+          <p:nvPr/>
+        </p:nvSpPr>
+        <p:spPr>
+          <a:xfrm>
+            <a:off x="6583544" y="4535488"/>
+            <a:ext cx="4084456" cy="386080"/>
+          </a:xfrm>
+          <a:prstGeom prst="rect">
+            <a:avLst/>
+          </a:prstGeom>
+          <a:solidFill>
+            <a:srgbClr val="FFFF00">
+              <a:alpha val="33000"/>
+            </a:srgbClr>
+          </a:solidFill>
+          <a:ln>
+            <a:solidFill>
+              <a:srgbClr val="FF0000"/>
+            </a:solidFill>
+          </a:ln>
+        </p:spPr>
+        <p:style>
+          <a:lnRef idx="2">
+            <a:schemeClr val="accent1">
+              <a:shade val="50000"/>
+            </a:schemeClr>
+          </a:lnRef>
+          <a:fillRef idx="1">
+            <a:schemeClr val="accent1"/>
+          </a:fillRef>
+          <a:effectRef idx="0">
+            <a:schemeClr val="accent1"/>
+          </a:effectRef>
+          <a:fontRef idx="minor">
+            <a:schemeClr val="lt1"/>
+          </a:fontRef>
+        </p:style>
+        <p:txBody>
+          <a:bodyPr rtlCol="0" anchor="ctr"/>
+          <a:lstStyle/>
+          <a:p>
+            <a:pPr algn="ctr"/>
+            <a:endParaRPr lang="en-CA"/>
+          </a:p>
+        </p:txBody>
+      </p:sp>
+    </p:spTree>
+    <p:extLst>
+      <p:ext uri="{BB962C8B-B14F-4D97-AF65-F5344CB8AC3E}">
+        <p14:creationId xmlns:p14="http://schemas.microsoft.com/office/powerpoint/2010/main" val="2897857673"/>
+      </p:ext>
+    </p:extLst>
+  </p:cSld>
+  <p:clrMapOvr>
+    <a:masterClrMapping/>
+  </p:clrMapOvr>
+</p:sld>
+</file>
+
+<file path=ppt/slides/slide23.xml><?xml version="1.0" encoding="utf-8"?>
+<p:sld xmlns:a="http://schemas.openxmlformats.org/drawingml/2006/main" xmlns:r="http://schemas.openxmlformats.org/officeDocument/2006/relationships" xmlns:p="http://schemas.openxmlformats.org/presentationml/2006/main">
+  <p:cSld>
+    <p:spTree>
+      <p:nvGrpSpPr>
+        <p:cNvPr id="1" name=""/>
+        <p:cNvGrpSpPr/>
+        <p:nvPr/>
+      </p:nvGrpSpPr>
+      <p:grpSpPr>
+        <a:xfrm>
+          <a:off x="0" y="0"/>
+          <a:ext cx="0" cy="0"/>
+          <a:chOff x="0" y="0"/>
+          <a:chExt cx="0" cy="0"/>
+        </a:xfrm>
+      </p:grpSpPr>
+      <p:sp>
+        <p:nvSpPr>
+          <p:cNvPr id="3" name="TextBox 2"/>
+          <p:cNvSpPr txBox="1"/>
+          <p:nvPr/>
+        </p:nvSpPr>
+        <p:spPr>
+          <a:xfrm>
+            <a:off x="246328" y="310733"/>
+            <a:ext cx="5802614" cy="584775"/>
+          </a:xfrm>
+          <a:prstGeom prst="rect">
+            <a:avLst/>
+          </a:prstGeom>
+          <a:noFill/>
+        </p:spPr>
+        <p:txBody>
+          <a:bodyPr wrap="none" rtlCol="0" anchor="ctr">
+            <a:spAutoFit/>
+          </a:bodyPr>
+          <a:lstStyle/>
+          <a:p>
+            <a:r>
+              <a:rPr lang="en-US" altLang="ko-KR" sz="3200" b="1" dirty="0">
+                <a:solidFill>
+                  <a:srgbClr val="C1444D"/>
+                </a:solidFill>
+                <a:latin typeface="나눔스퀘어 Bold" panose="020B0600000101010101" pitchFamily="50" charset="-127"/>
+                <a:ea typeface="나눔스퀘어 Bold" panose="020B0600000101010101" pitchFamily="50" charset="-127"/>
+              </a:rPr>
+              <a:t>002/ Mathematical Formula?</a:t>
+            </a:r>
+            <a:endParaRPr lang="ko-KR" altLang="en-US" sz="3200" b="1" dirty="0">
+              <a:solidFill>
+                <a:srgbClr val="C1444D"/>
+              </a:solidFill>
+              <a:latin typeface="나눔스퀘어 Bold" panose="020B0600000101010101" pitchFamily="50" charset="-127"/>
+              <a:ea typeface="나눔스퀘어 Bold" panose="020B0600000101010101" pitchFamily="50" charset="-127"/>
+            </a:endParaRPr>
+          </a:p>
+        </p:txBody>
+      </p:sp>
+      <p:sp>
+        <p:nvSpPr>
+          <p:cNvPr id="5" name="TextBox 4"/>
+          <p:cNvSpPr txBox="1"/>
+          <p:nvPr/>
+        </p:nvSpPr>
+        <p:spPr>
+          <a:xfrm>
+            <a:off x="7620223" y="74037"/>
+            <a:ext cx="4533677" cy="400110"/>
+          </a:xfrm>
+          <a:prstGeom prst="rect">
+            <a:avLst/>
+          </a:prstGeom>
+          <a:noFill/>
+        </p:spPr>
+        <p:txBody>
+          <a:bodyPr wrap="none" rtlCol="0">
+            <a:spAutoFit/>
+          </a:bodyPr>
+          <a:lstStyle/>
+          <a:p>
+            <a:pPr algn="r"/>
+            <a:r>
+              <a:rPr lang="en-CA" altLang="ko-KR" sz="1000" dirty="0">
+                <a:solidFill>
+                  <a:srgbClr val="3D3D3D"/>
+                </a:solidFill>
+                <a:latin typeface="나눔스퀘어 Light" panose="020B0600000101010101" pitchFamily="50" charset="-127"/>
+                <a:ea typeface="나눔스퀘어 Light" panose="020B0600000101010101" pitchFamily="50" charset="-127"/>
+              </a:rPr>
+              <a:t>IMAGE SEGMENTATION + LINEAR PROGRAMMING + USER INTERACTION</a:t>
+            </a:r>
+            <a:endParaRPr lang="ko-KR" altLang="en-US" sz="1000" dirty="0">
+              <a:solidFill>
+                <a:srgbClr val="3D3D3D"/>
+              </a:solidFill>
+              <a:latin typeface="나눔스퀘어 Light" panose="020B0600000101010101" pitchFamily="50" charset="-127"/>
+              <a:ea typeface="나눔스퀘어 Light" panose="020B0600000101010101" pitchFamily="50" charset="-127"/>
+            </a:endParaRPr>
+          </a:p>
+          <a:p>
+            <a:pPr algn="r"/>
+            <a:endParaRPr lang="ko-KR" altLang="en-US" sz="1000" dirty="0">
+              <a:solidFill>
+                <a:srgbClr val="3D3D3D"/>
+              </a:solidFill>
+              <a:latin typeface="나눔스퀘어 Light" panose="020B0600000101010101" pitchFamily="50" charset="-127"/>
+              <a:ea typeface="나눔스퀘어 Light" panose="020B0600000101010101" pitchFamily="50" charset="-127"/>
+            </a:endParaRPr>
+          </a:p>
+        </p:txBody>
+      </p:sp>
+      <p:sp>
+        <p:nvSpPr>
+          <p:cNvPr id="7" name="TextBox 6"/>
+          <p:cNvSpPr txBox="1"/>
+          <p:nvPr/>
+        </p:nvSpPr>
+        <p:spPr>
+          <a:xfrm>
+            <a:off x="1073827" y="1574800"/>
+            <a:ext cx="5005729" cy="2862322"/>
+          </a:xfrm>
+          <a:prstGeom prst="rect">
+            <a:avLst/>
+          </a:prstGeom>
+          <a:noFill/>
+        </p:spPr>
+        <p:txBody>
+          <a:bodyPr wrap="none" rtlCol="0">
+            <a:spAutoFit/>
+          </a:bodyPr>
+          <a:lstStyle/>
+          <a:p>
+            <a:r>
+              <a:rPr lang="en-CA" altLang="ko-KR" b="1" dirty="0">
+                <a:solidFill>
+                  <a:schemeClr val="bg1"/>
+                </a:solidFill>
+                <a:latin typeface="나눔스퀘어" panose="020B0600000101010101" pitchFamily="50" charset="-127"/>
+                <a:ea typeface="나눔스퀘어" panose="020B0600000101010101" pitchFamily="50" charset="-127"/>
+              </a:rPr>
+              <a:t>User-specified regularization parameter</a:t>
+            </a:r>
+          </a:p>
+          <a:p>
+            <a:endParaRPr lang="en-CA" altLang="ko-KR" dirty="0">
+              <a:solidFill>
+                <a:schemeClr val="bg1"/>
+              </a:solidFill>
+              <a:latin typeface="나눔스퀘어" panose="020B0600000101010101" pitchFamily="50" charset="-127"/>
+              <a:ea typeface="나눔스퀘어" panose="020B0600000101010101" pitchFamily="50" charset="-127"/>
+            </a:endParaRPr>
+          </a:p>
+          <a:p>
+            <a:r>
+              <a:rPr lang="en-CA" altLang="ko-KR" dirty="0">
+                <a:solidFill>
+                  <a:srgbClr val="BF586D"/>
+                </a:solidFill>
+                <a:latin typeface="나눔스퀘어" panose="020B0600000101010101" pitchFamily="50" charset="-127"/>
+                <a:ea typeface="나눔스퀘어" panose="020B0600000101010101" pitchFamily="50" charset="-127"/>
+              </a:rPr>
+              <a:t>Discourages overfitting</a:t>
+            </a:r>
+          </a:p>
+          <a:p>
+            <a:r>
+              <a:rPr lang="en-CA" altLang="ko-KR" dirty="0">
+                <a:solidFill>
+                  <a:schemeClr val="bg1"/>
+                </a:solidFill>
+                <a:latin typeface="나눔스퀘어" panose="020B0600000101010101" pitchFamily="50" charset="-127"/>
+                <a:ea typeface="나눔스퀘어" panose="020B0600000101010101" pitchFamily="50" charset="-127"/>
+              </a:rPr>
+              <a:t>Shrinks the coefficient estimates towards zero</a:t>
+            </a:r>
+          </a:p>
+          <a:p>
+            <a:endParaRPr lang="en-CA" altLang="ko-KR" dirty="0">
+              <a:solidFill>
+                <a:schemeClr val="bg1"/>
+              </a:solidFill>
+              <a:latin typeface="나눔스퀘어" panose="020B0600000101010101" pitchFamily="50" charset="-127"/>
+              <a:ea typeface="나눔스퀘어" panose="020B0600000101010101" pitchFamily="50" charset="-127"/>
+            </a:endParaRPr>
+          </a:p>
+          <a:p>
+            <a:r>
+              <a:rPr lang="en-CA" altLang="ko-KR" dirty="0">
+                <a:solidFill>
+                  <a:schemeClr val="bg1"/>
+                </a:solidFill>
+                <a:latin typeface="나눔스퀘어" panose="020B0600000101010101" pitchFamily="50" charset="-127"/>
+                <a:ea typeface="나눔스퀘어" panose="020B0600000101010101" pitchFamily="50" charset="-127"/>
+              </a:rPr>
+              <a:t>In the paper, it is set to 0.2 (for experiment)</a:t>
+            </a:r>
+          </a:p>
+          <a:p>
+            <a:endParaRPr lang="en-CA" altLang="ko-KR" dirty="0">
+              <a:solidFill>
+                <a:schemeClr val="bg1"/>
+              </a:solidFill>
+              <a:latin typeface="나눔스퀘어" panose="020B0600000101010101" pitchFamily="50" charset="-127"/>
+              <a:ea typeface="나눔스퀘어" panose="020B0600000101010101" pitchFamily="50" charset="-127"/>
+            </a:endParaRPr>
+          </a:p>
+          <a:p>
+            <a:endParaRPr lang="en-CA" altLang="ko-KR" dirty="0">
+              <a:solidFill>
+                <a:schemeClr val="bg1"/>
+              </a:solidFill>
+              <a:latin typeface="나눔스퀘어" panose="020B0600000101010101" pitchFamily="50" charset="-127"/>
+              <a:ea typeface="나눔스퀘어" panose="020B0600000101010101" pitchFamily="50" charset="-127"/>
+            </a:endParaRPr>
+          </a:p>
+          <a:p>
+            <a:endParaRPr lang="en-CA" altLang="ko-KR" dirty="0">
+              <a:solidFill>
+                <a:schemeClr val="bg1"/>
+              </a:solidFill>
+              <a:latin typeface="나눔스퀘어" panose="020B0600000101010101" pitchFamily="50" charset="-127"/>
+              <a:ea typeface="나눔스퀘어" panose="020B0600000101010101" pitchFamily="50" charset="-127"/>
+            </a:endParaRPr>
+          </a:p>
+          <a:p>
+            <a:endParaRPr lang="en-CA" altLang="ko-KR" dirty="0">
+              <a:solidFill>
+                <a:schemeClr val="bg1"/>
+              </a:solidFill>
+              <a:latin typeface="나눔스퀘어" panose="020B0600000101010101" pitchFamily="50" charset="-127"/>
+              <a:ea typeface="나눔스퀘어" panose="020B0600000101010101" pitchFamily="50" charset="-127"/>
+            </a:endParaRPr>
+          </a:p>
+        </p:txBody>
+      </p:sp>
+      <p:pic>
+        <p:nvPicPr>
+          <p:cNvPr id="6" name="Picture 5">
+            <a:extLst>
+              <a:ext uri="{FF2B5EF4-FFF2-40B4-BE49-F238E27FC236}">
+                <a16:creationId xmlns:a16="http://schemas.microsoft.com/office/drawing/2014/main" id="{E30852CF-B164-463D-9934-B05CC3F86634}"/>
+              </a:ext>
+            </a:extLst>
+          </p:cNvPr>
+          <p:cNvPicPr>
+            <a:picLocks noChangeAspect="1"/>
+          </p:cNvPicPr>
+          <p:nvPr/>
+        </p:nvPicPr>
+        <p:blipFill>
+          <a:blip r:embed="rId3"/>
+          <a:stretch>
+            <a:fillRect/>
+          </a:stretch>
+        </p:blipFill>
+        <p:spPr>
+          <a:xfrm>
+            <a:off x="6549322" y="2266950"/>
+            <a:ext cx="4953000" cy="2933700"/>
+          </a:xfrm>
+          <a:prstGeom prst="rect">
+            <a:avLst/>
+          </a:prstGeom>
+        </p:spPr>
+      </p:pic>
+      <p:sp>
+        <p:nvSpPr>
+          <p:cNvPr id="2" name="Rectangle 1">
+            <a:extLst>
+              <a:ext uri="{FF2B5EF4-FFF2-40B4-BE49-F238E27FC236}">
+                <a16:creationId xmlns:a16="http://schemas.microsoft.com/office/drawing/2014/main" id="{E7B70C82-8E6D-4A2A-B526-AB828BDCFE49}"/>
+              </a:ext>
+            </a:extLst>
+          </p:cNvPr>
+          <p:cNvSpPr/>
+          <p:nvPr/>
+        </p:nvSpPr>
+        <p:spPr>
+          <a:xfrm>
+            <a:off x="8690542" y="2859088"/>
+            <a:ext cx="335280" cy="386080"/>
+          </a:xfrm>
+          <a:prstGeom prst="rect">
+            <a:avLst/>
+          </a:prstGeom>
+          <a:solidFill>
+            <a:srgbClr val="FFFF00">
+              <a:alpha val="33000"/>
+            </a:srgbClr>
+          </a:solidFill>
+          <a:ln>
+            <a:solidFill>
+              <a:srgbClr val="FF0000"/>
+            </a:solidFill>
+          </a:ln>
+        </p:spPr>
+        <p:style>
+          <a:lnRef idx="2">
+            <a:schemeClr val="accent1">
+              <a:shade val="50000"/>
+            </a:schemeClr>
+          </a:lnRef>
+          <a:fillRef idx="1">
+            <a:schemeClr val="accent1"/>
+          </a:fillRef>
+          <a:effectRef idx="0">
+            <a:schemeClr val="accent1"/>
+          </a:effectRef>
+          <a:fontRef idx="minor">
+            <a:schemeClr val="lt1"/>
+          </a:fontRef>
+        </p:style>
+        <p:txBody>
+          <a:bodyPr rtlCol="0" anchor="ctr"/>
+          <a:lstStyle/>
+          <a:p>
+            <a:pPr algn="ctr"/>
+            <a:endParaRPr lang="en-CA"/>
+          </a:p>
+        </p:txBody>
+      </p:sp>
+    </p:spTree>
+    <p:extLst>
+      <p:ext uri="{BB962C8B-B14F-4D97-AF65-F5344CB8AC3E}">
+        <p14:creationId xmlns:p14="http://schemas.microsoft.com/office/powerpoint/2010/main" val="2449674547"/>
+      </p:ext>
+    </p:extLst>
+  </p:cSld>
+  <p:clrMapOvr>
+    <a:masterClrMapping/>
+  </p:clrMapOvr>
+</p:sld>
+</file>
+
+<file path=ppt/slides/slide24.xml><?xml version="1.0" encoding="utf-8"?>
+<p:sld xmlns:a="http://schemas.openxmlformats.org/drawingml/2006/main" xmlns:r="http://schemas.openxmlformats.org/officeDocument/2006/relationships" xmlns:p="http://schemas.openxmlformats.org/presentationml/2006/main">
+  <p:cSld>
+    <p:spTree>
+      <p:nvGrpSpPr>
+        <p:cNvPr id="1" name=""/>
+        <p:cNvGrpSpPr/>
+        <p:nvPr/>
+      </p:nvGrpSpPr>
+      <p:grpSpPr>
+        <a:xfrm>
+          <a:off x="0" y="0"/>
+          <a:ext cx="0" cy="0"/>
+          <a:chOff x="0" y="0"/>
+          <a:chExt cx="0" cy="0"/>
+        </a:xfrm>
+      </p:grpSpPr>
+      <p:sp>
+        <p:nvSpPr>
+          <p:cNvPr id="3" name="TextBox 2"/>
+          <p:cNvSpPr txBox="1"/>
+          <p:nvPr/>
+        </p:nvSpPr>
+        <p:spPr>
+          <a:xfrm>
+            <a:off x="246328" y="310733"/>
+            <a:ext cx="5802614" cy="584775"/>
+          </a:xfrm>
+          <a:prstGeom prst="rect">
+            <a:avLst/>
+          </a:prstGeom>
+          <a:noFill/>
+        </p:spPr>
+        <p:txBody>
+          <a:bodyPr wrap="none" rtlCol="0" anchor="ctr">
+            <a:spAutoFit/>
+          </a:bodyPr>
+          <a:lstStyle/>
+          <a:p>
+            <a:r>
+              <a:rPr lang="en-US" altLang="ko-KR" sz="3200" b="1" dirty="0">
+                <a:solidFill>
+                  <a:srgbClr val="C1444D"/>
+                </a:solidFill>
+                <a:latin typeface="나눔스퀘어 Bold" panose="020B0600000101010101" pitchFamily="50" charset="-127"/>
+                <a:ea typeface="나눔스퀘어 Bold" panose="020B0600000101010101" pitchFamily="50" charset="-127"/>
+              </a:rPr>
+              <a:t>002/ Mathematical Formula?</a:t>
+            </a:r>
+            <a:endParaRPr lang="ko-KR" altLang="en-US" sz="3200" b="1" dirty="0">
+              <a:solidFill>
+                <a:srgbClr val="C1444D"/>
+              </a:solidFill>
+              <a:latin typeface="나눔스퀘어 Bold" panose="020B0600000101010101" pitchFamily="50" charset="-127"/>
+              <a:ea typeface="나눔스퀘어 Bold" panose="020B0600000101010101" pitchFamily="50" charset="-127"/>
+            </a:endParaRPr>
+          </a:p>
+        </p:txBody>
+      </p:sp>
+      <p:sp>
+        <p:nvSpPr>
+          <p:cNvPr id="5" name="TextBox 4"/>
+          <p:cNvSpPr txBox="1"/>
+          <p:nvPr/>
+        </p:nvSpPr>
+        <p:spPr>
+          <a:xfrm>
+            <a:off x="7620223" y="74037"/>
+            <a:ext cx="4533677" cy="400110"/>
+          </a:xfrm>
+          <a:prstGeom prst="rect">
+            <a:avLst/>
+          </a:prstGeom>
+          <a:noFill/>
+        </p:spPr>
+        <p:txBody>
+          <a:bodyPr wrap="none" rtlCol="0">
+            <a:spAutoFit/>
+          </a:bodyPr>
+          <a:lstStyle/>
+          <a:p>
+            <a:pPr algn="r"/>
+            <a:r>
+              <a:rPr lang="en-CA" altLang="ko-KR" sz="1000" dirty="0">
+                <a:solidFill>
+                  <a:srgbClr val="3D3D3D"/>
+                </a:solidFill>
+                <a:latin typeface="나눔스퀘어 Light" panose="020B0600000101010101" pitchFamily="50" charset="-127"/>
+                <a:ea typeface="나눔스퀘어 Light" panose="020B0600000101010101" pitchFamily="50" charset="-127"/>
+              </a:rPr>
+              <a:t>IMAGE SEGMENTATION + LINEAR PROGRAMMING + USER INTERACTION</a:t>
+            </a:r>
+            <a:endParaRPr lang="ko-KR" altLang="en-US" sz="1000" dirty="0">
+              <a:solidFill>
+                <a:srgbClr val="3D3D3D"/>
+              </a:solidFill>
+              <a:latin typeface="나눔스퀘어 Light" panose="020B0600000101010101" pitchFamily="50" charset="-127"/>
+              <a:ea typeface="나눔스퀘어 Light" panose="020B0600000101010101" pitchFamily="50" charset="-127"/>
+            </a:endParaRPr>
+          </a:p>
+          <a:p>
+            <a:pPr algn="r"/>
+            <a:endParaRPr lang="ko-KR" altLang="en-US" sz="1000" dirty="0">
+              <a:solidFill>
+                <a:srgbClr val="3D3D3D"/>
+              </a:solidFill>
+              <a:latin typeface="나눔스퀘어 Light" panose="020B0600000101010101" pitchFamily="50" charset="-127"/>
+              <a:ea typeface="나눔스퀘어 Light" panose="020B0600000101010101" pitchFamily="50" charset="-127"/>
+            </a:endParaRPr>
+          </a:p>
+        </p:txBody>
+      </p:sp>
+      <mc:AlternateContent xmlns:mc="http://schemas.openxmlformats.org/markup-compatibility/2006" xmlns:a14="http://schemas.microsoft.com/office/drawing/2010/main">
+        <mc:Choice Requires="a14">
           <p:sp>
             <p:nvSpPr>
               <p:cNvPr id="7" name="TextBox 6"/>
@@ -7198,6 +9835,7 @@
                 </a:r>
               </a:p>
               <a:p>
+                <a:pPr/>
                 <a14:m>
                   <m:oMathPara xmlns:m="http://schemas.openxmlformats.org/officeDocument/2006/math">
                     <m:oMathParaPr>
@@ -7394,7 +10032,7 @@
             </p:txBody>
           </p:sp>
         </mc:Choice>
-        <mc:Fallback>
+        <mc:Fallback xmlns="">
           <p:sp>
             <p:nvSpPr>
               <p:cNvPr id="7" name="TextBox 6"/>
@@ -7448,7 +10086,7 @@
           <p:nvPr/>
         </p:nvPicPr>
         <p:blipFill>
-          <a:blip r:embed="rId4"/>
+          <a:blip r:embed="rId3"/>
           <a:stretch>
             <a:fillRect/>
           </a:stretch>
@@ -7532,7 +10170,7 @@
 </p:sld>
 </file>
 
-<file path=ppt/slides/slide21.xml><?xml version="1.0" encoding="utf-8"?>
+<file path=ppt/slides/slide25.xml><?xml version="1.0" encoding="utf-8"?>
 <p:sld xmlns:a="http://schemas.openxmlformats.org/drawingml/2006/main" xmlns:r="http://schemas.openxmlformats.org/officeDocument/2006/relationships" xmlns:p="http://schemas.openxmlformats.org/presentationml/2006/main">
   <p:cSld>
     <p:spTree>
@@ -7644,8 +10282,8 @@
           </a:p>
         </p:txBody>
       </p:sp>
-      <mc:AlternateContent xmlns:mc="http://schemas.openxmlformats.org/markup-compatibility/2006">
-        <mc:Choice xmlns:a14="http://schemas.microsoft.com/office/drawing/2010/main" Requires="a14">
+      <mc:AlternateContent xmlns:mc="http://schemas.openxmlformats.org/markup-compatibility/2006" xmlns:a14="http://schemas.microsoft.com/office/drawing/2010/main">
+        <mc:Choice Requires="a14">
           <p:sp>
             <p:nvSpPr>
               <p:cNvPr id="4" name="TextBox 3">
@@ -7993,7 +10631,7 @@
             </p:txBody>
           </p:sp>
         </mc:Choice>
-        <mc:Fallback>
+        <mc:Fallback xmlns="">
           <p:sp>
             <p:nvSpPr>
               <p:cNvPr id="4" name="TextBox 3">
@@ -8051,7 +10689,7 @@
 </p:sld>
 </file>
 
-<file path=ppt/slides/slide22.xml><?xml version="1.0" encoding="utf-8"?>
+<file path=ppt/slides/slide26.xml><?xml version="1.0" encoding="utf-8"?>
 <p:sld xmlns:a="http://schemas.openxmlformats.org/drawingml/2006/main" xmlns:r="http://schemas.openxmlformats.org/officeDocument/2006/relationships" xmlns:p="http://schemas.openxmlformats.org/presentationml/2006/main">
   <p:cSld>
     <p:spTree>
@@ -8237,7 +10875,7 @@
 </p:sld>
 </file>
 
-<file path=ppt/slides/slide23.xml><?xml version="1.0" encoding="utf-8"?>
+<file path=ppt/slides/slide27.xml><?xml version="1.0" encoding="utf-8"?>
 <p:sld xmlns:a="http://schemas.openxmlformats.org/drawingml/2006/main" xmlns:r="http://schemas.openxmlformats.org/officeDocument/2006/relationships" xmlns:p="http://schemas.openxmlformats.org/presentationml/2006/main">
   <p:cSld>
     <p:spTree>
@@ -8349,8 +10987,8 @@
           </a:p>
         </p:txBody>
       </p:sp>
-      <mc:AlternateContent xmlns:mc="http://schemas.openxmlformats.org/markup-compatibility/2006">
-        <mc:Choice xmlns:a14="http://schemas.microsoft.com/office/drawing/2010/main" Requires="a14">
+      <mc:AlternateContent xmlns:mc="http://schemas.openxmlformats.org/markup-compatibility/2006" xmlns:a14="http://schemas.microsoft.com/office/drawing/2010/main">
+        <mc:Choice Requires="a14">
           <p:sp>
             <p:nvSpPr>
               <p:cNvPr id="7" name="TextBox 6"/>
@@ -8739,7 +11377,7 @@
             </p:txBody>
           </p:sp>
         </mc:Choice>
-        <mc:Fallback>
+        <mc:Fallback xmlns="">
           <p:sp>
             <p:nvSpPr>
               <p:cNvPr id="7" name="TextBox 6"/>
@@ -8791,7 +11429,7 @@
 </p:sld>
 </file>
 
-<file path=ppt/slides/slide24.xml><?xml version="1.0" encoding="utf-8"?>
+<file path=ppt/slides/slide28.xml><?xml version="1.0" encoding="utf-8"?>
 <p:sld xmlns:a="http://schemas.openxmlformats.org/drawingml/2006/main" xmlns:r="http://schemas.openxmlformats.org/officeDocument/2006/relationships" xmlns:p="http://schemas.openxmlformats.org/presentationml/2006/main">
   <p:cSld>
     <p:spTree>
@@ -9143,7 +11781,7 @@
 </p:sld>
 </file>
 
-<file path=ppt/slides/slide25.xml><?xml version="1.0" encoding="utf-8"?>
+<file path=ppt/slides/slide29.xml><?xml version="1.0" encoding="utf-8"?>
 <p:sld xmlns:a="http://schemas.openxmlformats.org/drawingml/2006/main" xmlns:r="http://schemas.openxmlformats.org/officeDocument/2006/relationships" xmlns:p="http://schemas.openxmlformats.org/presentationml/2006/main">
   <p:cSld>
     <p:spTree>
@@ -12952,7 +15590,7 @@
                 <a:latin typeface="나눔스퀘어" panose="020B0600000101010101" pitchFamily="50" charset="-127"/>
                 <a:ea typeface="나눔스퀘어" panose="020B0600000101010101" pitchFamily="50" charset="-127"/>
               </a:rPr>
-              <a:t>	Pixels of same label means they represent the same segment </a:t>
+              <a:t>	Features has the same label means they represent the same object (segment) </a:t>
             </a:r>
           </a:p>
           <a:p>
@@ -12966,6 +15604,36 @@
           </a:p>
         </p:txBody>
       </p:sp>
+      <p:pic>
+        <p:nvPicPr>
+          <p:cNvPr id="4" name="Picture 3">
+            <a:extLst>
+              <a:ext uri="{FF2B5EF4-FFF2-40B4-BE49-F238E27FC236}">
+                <a16:creationId xmlns:a16="http://schemas.microsoft.com/office/drawing/2014/main" id="{FF9CD2E8-C260-4F3D-AC71-0C0FE6D22FAA}"/>
+              </a:ext>
+            </a:extLst>
+          </p:cNvPr>
+          <p:cNvPicPr>
+            <a:picLocks noChangeAspect="1"/>
+          </p:cNvPicPr>
+          <p:nvPr/>
+        </p:nvPicPr>
+        <p:blipFill>
+          <a:blip r:embed="rId2"/>
+          <a:stretch>
+            <a:fillRect/>
+          </a:stretch>
+        </p:blipFill>
+        <p:spPr>
+          <a:xfrm>
+            <a:off x="2911588" y="3606125"/>
+            <a:ext cx="6368823" cy="2698208"/>
+          </a:xfrm>
+          <a:prstGeom prst="rect">
+            <a:avLst/>
+          </a:prstGeom>
+        </p:spPr>
+      </p:pic>
     </p:spTree>
     <p:extLst>
       <p:ext uri="{BB962C8B-B14F-4D97-AF65-F5344CB8AC3E}">
@@ -13542,49 +16210,14 @@
         <a:srgbClr val="954F72"/>
       </a:folHlink>
     </a:clrScheme>
-    <a:fontScheme name="Office">
+    <a:fontScheme name="Calibri">
       <a:majorFont>
-        <a:latin typeface="맑은 고딕" panose="020F0302020204030204"/>
+        <a:latin typeface="Calibri" panose="020F0502020204030204"/>
         <a:ea typeface=""/>
         <a:cs typeface=""/>
-        <a:font script="Jpan" typeface="游ゴシック Light"/>
+        <a:font script="Jpan" typeface="メイリオ"/>
         <a:font script="Hang" typeface="맑은 고딕"/>
-        <a:font script="Hans" typeface="等线 Light"/>
-        <a:font script="Hant" typeface="新細明體"/>
-        <a:font script="Arab" typeface="Times New Roman"/>
-        <a:font script="Hebr" typeface="Times New Roman"/>
-        <a:font script="Thai" typeface="Angsana New"/>
-        <a:font script="Ethi" typeface="Nyala"/>
-        <a:font script="Beng" typeface="Vrinda"/>
-        <a:font script="Gujr" typeface="Shruti"/>
-        <a:font script="Khmr" typeface="MoolBoran"/>
-        <a:font script="Knda" typeface="Tunga"/>
-        <a:font script="Guru" typeface="Raavi"/>
-        <a:font script="Cans" typeface="Euphemia"/>
-        <a:font script="Cher" typeface="Plantagenet Cherokee"/>
-        <a:font script="Yiii" typeface="Microsoft Yi Baiti"/>
-        <a:font script="Tibt" typeface="Microsoft Himalaya"/>
-        <a:font script="Thaa" typeface="MV Boli"/>
-        <a:font script="Deva" typeface="Mangal"/>
-        <a:font script="Telu" typeface="Gautami"/>
-        <a:font script="Taml" typeface="Latha"/>
-        <a:font script="Syrc" typeface="Estrangelo Edessa"/>
-        <a:font script="Orya" typeface="Kalinga"/>
-        <a:font script="Mlym" typeface="Kartika"/>
-        <a:font script="Laoo" typeface="DokChampa"/>
-        <a:font script="Sinh" typeface="Iskoola Pota"/>
-        <a:font script="Mong" typeface="Mongolian Baiti"/>
-        <a:font script="Viet" typeface="Times New Roman"/>
-        <a:font script="Uigh" typeface="Microsoft Uighur"/>
-        <a:font script="Geor" typeface="Sylfaen"/>
-      </a:majorFont>
-      <a:minorFont>
-        <a:latin typeface="맑은 고딕" panose="020F0502020204030204"/>
-        <a:ea typeface=""/>
-        <a:cs typeface=""/>
-        <a:font script="Jpan" typeface="游ゴシック"/>
-        <a:font script="Hang" typeface="맑은 고딕"/>
-        <a:font script="Hans" typeface="等线"/>
+        <a:font script="Hans" typeface="宋体"/>
         <a:font script="Hant" typeface="新細明體"/>
         <a:font script="Arab" typeface="Arial"/>
         <a:font script="Hebr" typeface="Arial"/>
@@ -13609,7 +16242,42 @@
         <a:font script="Laoo" typeface="DokChampa"/>
         <a:font script="Sinh" typeface="Iskoola Pota"/>
         <a:font script="Mong" typeface="Mongolian Baiti"/>
-        <a:font script="Viet" typeface="Arial"/>
+        <a:font script="Viet" typeface="Tahoma"/>
+        <a:font script="Uigh" typeface="Microsoft Uighur"/>
+        <a:font script="Geor" typeface="Sylfaen"/>
+      </a:majorFont>
+      <a:minorFont>
+        <a:latin typeface="Calibri" panose="020F0502020204030204"/>
+        <a:ea typeface=""/>
+        <a:cs typeface=""/>
+        <a:font script="Jpan" typeface="メイリオ"/>
+        <a:font script="Hang" typeface="맑은 고딕"/>
+        <a:font script="Hans" typeface="宋体"/>
+        <a:font script="Hant" typeface="新細明體"/>
+        <a:font script="Arab" typeface="Arial"/>
+        <a:font script="Hebr" typeface="Arial"/>
+        <a:font script="Thai" typeface="Cordia New"/>
+        <a:font script="Ethi" typeface="Nyala"/>
+        <a:font script="Beng" typeface="Vrinda"/>
+        <a:font script="Gujr" typeface="Shruti"/>
+        <a:font script="Khmr" typeface="DaunPenh"/>
+        <a:font script="Knda" typeface="Tunga"/>
+        <a:font script="Guru" typeface="Raavi"/>
+        <a:font script="Cans" typeface="Euphemia"/>
+        <a:font script="Cher" typeface="Plantagenet Cherokee"/>
+        <a:font script="Yiii" typeface="Microsoft Yi Baiti"/>
+        <a:font script="Tibt" typeface="Microsoft Himalaya"/>
+        <a:font script="Thaa" typeface="MV Boli"/>
+        <a:font script="Deva" typeface="Mangal"/>
+        <a:font script="Telu" typeface="Gautami"/>
+        <a:font script="Taml" typeface="Latha"/>
+        <a:font script="Syrc" typeface="Estrangelo Edessa"/>
+        <a:font script="Orya" typeface="Kalinga"/>
+        <a:font script="Mlym" typeface="Kartika"/>
+        <a:font script="Laoo" typeface="DokChampa"/>
+        <a:font script="Sinh" typeface="Iskoola Pota"/>
+        <a:font script="Mong" typeface="Mongolian Baiti"/>
+        <a:font script="Viet" typeface="Tahoma"/>
         <a:font script="Uigh" typeface="Microsoft Uighur"/>
         <a:font script="Geor" typeface="Sylfaen"/>
       </a:minorFont>

--- a/comp3807.pptx
+++ b/comp3807.pptx
@@ -5936,6 +5936,111 @@
           </a:prstGeom>
         </p:spPr>
       </p:pic>
+      <p:sp>
+        <p:nvSpPr>
+          <p:cNvPr id="11" name="Freeform: Shape 10">
+            <a:extLst>
+              <a:ext uri="{FF2B5EF4-FFF2-40B4-BE49-F238E27FC236}">
+                <a16:creationId xmlns:a16="http://schemas.microsoft.com/office/drawing/2014/main" id="{C84D74E1-E845-434F-B20D-3A74FED97EA6}"/>
+              </a:ext>
+            </a:extLst>
+          </p:cNvPr>
+          <p:cNvSpPr/>
+          <p:nvPr/>
+        </p:nvSpPr>
+        <p:spPr>
+          <a:xfrm>
+            <a:off x="4023360" y="1743456"/>
+            <a:ext cx="7315200" cy="2060448"/>
+          </a:xfrm>
+          <a:custGeom>
+            <a:avLst/>
+            <a:gdLst>
+              <a:gd name="connsiteX0" fmla="*/ 7315200 w 7315200"/>
+              <a:gd name="connsiteY0" fmla="*/ 0 h 2060448"/>
+              <a:gd name="connsiteX1" fmla="*/ 4559808 w 7315200"/>
+              <a:gd name="connsiteY1" fmla="*/ 0 h 2060448"/>
+              <a:gd name="connsiteX2" fmla="*/ 0 w 7315200"/>
+              <a:gd name="connsiteY2" fmla="*/ 2060448 h 2060448"/>
+              <a:gd name="connsiteX3" fmla="*/ 4718304 w 7315200"/>
+              <a:gd name="connsiteY3" fmla="*/ 2048256 h 2060448"/>
+              <a:gd name="connsiteX4" fmla="*/ 7315200 w 7315200"/>
+              <a:gd name="connsiteY4" fmla="*/ 0 h 2060448"/>
+            </a:gdLst>
+            <a:ahLst/>
+            <a:cxnLst>
+              <a:cxn ang="0">
+                <a:pos x="connsiteX0" y="connsiteY0"/>
+              </a:cxn>
+              <a:cxn ang="0">
+                <a:pos x="connsiteX1" y="connsiteY1"/>
+              </a:cxn>
+              <a:cxn ang="0">
+                <a:pos x="connsiteX2" y="connsiteY2"/>
+              </a:cxn>
+              <a:cxn ang="0">
+                <a:pos x="connsiteX3" y="connsiteY3"/>
+              </a:cxn>
+              <a:cxn ang="0">
+                <a:pos x="connsiteX4" y="connsiteY4"/>
+              </a:cxn>
+            </a:cxnLst>
+            <a:rect l="l" t="t" r="r" b="b"/>
+            <a:pathLst>
+              <a:path w="7315200" h="2060448">
+                <a:moveTo>
+                  <a:pt x="7315200" y="0"/>
+                </a:moveTo>
+                <a:lnTo>
+                  <a:pt x="4559808" y="0"/>
+                </a:lnTo>
+                <a:lnTo>
+                  <a:pt x="0" y="2060448"/>
+                </a:lnTo>
+                <a:lnTo>
+                  <a:pt x="4718304" y="2048256"/>
+                </a:lnTo>
+                <a:lnTo>
+                  <a:pt x="7315200" y="0"/>
+                </a:lnTo>
+                <a:close/>
+              </a:path>
+            </a:pathLst>
+          </a:custGeom>
+          <a:solidFill>
+            <a:schemeClr val="accent1">
+              <a:alpha val="22000"/>
+            </a:schemeClr>
+          </a:solidFill>
+          <a:ln>
+            <a:noFill/>
+          </a:ln>
+        </p:spPr>
+        <p:style>
+          <a:lnRef idx="2">
+            <a:schemeClr val="accent1">
+              <a:shade val="50000"/>
+            </a:schemeClr>
+          </a:lnRef>
+          <a:fillRef idx="1">
+            <a:schemeClr val="accent1"/>
+          </a:fillRef>
+          <a:effectRef idx="0">
+            <a:schemeClr val="accent1"/>
+          </a:effectRef>
+          <a:fontRef idx="minor">
+            <a:schemeClr val="lt1"/>
+          </a:fontRef>
+        </p:style>
+        <p:txBody>
+          <a:bodyPr rtlCol="0" anchor="ctr"/>
+          <a:lstStyle/>
+          <a:p>
+            <a:pPr algn="ctr"/>
+            <a:endParaRPr lang="en-CA"/>
+          </a:p>
+        </p:txBody>
+      </p:sp>
     </p:spTree>
     <p:extLst>
       <p:ext uri="{BB962C8B-B14F-4D97-AF65-F5344CB8AC3E}">
@@ -6554,36 +6659,6 @@
           </a:p>
         </p:txBody>
       </p:sp>
-      <p:pic>
-        <p:nvPicPr>
-          <p:cNvPr id="6" name="Picture 5">
-            <a:extLst>
-              <a:ext uri="{FF2B5EF4-FFF2-40B4-BE49-F238E27FC236}">
-                <a16:creationId xmlns:a16="http://schemas.microsoft.com/office/drawing/2014/main" id="{E30852CF-B164-463D-9934-B05CC3F86634}"/>
-              </a:ext>
-            </a:extLst>
-          </p:cNvPr>
-          <p:cNvPicPr>
-            <a:picLocks noChangeAspect="1"/>
-          </p:cNvPicPr>
-          <p:nvPr/>
-        </p:nvPicPr>
-        <p:blipFill>
-          <a:blip r:embed="rId3"/>
-          <a:stretch>
-            <a:fillRect/>
-          </a:stretch>
-        </p:blipFill>
-        <p:spPr>
-          <a:xfrm>
-            <a:off x="6812449" y="2150057"/>
-            <a:ext cx="4953000" cy="2933700"/>
-          </a:xfrm>
-          <a:prstGeom prst="rect">
-            <a:avLst/>
-          </a:prstGeom>
-        </p:spPr>
-      </p:pic>
     </p:spTree>
     <p:extLst>
       <p:ext uri="{BB962C8B-B14F-4D97-AF65-F5344CB8AC3E}">
@@ -6753,8 +6828,8 @@
         </p:nvSpPr>
         <p:spPr>
           <a:xfrm>
-            <a:off x="685800" y="3254828"/>
-            <a:ext cx="4767943" cy="87086"/>
+            <a:off x="621792" y="3296194"/>
+            <a:ext cx="4831951" cy="45719"/>
           </a:xfrm>
           <a:prstGeom prst="rect">
             <a:avLst/>
@@ -7084,8 +7159,8 @@
           </a:p>
         </p:txBody>
       </p:sp>
-      <mc:AlternateContent xmlns:mc="http://schemas.openxmlformats.org/markup-compatibility/2006">
-        <mc:Choice xmlns:a14="http://schemas.microsoft.com/office/drawing/2010/main" Requires="a14">
+      <mc:AlternateContent xmlns:mc="http://schemas.openxmlformats.org/markup-compatibility/2006" xmlns:a14="http://schemas.microsoft.com/office/drawing/2010/main">
+        <mc:Choice Requires="a14">
           <p:sp>
             <p:nvSpPr>
               <p:cNvPr id="7" name="TextBox 6"/>
@@ -7220,7 +7295,7 @@
             </p:txBody>
           </p:sp>
         </mc:Choice>
-        <mc:Fallback>
+        <mc:Fallback xmlns="">
           <p:sp>
             <p:nvSpPr>
               <p:cNvPr id="7" name="TextBox 6"/>
@@ -7890,8 +7965,8 @@
           </a:p>
         </p:txBody>
       </p:sp>
-      <mc:AlternateContent xmlns:mc="http://schemas.openxmlformats.org/markup-compatibility/2006">
-        <mc:Choice xmlns:a14="http://schemas.microsoft.com/office/drawing/2010/main" Requires="a14">
+      <mc:AlternateContent xmlns:mc="http://schemas.openxmlformats.org/markup-compatibility/2006" xmlns:a14="http://schemas.microsoft.com/office/drawing/2010/main">
+        <mc:Choice Requires="a14">
           <p:sp>
             <p:nvSpPr>
               <p:cNvPr id="7" name="TextBox 6"/>
@@ -8285,7 +8360,7 @@
             </p:txBody>
           </p:sp>
         </mc:Choice>
-        <mc:Fallback>
+        <mc:Fallback xmlns="">
           <p:sp>
             <p:nvSpPr>
               <p:cNvPr id="7" name="TextBox 6"/>
@@ -8536,8 +8611,8 @@
           </a:p>
         </p:txBody>
       </p:sp>
-      <mc:AlternateContent xmlns:mc="http://schemas.openxmlformats.org/markup-compatibility/2006">
-        <mc:Choice xmlns:a14="http://schemas.microsoft.com/office/drawing/2010/main" Requires="a14">
+      <mc:AlternateContent xmlns:mc="http://schemas.openxmlformats.org/markup-compatibility/2006" xmlns:a14="http://schemas.microsoft.com/office/drawing/2010/main">
+        <mc:Choice Requires="a14">
           <p:sp>
             <p:nvSpPr>
               <p:cNvPr id="7" name="TextBox 6"/>
@@ -8689,7 +8764,7 @@
             </p:txBody>
           </p:sp>
         </mc:Choice>
-        <mc:Fallback>
+        <mc:Fallback xmlns="">
           <p:sp>
             <p:nvSpPr>
               <p:cNvPr id="7" name="TextBox 6"/>
@@ -10073,10 +10148,10 @@
       </mc:AlternateContent>
       <p:pic>
         <p:nvPicPr>
-          <p:cNvPr id="6" name="Picture 5">
+          <p:cNvPr id="8" name="Picture 7">
             <a:extLst>
               <a:ext uri="{FF2B5EF4-FFF2-40B4-BE49-F238E27FC236}">
-                <a16:creationId xmlns:a16="http://schemas.microsoft.com/office/drawing/2014/main" id="{E30852CF-B164-463D-9934-B05CC3F86634}"/>
+                <a16:creationId xmlns:a16="http://schemas.microsoft.com/office/drawing/2014/main" id="{46647919-AB56-405B-AF42-CEB2BE9F6881}"/>
               </a:ext>
             </a:extLst>
           </p:cNvPr>
@@ -10086,14 +10161,14 @@
           <p:nvPr/>
         </p:nvPicPr>
         <p:blipFill>
-          <a:blip r:embed="rId3"/>
+          <a:blip r:embed="rId4"/>
           <a:stretch>
             <a:fillRect/>
           </a:stretch>
         </p:blipFill>
         <p:spPr>
           <a:xfrm>
-            <a:off x="6549322" y="2246630"/>
+            <a:off x="6549322" y="2266950"/>
             <a:ext cx="4953000" cy="2933700"/>
           </a:xfrm>
           <a:prstGeom prst="rect">

--- a/comp3807.pptx
+++ b/comp3807.pptx
@@ -7,7 +7,7 @@
     <p:sldMasterId id="2147483652" r:id="rId3"/>
   </p:sldMasterIdLst>
   <p:notesMasterIdLst>
-    <p:notesMasterId r:id="rId33"/>
+    <p:notesMasterId r:id="rId34"/>
   </p:notesMasterIdLst>
   <p:sldIdLst>
     <p:sldId id="256" r:id="rId4"/>
@@ -27,37 +27,38 @@
     <p:sldId id="277" r:id="rId18"/>
     <p:sldId id="279" r:id="rId19"/>
     <p:sldId id="286" r:id="rId20"/>
-    <p:sldId id="285" r:id="rId21"/>
-    <p:sldId id="281" r:id="rId22"/>
-    <p:sldId id="288" r:id="rId23"/>
-    <p:sldId id="289" r:id="rId24"/>
-    <p:sldId id="283" r:id="rId25"/>
-    <p:sldId id="282" r:id="rId26"/>
-    <p:sldId id="284" r:id="rId27"/>
-    <p:sldId id="270" r:id="rId28"/>
-    <p:sldId id="262" r:id="rId29"/>
-    <p:sldId id="266" r:id="rId30"/>
-    <p:sldId id="274" r:id="rId31"/>
-    <p:sldId id="261" r:id="rId32"/>
+    <p:sldId id="292" r:id="rId21"/>
+    <p:sldId id="285" r:id="rId22"/>
+    <p:sldId id="281" r:id="rId23"/>
+    <p:sldId id="288" r:id="rId24"/>
+    <p:sldId id="289" r:id="rId25"/>
+    <p:sldId id="283" r:id="rId26"/>
+    <p:sldId id="282" r:id="rId27"/>
+    <p:sldId id="284" r:id="rId28"/>
+    <p:sldId id="270" r:id="rId29"/>
+    <p:sldId id="262" r:id="rId30"/>
+    <p:sldId id="266" r:id="rId31"/>
+    <p:sldId id="274" r:id="rId32"/>
+    <p:sldId id="261" r:id="rId33"/>
   </p:sldIdLst>
   <p:sldSz cx="12192000" cy="6858000"/>
   <p:notesSz cx="6858000" cy="9144000"/>
   <p:embeddedFontLst>
     <p:embeddedFont>
       <p:font typeface="맑은 고딕" panose="020B0503020000020004" pitchFamily="34" charset="-127"/>
-      <p:regular r:id="rId34"/>
-      <p:bold r:id="rId35"/>
+      <p:regular r:id="rId35"/>
+      <p:bold r:id="rId36"/>
     </p:embeddedFont>
     <p:embeddedFont>
       <p:font typeface="Calibri" panose="020F0502020204030204" pitchFamily="34" charset="0"/>
-      <p:regular r:id="rId36"/>
-      <p:bold r:id="rId37"/>
-      <p:italic r:id="rId38"/>
-      <p:boldItalic r:id="rId39"/>
+      <p:regular r:id="rId37"/>
+      <p:bold r:id="rId38"/>
+      <p:italic r:id="rId39"/>
+      <p:boldItalic r:id="rId40"/>
     </p:embeddedFont>
     <p:embeddedFont>
       <p:font typeface="Cambria Math" panose="02040503050406030204" pitchFamily="18" charset="0"/>
-      <p:regular r:id="rId40"/>
+      <p:regular r:id="rId41"/>
     </p:embeddedFont>
   </p:embeddedFontLst>
   <p:defaultTextStyle>
@@ -681,8 +682,11 @@
           <a:p>
             <a:r>
               <a:rPr lang="en-CA" dirty="0"/>
-              <a:t>Formulate segmentation quality function (objective function / energy)</a:t>
-            </a:r>
+              <a:t>There are too many notation to be explained, but since we already know basic idea of segmentation, it would be fairly easy to explain now.</a:t>
+            </a:r>
+          </a:p>
+          <a:p>
+            <a:endParaRPr lang="en-CA" dirty="0"/>
           </a:p>
         </p:txBody>
       </p:sp>
@@ -712,7 +716,7 @@
     </p:spTree>
     <p:extLst>
       <p:ext uri="{BB962C8B-B14F-4D97-AF65-F5344CB8AC3E}">
-        <p14:creationId xmlns:p14="http://schemas.microsoft.com/office/powerpoint/2010/main" val="1196657882"/>
+        <p14:creationId xmlns:p14="http://schemas.microsoft.com/office/powerpoint/2010/main" val="4140528718"/>
       </p:ext>
     </p:extLst>
   </p:cSld>
@@ -768,11 +772,8 @@
           <a:p>
             <a:r>
               <a:rPr lang="en-CA" dirty="0"/>
-              <a:t>There are too many notation to be explained, but since we already know basic idea of segmentation, it would be fairly easy to explain now.</a:t>
-            </a:r>
-          </a:p>
-          <a:p>
-            <a:endParaRPr lang="en-CA" dirty="0"/>
+              <a:t>Formulate segmentation quality function (objective function / energy)</a:t>
+            </a:r>
           </a:p>
         </p:txBody>
       </p:sp>
@@ -802,7 +803,7 @@
     </p:spTree>
     <p:extLst>
       <p:ext uri="{BB962C8B-B14F-4D97-AF65-F5344CB8AC3E}">
-        <p14:creationId xmlns:p14="http://schemas.microsoft.com/office/powerpoint/2010/main" val="66164127"/>
+        <p14:creationId xmlns:p14="http://schemas.microsoft.com/office/powerpoint/2010/main" val="1196657882"/>
       </p:ext>
     </p:extLst>
   </p:cSld>
@@ -858,7 +859,7 @@
           <a:p>
             <a:r>
               <a:rPr lang="en-CA" dirty="0"/>
-              <a:t>GMM models may not faithfully represent the true color distribution of the whole image because it only gets few strokes.</a:t>
+              <a:t>There are too many notation to be explained, but since we already know basic idea of segmentation, it would be fairly easy to explain now.</a:t>
             </a:r>
           </a:p>
           <a:p>
@@ -892,7 +893,7 @@
     </p:spTree>
     <p:extLst>
       <p:ext uri="{BB962C8B-B14F-4D97-AF65-F5344CB8AC3E}">
-        <p14:creationId xmlns:p14="http://schemas.microsoft.com/office/powerpoint/2010/main" val="490199497"/>
+        <p14:creationId xmlns:p14="http://schemas.microsoft.com/office/powerpoint/2010/main" val="66164127"/>
       </p:ext>
     </p:extLst>
   </p:cSld>
@@ -948,7 +949,7 @@
           <a:p>
             <a:r>
               <a:rPr lang="en-CA" dirty="0"/>
-              <a:t>There are too many notation to be explained, but since we already know basic idea of segmentation, it would be fairly easy to explain now.</a:t>
+              <a:t>GMM models may not faithfully represent the true color distribution of the whole image because it only gets few strokes.</a:t>
             </a:r>
           </a:p>
           <a:p>
@@ -982,7 +983,7 @@
     </p:spTree>
     <p:extLst>
       <p:ext uri="{BB962C8B-B14F-4D97-AF65-F5344CB8AC3E}">
-        <p14:creationId xmlns:p14="http://schemas.microsoft.com/office/powerpoint/2010/main" val="3286736326"/>
+        <p14:creationId xmlns:p14="http://schemas.microsoft.com/office/powerpoint/2010/main" val="490199497"/>
       </p:ext>
     </p:extLst>
   </p:cSld>
@@ -1072,7 +1073,7 @@
     </p:spTree>
     <p:extLst>
       <p:ext uri="{BB962C8B-B14F-4D97-AF65-F5344CB8AC3E}">
-        <p14:creationId xmlns:p14="http://schemas.microsoft.com/office/powerpoint/2010/main" val="2504173768"/>
+        <p14:creationId xmlns:p14="http://schemas.microsoft.com/office/powerpoint/2010/main" val="3286736326"/>
       </p:ext>
     </p:extLst>
   </p:cSld>
@@ -1162,7 +1163,7 @@
     </p:spTree>
     <p:extLst>
       <p:ext uri="{BB962C8B-B14F-4D97-AF65-F5344CB8AC3E}">
-        <p14:creationId xmlns:p14="http://schemas.microsoft.com/office/powerpoint/2010/main" val="1340925085"/>
+        <p14:creationId xmlns:p14="http://schemas.microsoft.com/office/powerpoint/2010/main" val="2504173768"/>
       </p:ext>
     </p:extLst>
   </p:cSld>
@@ -1244,6 +1245,96 @@
             <a:fld id="{13B65874-C5D9-415D-BB74-E8CA3CF82B34}" type="slidenum">
               <a:rPr lang="en-CA" smtClean="0"/>
               <a:t>24</a:t>
+            </a:fld>
+            <a:endParaRPr lang="en-CA"/>
+          </a:p>
+        </p:txBody>
+      </p:sp>
+    </p:spTree>
+    <p:extLst>
+      <p:ext uri="{BB962C8B-B14F-4D97-AF65-F5344CB8AC3E}">
+        <p14:creationId xmlns:p14="http://schemas.microsoft.com/office/powerpoint/2010/main" val="1340925085"/>
+      </p:ext>
+    </p:extLst>
+  </p:cSld>
+  <p:clrMapOvr>
+    <a:masterClrMapping/>
+  </p:clrMapOvr>
+</p:notes>
+</file>
+
+<file path=ppt/notesSlides/notesSlide17.xml><?xml version="1.0" encoding="utf-8"?>
+<p:notes xmlns:a="http://schemas.openxmlformats.org/drawingml/2006/main" xmlns:r="http://schemas.openxmlformats.org/officeDocument/2006/relationships" xmlns:p="http://schemas.openxmlformats.org/presentationml/2006/main">
+  <p:cSld>
+    <p:spTree>
+      <p:nvGrpSpPr>
+        <p:cNvPr id="1" name=""/>
+        <p:cNvGrpSpPr/>
+        <p:nvPr/>
+      </p:nvGrpSpPr>
+      <p:grpSpPr>
+        <a:xfrm>
+          <a:off x="0" y="0"/>
+          <a:ext cx="0" cy="0"/>
+          <a:chOff x="0" y="0"/>
+          <a:chExt cx="0" cy="0"/>
+        </a:xfrm>
+      </p:grpSpPr>
+      <p:sp>
+        <p:nvSpPr>
+          <p:cNvPr id="2" name="Slide Image Placeholder 1"/>
+          <p:cNvSpPr>
+            <a:spLocks noGrp="1" noRot="1" noChangeAspect="1"/>
+          </p:cNvSpPr>
+          <p:nvPr>
+            <p:ph type="sldImg"/>
+          </p:nvPr>
+        </p:nvSpPr>
+        <p:spPr/>
+      </p:sp>
+      <p:sp>
+        <p:nvSpPr>
+          <p:cNvPr id="3" name="Notes Placeholder 2"/>
+          <p:cNvSpPr>
+            <a:spLocks noGrp="1"/>
+          </p:cNvSpPr>
+          <p:nvPr>
+            <p:ph type="body" idx="1"/>
+          </p:nvPr>
+        </p:nvSpPr>
+        <p:spPr/>
+        <p:txBody>
+          <a:bodyPr/>
+          <a:lstStyle/>
+          <a:p>
+            <a:r>
+              <a:rPr lang="en-CA" dirty="0"/>
+              <a:t>There are too many notation to be explained, but since we already know basic idea of segmentation, it would be fairly easy to explain now.</a:t>
+            </a:r>
+          </a:p>
+          <a:p>
+            <a:endParaRPr lang="en-CA" dirty="0"/>
+          </a:p>
+        </p:txBody>
+      </p:sp>
+      <p:sp>
+        <p:nvSpPr>
+          <p:cNvPr id="4" name="Slide Number Placeholder 3"/>
+          <p:cNvSpPr>
+            <a:spLocks noGrp="1"/>
+          </p:cNvSpPr>
+          <p:nvPr>
+            <p:ph type="sldNum" sz="quarter" idx="5"/>
+          </p:nvPr>
+        </p:nvSpPr>
+        <p:spPr/>
+        <p:txBody>
+          <a:bodyPr/>
+          <a:lstStyle/>
+          <a:p>
+            <a:fld id="{13B65874-C5D9-415D-BB74-E8CA3CF82B34}" type="slidenum">
+              <a:rPr lang="en-CA" smtClean="0"/>
+              <a:t>25</a:t>
             </a:fld>
             <a:endParaRPr lang="en-CA"/>
           </a:p>
@@ -6784,6 +6875,297 @@
           </a:p>
         </p:txBody>
       </p:sp>
+      <p:sp>
+        <p:nvSpPr>
+          <p:cNvPr id="7" name="TextBox 6"/>
+          <p:cNvSpPr txBox="1"/>
+          <p:nvPr/>
+        </p:nvSpPr>
+        <p:spPr>
+          <a:xfrm>
+            <a:off x="689678" y="1531257"/>
+            <a:ext cx="6122771" cy="2862322"/>
+          </a:xfrm>
+          <a:prstGeom prst="rect">
+            <a:avLst/>
+          </a:prstGeom>
+          <a:noFill/>
+        </p:spPr>
+        <p:txBody>
+          <a:bodyPr wrap="square" rtlCol="0">
+            <a:spAutoFit/>
+          </a:bodyPr>
+          <a:lstStyle/>
+          <a:p>
+            <a:r>
+              <a:rPr lang="en-CA" altLang="ko-KR" dirty="0">
+                <a:solidFill>
+                  <a:srgbClr val="BF586D"/>
+                </a:solidFill>
+                <a:latin typeface="나눔스퀘어" panose="020B0600000101010101" pitchFamily="50" charset="-127"/>
+                <a:ea typeface="나눔스퀘어" panose="020B0600000101010101" pitchFamily="50" charset="-127"/>
+              </a:rPr>
+              <a:t>Clustering</a:t>
+            </a:r>
+            <a:r>
+              <a:rPr lang="en-CA" altLang="ko-KR" dirty="0">
+                <a:solidFill>
+                  <a:schemeClr val="bg1"/>
+                </a:solidFill>
+                <a:latin typeface="나눔스퀘어" panose="020B0600000101010101" pitchFamily="50" charset="-127"/>
+                <a:ea typeface="나눔스퀘어" panose="020B0600000101010101" pitchFamily="50" charset="-127"/>
+              </a:rPr>
+              <a:t> technique? Gaussian Mixture Model </a:t>
+            </a:r>
+          </a:p>
+          <a:p>
+            <a:endParaRPr lang="en-CA" altLang="ko-KR" dirty="0">
+              <a:solidFill>
+                <a:schemeClr val="bg1"/>
+              </a:solidFill>
+              <a:latin typeface="나눔스퀘어" panose="020B0600000101010101" pitchFamily="50" charset="-127"/>
+              <a:ea typeface="나눔스퀘어" panose="020B0600000101010101" pitchFamily="50" charset="-127"/>
+            </a:endParaRPr>
+          </a:p>
+          <a:p>
+            <a:r>
+              <a:rPr lang="en-CA" altLang="ko-KR" b="1" dirty="0">
+                <a:solidFill>
+                  <a:srgbClr val="C1444D"/>
+                </a:solidFill>
+                <a:latin typeface="나눔스퀘어" panose="020B0600000101010101" pitchFamily="50" charset="-127"/>
+                <a:ea typeface="나눔스퀘어" panose="020B0600000101010101" pitchFamily="50" charset="-127"/>
+              </a:rPr>
+              <a:t>Procedure</a:t>
+            </a:r>
+          </a:p>
+          <a:p>
+            <a:pPr marL="342900" indent="-342900">
+              <a:buAutoNum type="arabicPeriod"/>
+            </a:pPr>
+            <a:r>
+              <a:rPr lang="en-CA" altLang="ko-KR" dirty="0">
+                <a:solidFill>
+                  <a:schemeClr val="bg1"/>
+                </a:solidFill>
+                <a:latin typeface="나눔스퀘어" panose="020B0600000101010101" pitchFamily="50" charset="-127"/>
+                <a:ea typeface="나눔스퀘어" panose="020B0600000101010101" pitchFamily="50" charset="-127"/>
+              </a:rPr>
+              <a:t>Guess some starting points for location and shape</a:t>
+            </a:r>
+          </a:p>
+          <a:p>
+            <a:pPr marL="342900" indent="-342900">
+              <a:buAutoNum type="arabicPeriod"/>
+            </a:pPr>
+            <a:r>
+              <a:rPr lang="en-CA" altLang="ko-KR" dirty="0">
+                <a:solidFill>
+                  <a:schemeClr val="bg1"/>
+                </a:solidFill>
+                <a:latin typeface="나눔스퀘어" panose="020B0600000101010101" pitchFamily="50" charset="-127"/>
+                <a:ea typeface="나눔스퀘어" panose="020B0600000101010101" pitchFamily="50" charset="-127"/>
+              </a:rPr>
+              <a:t>Repeat until converged</a:t>
+            </a:r>
+          </a:p>
+          <a:p>
+            <a:pPr marL="800100" lvl="1" indent="-342900">
+              <a:buAutoNum type="arabicPeriod"/>
+            </a:pPr>
+            <a:r>
+              <a:rPr lang="en-CA" altLang="ko-KR" dirty="0">
+                <a:solidFill>
+                  <a:schemeClr val="bg1"/>
+                </a:solidFill>
+                <a:latin typeface="나눔스퀘어" panose="020B0600000101010101" pitchFamily="50" charset="-127"/>
+                <a:ea typeface="나눔스퀘어" panose="020B0600000101010101" pitchFamily="50" charset="-127"/>
+              </a:rPr>
+              <a:t>E-Step: for each point, find </a:t>
+            </a:r>
+            <a:r>
+              <a:rPr lang="en-CA" altLang="ko-KR" dirty="0">
+                <a:solidFill>
+                  <a:srgbClr val="C1444D"/>
+                </a:solidFill>
+                <a:latin typeface="나눔스퀘어" panose="020B0600000101010101" pitchFamily="50" charset="-127"/>
+                <a:ea typeface="나눔스퀘어" panose="020B0600000101010101" pitchFamily="50" charset="-127"/>
+              </a:rPr>
+              <a:t>weights</a:t>
+            </a:r>
+            <a:r>
+              <a:rPr lang="en-CA" altLang="ko-KR" dirty="0">
+                <a:solidFill>
+                  <a:schemeClr val="bg1"/>
+                </a:solidFill>
+                <a:latin typeface="나눔스퀘어" panose="020B0600000101010101" pitchFamily="50" charset="-127"/>
+                <a:ea typeface="나눔스퀘어" panose="020B0600000101010101" pitchFamily="50" charset="-127"/>
+              </a:rPr>
+              <a:t> encoding the probability of membership in each cluster</a:t>
+            </a:r>
+          </a:p>
+          <a:p>
+            <a:pPr marL="800100" lvl="1" indent="-342900">
+              <a:buAutoNum type="arabicPeriod"/>
+            </a:pPr>
+            <a:r>
+              <a:rPr lang="en-CA" altLang="ko-KR" dirty="0">
+                <a:solidFill>
+                  <a:schemeClr val="bg1"/>
+                </a:solidFill>
+                <a:latin typeface="나눔스퀘어" panose="020B0600000101010101" pitchFamily="50" charset="-127"/>
+                <a:ea typeface="나눔스퀘어" panose="020B0600000101010101" pitchFamily="50" charset="-127"/>
+              </a:rPr>
+              <a:t>M-Step: for each cluster, </a:t>
+            </a:r>
+            <a:r>
+              <a:rPr lang="en-CA" altLang="ko-KR" dirty="0">
+                <a:solidFill>
+                  <a:srgbClr val="C1444D"/>
+                </a:solidFill>
+                <a:latin typeface="나눔스퀘어" panose="020B0600000101010101" pitchFamily="50" charset="-127"/>
+                <a:ea typeface="나눔스퀘어" panose="020B0600000101010101" pitchFamily="50" charset="-127"/>
+              </a:rPr>
+              <a:t>update its location, normalization, and shape</a:t>
+            </a:r>
+            <a:r>
+              <a:rPr lang="en-CA" altLang="ko-KR" dirty="0">
+                <a:solidFill>
+                  <a:schemeClr val="bg1"/>
+                </a:solidFill>
+                <a:latin typeface="나눔스퀘어" panose="020B0600000101010101" pitchFamily="50" charset="-127"/>
+                <a:ea typeface="나눔스퀘어" panose="020B0600000101010101" pitchFamily="50" charset="-127"/>
+              </a:rPr>
+              <a:t> based on all data points, making use of the weights</a:t>
+            </a:r>
+          </a:p>
+        </p:txBody>
+      </p:sp>
+    </p:spTree>
+    <p:extLst>
+      <p:ext uri="{BB962C8B-B14F-4D97-AF65-F5344CB8AC3E}">
+        <p14:creationId xmlns:p14="http://schemas.microsoft.com/office/powerpoint/2010/main" val="4005052730"/>
+      </p:ext>
+    </p:extLst>
+  </p:cSld>
+  <p:clrMapOvr>
+    <a:masterClrMapping/>
+  </p:clrMapOvr>
+</p:sld>
+</file>
+
+<file path=ppt/slides/slide19.xml><?xml version="1.0" encoding="utf-8"?>
+<p:sld xmlns:a="http://schemas.openxmlformats.org/drawingml/2006/main" xmlns:r="http://schemas.openxmlformats.org/officeDocument/2006/relationships" xmlns:p="http://schemas.openxmlformats.org/presentationml/2006/main">
+  <p:cSld>
+    <p:spTree>
+      <p:nvGrpSpPr>
+        <p:cNvPr id="1" name=""/>
+        <p:cNvGrpSpPr/>
+        <p:nvPr/>
+      </p:nvGrpSpPr>
+      <p:grpSpPr>
+        <a:xfrm>
+          <a:off x="0" y="0"/>
+          <a:ext cx="0" cy="0"/>
+          <a:chOff x="0" y="0"/>
+          <a:chExt cx="0" cy="0"/>
+        </a:xfrm>
+      </p:grpSpPr>
+      <p:sp>
+        <p:nvSpPr>
+          <p:cNvPr id="3" name="TextBox 2"/>
+          <p:cNvSpPr txBox="1"/>
+          <p:nvPr/>
+        </p:nvSpPr>
+        <p:spPr>
+          <a:xfrm>
+            <a:off x="246328" y="310733"/>
+            <a:ext cx="5802614" cy="584775"/>
+          </a:xfrm>
+          <a:prstGeom prst="rect">
+            <a:avLst/>
+          </a:prstGeom>
+          <a:noFill/>
+        </p:spPr>
+        <p:txBody>
+          <a:bodyPr wrap="none" rtlCol="0" anchor="ctr">
+            <a:spAutoFit/>
+          </a:bodyPr>
+          <a:lstStyle/>
+          <a:p>
+            <a:r>
+              <a:rPr lang="en-US" altLang="ko-KR" sz="3200" b="1" dirty="0">
+                <a:solidFill>
+                  <a:srgbClr val="C1444D"/>
+                </a:solidFill>
+                <a:latin typeface="나눔스퀘어 Bold" panose="020B0600000101010101" pitchFamily="50" charset="-127"/>
+                <a:ea typeface="나눔스퀘어 Bold" panose="020B0600000101010101" pitchFamily="50" charset="-127"/>
+              </a:rPr>
+              <a:t>002/ Mathematical Formula?</a:t>
+            </a:r>
+            <a:endParaRPr lang="ko-KR" altLang="en-US" sz="3200" b="1" dirty="0">
+              <a:solidFill>
+                <a:srgbClr val="C1444D"/>
+              </a:solidFill>
+              <a:latin typeface="나눔스퀘어 Bold" panose="020B0600000101010101" pitchFamily="50" charset="-127"/>
+              <a:ea typeface="나눔스퀘어 Bold" panose="020B0600000101010101" pitchFamily="50" charset="-127"/>
+            </a:endParaRPr>
+          </a:p>
+        </p:txBody>
+      </p:sp>
+      <p:sp>
+        <p:nvSpPr>
+          <p:cNvPr id="5" name="TextBox 4"/>
+          <p:cNvSpPr txBox="1"/>
+          <p:nvPr/>
+        </p:nvSpPr>
+        <p:spPr>
+          <a:xfrm>
+            <a:off x="7620223" y="74037"/>
+            <a:ext cx="4533677" cy="400110"/>
+          </a:xfrm>
+          <a:prstGeom prst="rect">
+            <a:avLst/>
+          </a:prstGeom>
+          <a:noFill/>
+        </p:spPr>
+        <p:txBody>
+          <a:bodyPr wrap="none" rtlCol="0">
+            <a:spAutoFit/>
+          </a:bodyPr>
+          <a:lstStyle/>
+          <a:p>
+            <a:pPr algn="r"/>
+            <a:r>
+              <a:rPr lang="en-CA" altLang="ko-KR" sz="1000" dirty="0">
+                <a:solidFill>
+                  <a:srgbClr val="3D3D3D"/>
+                </a:solidFill>
+                <a:latin typeface="나눔스퀘어 Light" panose="020B0600000101010101" pitchFamily="50" charset="-127"/>
+                <a:ea typeface="나눔스퀘어 Light" panose="020B0600000101010101" pitchFamily="50" charset="-127"/>
+              </a:rPr>
+              <a:t>IMAGE SEGMENTATION + LINEAR PROGRAMMING + USER INTERACTION</a:t>
+            </a:r>
+            <a:endParaRPr lang="ko-KR" altLang="en-US" sz="1000" dirty="0">
+              <a:solidFill>
+                <a:srgbClr val="3D3D3D"/>
+              </a:solidFill>
+              <a:latin typeface="나눔스퀘어 Light" panose="020B0600000101010101" pitchFamily="50" charset="-127"/>
+              <a:ea typeface="나눔스퀘어 Light" panose="020B0600000101010101" pitchFamily="50" charset="-127"/>
+            </a:endParaRPr>
+          </a:p>
+          <a:p>
+            <a:pPr algn="r"/>
+            <a:endParaRPr lang="ko-KR" altLang="en-US" sz="1000" dirty="0">
+              <a:solidFill>
+                <a:srgbClr val="3D3D3D"/>
+              </a:solidFill>
+              <a:latin typeface="나눔스퀘어 Light" panose="020B0600000101010101" pitchFamily="50" charset="-127"/>
+              <a:ea typeface="나눔스퀘어 Light" panose="020B0600000101010101" pitchFamily="50" charset="-127"/>
+            </a:endParaRPr>
+          </a:p>
+        </p:txBody>
+      </p:sp>
       <p:pic>
         <p:nvPicPr>
           <p:cNvPr id="2" name="Picture 1">
@@ -7047,7 +7429,340 @@
 </p:sld>
 </file>
 
-<file path=ppt/slides/slide19.xml><?xml version="1.0" encoding="utf-8"?>
+<file path=ppt/slides/slide2.xml><?xml version="1.0" encoding="utf-8"?>
+<p:sld xmlns:a="http://schemas.openxmlformats.org/drawingml/2006/main" xmlns:r="http://schemas.openxmlformats.org/officeDocument/2006/relationships" xmlns:p="http://schemas.openxmlformats.org/presentationml/2006/main">
+  <p:cSld>
+    <p:spTree>
+      <p:nvGrpSpPr>
+        <p:cNvPr id="1" name=""/>
+        <p:cNvGrpSpPr/>
+        <p:nvPr/>
+      </p:nvGrpSpPr>
+      <p:grpSpPr>
+        <a:xfrm>
+          <a:off x="0" y="0"/>
+          <a:ext cx="0" cy="0"/>
+          <a:chOff x="0" y="0"/>
+          <a:chExt cx="0" cy="0"/>
+        </a:xfrm>
+      </p:grpSpPr>
+      <p:grpSp>
+        <p:nvGrpSpPr>
+          <p:cNvPr id="12" name="그룹 11"/>
+          <p:cNvGrpSpPr/>
+          <p:nvPr/>
+        </p:nvGrpSpPr>
+        <p:grpSpPr>
+          <a:xfrm>
+            <a:off x="4257631" y="2354707"/>
+            <a:ext cx="5074083" cy="2495888"/>
+            <a:chOff x="2733631" y="1988136"/>
+            <a:chExt cx="5074083" cy="2495888"/>
+          </a:xfrm>
+          <a:noFill/>
+        </p:grpSpPr>
+        <p:sp>
+          <p:nvSpPr>
+            <p:cNvPr id="13" name="TextBox 12"/>
+            <p:cNvSpPr txBox="1"/>
+            <p:nvPr/>
+          </p:nvSpPr>
+          <p:spPr>
+            <a:xfrm>
+              <a:off x="3136320" y="1988136"/>
+              <a:ext cx="3339184" cy="400110"/>
+            </a:xfrm>
+            <a:prstGeom prst="rect">
+              <a:avLst/>
+            </a:prstGeom>
+            <a:grpFill/>
+          </p:spPr>
+          <p:txBody>
+            <a:bodyPr wrap="none" rtlCol="0">
+              <a:spAutoFit/>
+            </a:bodyPr>
+            <a:lstStyle/>
+            <a:p>
+              <a:pPr algn="ctr"/>
+              <a:r>
+                <a:rPr lang="en-US" altLang="ko-KR" sz="2000" dirty="0">
+                  <a:solidFill>
+                    <a:schemeClr val="bg1"/>
+                  </a:solidFill>
+                  <a:latin typeface="+mn-ea"/>
+                </a:rPr>
+                <a:t>001/ Let’s Narrow it Down</a:t>
+              </a:r>
+              <a:endParaRPr lang="ko-KR" altLang="en-US" sz="2000" dirty="0">
+                <a:solidFill>
+                  <a:schemeClr val="bg1"/>
+                </a:solidFill>
+                <a:latin typeface="+mn-ea"/>
+              </a:endParaRPr>
+            </a:p>
+          </p:txBody>
+        </p:sp>
+        <p:sp>
+          <p:nvSpPr>
+            <p:cNvPr id="14" name="TextBox 13"/>
+            <p:cNvSpPr txBox="1"/>
+            <p:nvPr/>
+          </p:nvSpPr>
+          <p:spPr>
+            <a:xfrm>
+              <a:off x="2733631" y="2512082"/>
+              <a:ext cx="4144561" cy="400110"/>
+            </a:xfrm>
+            <a:prstGeom prst="rect">
+              <a:avLst/>
+            </a:prstGeom>
+            <a:grpFill/>
+          </p:spPr>
+          <p:txBody>
+            <a:bodyPr wrap="square" rtlCol="0">
+              <a:spAutoFit/>
+            </a:bodyPr>
+            <a:lstStyle/>
+            <a:p>
+              <a:pPr algn="ctr"/>
+              <a:r>
+                <a:rPr lang="en-US" altLang="ko-KR" sz="2000" dirty="0">
+                  <a:solidFill>
+                    <a:schemeClr val="bg1"/>
+                  </a:solidFill>
+                  <a:latin typeface="+mn-ea"/>
+                </a:rPr>
+                <a:t>002/ Mathematical formula </a:t>
+              </a:r>
+              <a:endParaRPr lang="ko-KR" altLang="en-US" sz="2000" dirty="0">
+                <a:solidFill>
+                  <a:schemeClr val="bg1"/>
+                </a:solidFill>
+                <a:latin typeface="+mn-ea"/>
+              </a:endParaRPr>
+            </a:p>
+          </p:txBody>
+        </p:sp>
+        <p:sp>
+          <p:nvSpPr>
+            <p:cNvPr id="15" name="TextBox 14"/>
+            <p:cNvSpPr txBox="1"/>
+            <p:nvPr/>
+          </p:nvSpPr>
+          <p:spPr>
+            <a:xfrm>
+              <a:off x="2820901" y="3036026"/>
+              <a:ext cx="3807003" cy="400110"/>
+            </a:xfrm>
+            <a:prstGeom prst="rect">
+              <a:avLst/>
+            </a:prstGeom>
+            <a:grpFill/>
+          </p:spPr>
+          <p:txBody>
+            <a:bodyPr wrap="none" rtlCol="0">
+              <a:spAutoFit/>
+            </a:bodyPr>
+            <a:lstStyle/>
+            <a:p>
+              <a:pPr algn="ctr"/>
+              <a:r>
+                <a:rPr lang="en-US" altLang="ko-KR" sz="2000" dirty="0">
+                  <a:solidFill>
+                    <a:schemeClr val="bg1"/>
+                  </a:solidFill>
+                  <a:latin typeface="+mn-ea"/>
+                </a:rPr>
+                <a:t>003/ Programming Algorithm </a:t>
+              </a:r>
+              <a:endParaRPr lang="ko-KR" altLang="en-US" sz="2000" dirty="0">
+                <a:solidFill>
+                  <a:schemeClr val="bg1"/>
+                </a:solidFill>
+                <a:latin typeface="+mn-ea"/>
+              </a:endParaRPr>
+            </a:p>
+          </p:txBody>
+        </p:sp>
+        <p:sp>
+          <p:nvSpPr>
+            <p:cNvPr id="16" name="TextBox 15"/>
+            <p:cNvSpPr txBox="1"/>
+            <p:nvPr/>
+          </p:nvSpPr>
+          <p:spPr>
+            <a:xfrm>
+              <a:off x="4974772" y="3559970"/>
+              <a:ext cx="1500732" cy="400110"/>
+            </a:xfrm>
+            <a:prstGeom prst="rect">
+              <a:avLst/>
+            </a:prstGeom>
+            <a:grpFill/>
+          </p:spPr>
+          <p:txBody>
+            <a:bodyPr wrap="none" rtlCol="0">
+              <a:spAutoFit/>
+            </a:bodyPr>
+            <a:lstStyle/>
+            <a:p>
+              <a:pPr algn="ctr"/>
+              <a:r>
+                <a:rPr lang="en-US" altLang="ko-KR" sz="2000" dirty="0">
+                  <a:solidFill>
+                    <a:schemeClr val="bg1"/>
+                  </a:solidFill>
+                  <a:latin typeface="+mn-ea"/>
+                </a:rPr>
+                <a:t>004/ Demo</a:t>
+              </a:r>
+              <a:endParaRPr lang="ko-KR" altLang="en-US" sz="2000" dirty="0">
+                <a:solidFill>
+                  <a:schemeClr val="bg1"/>
+                </a:solidFill>
+                <a:latin typeface="+mn-ea"/>
+              </a:endParaRPr>
+            </a:p>
+          </p:txBody>
+        </p:sp>
+        <p:sp>
+          <p:nvSpPr>
+            <p:cNvPr id="17" name="TextBox 16"/>
+            <p:cNvSpPr txBox="1"/>
+            <p:nvPr/>
+          </p:nvSpPr>
+          <p:spPr>
+            <a:xfrm>
+              <a:off x="3404482" y="4083914"/>
+              <a:ext cx="4403232" cy="400110"/>
+            </a:xfrm>
+            <a:prstGeom prst="rect">
+              <a:avLst/>
+            </a:prstGeom>
+            <a:grpFill/>
+          </p:spPr>
+          <p:txBody>
+            <a:bodyPr wrap="square" rtlCol="0">
+              <a:spAutoFit/>
+            </a:bodyPr>
+            <a:lstStyle/>
+            <a:p>
+              <a:pPr algn="ctr"/>
+              <a:r>
+                <a:rPr lang="en-US" altLang="ko-KR" sz="2000" dirty="0">
+                  <a:solidFill>
+                    <a:schemeClr val="bg1"/>
+                  </a:solidFill>
+                  <a:latin typeface="+mn-ea"/>
+                </a:rPr>
+                <a:t>005/ Wrap-up</a:t>
+              </a:r>
+              <a:endParaRPr lang="ko-KR" altLang="en-US" sz="2000" dirty="0">
+                <a:solidFill>
+                  <a:schemeClr val="bg1"/>
+                </a:solidFill>
+                <a:latin typeface="+mn-ea"/>
+              </a:endParaRPr>
+            </a:p>
+          </p:txBody>
+        </p:sp>
+      </p:grpSp>
+      <p:cxnSp>
+        <p:nvCxnSpPr>
+          <p:cNvPr id="18" name="직선 연결선 17"/>
+          <p:cNvCxnSpPr/>
+          <p:nvPr/>
+        </p:nvCxnSpPr>
+        <p:spPr>
+          <a:xfrm flipV="1">
+            <a:off x="4810125" y="1695450"/>
+            <a:ext cx="2571750" cy="8015"/>
+          </a:xfrm>
+          <a:prstGeom prst="line">
+            <a:avLst/>
+          </a:prstGeom>
+          <a:ln w="15875" cap="sq">
+            <a:solidFill>
+              <a:srgbClr val="C1444D"/>
+            </a:solidFill>
+            <a:headEnd type="none" w="sm" len="sm"/>
+            <a:tailEnd type="none" w="sm" len="sm"/>
+          </a:ln>
+        </p:spPr>
+        <p:style>
+          <a:lnRef idx="1">
+            <a:schemeClr val="accent1"/>
+          </a:lnRef>
+          <a:fillRef idx="0">
+            <a:schemeClr val="accent1"/>
+          </a:fillRef>
+          <a:effectRef idx="0">
+            <a:schemeClr val="accent1"/>
+          </a:effectRef>
+          <a:fontRef idx="minor">
+            <a:schemeClr val="tx1"/>
+          </a:fontRef>
+        </p:style>
+      </p:cxnSp>
+      <p:sp>
+        <p:nvSpPr>
+          <p:cNvPr id="19" name="TextBox 18"/>
+          <p:cNvSpPr txBox="1"/>
+          <p:nvPr/>
+        </p:nvSpPr>
+        <p:spPr>
+          <a:xfrm>
+            <a:off x="5061903" y="1476607"/>
+            <a:ext cx="2068195" cy="461665"/>
+          </a:xfrm>
+          <a:prstGeom prst="rect">
+            <a:avLst/>
+          </a:prstGeom>
+          <a:solidFill>
+            <a:srgbClr val="1A191C"/>
+          </a:solidFill>
+        </p:spPr>
+        <p:txBody>
+          <a:bodyPr wrap="none" rtlCol="0">
+            <a:spAutoFit/>
+          </a:bodyPr>
+          <a:lstStyle/>
+          <a:p>
+            <a:pPr algn="ctr"/>
+            <a:r>
+              <a:rPr lang="en-US" altLang="ko-KR" sz="2400" spc="300" dirty="0">
+                <a:solidFill>
+                  <a:srgbClr val="C1444D"/>
+                </a:solidFill>
+                <a:latin typeface="나눔스퀘어 Bold" panose="020B0600000101010101" pitchFamily="50" charset="-127"/>
+                <a:ea typeface="나눔스퀘어 Bold" panose="020B0600000101010101" pitchFamily="50" charset="-127"/>
+              </a:rPr>
+              <a:t>CONTENTS</a:t>
+            </a:r>
+            <a:endParaRPr lang="ko-KR" altLang="en-US" sz="2400" spc="300" dirty="0">
+              <a:solidFill>
+                <a:srgbClr val="C1444D"/>
+              </a:solidFill>
+              <a:latin typeface="나눔스퀘어 Bold" panose="020B0600000101010101" pitchFamily="50" charset="-127"/>
+              <a:ea typeface="나눔스퀘어 Bold" panose="020B0600000101010101" pitchFamily="50" charset="-127"/>
+            </a:endParaRPr>
+          </a:p>
+        </p:txBody>
+      </p:sp>
+    </p:spTree>
+    <p:extLst>
+      <p:ext uri="{BB962C8B-B14F-4D97-AF65-F5344CB8AC3E}">
+        <p14:creationId xmlns:p14="http://schemas.microsoft.com/office/powerpoint/2010/main" val="1289684798"/>
+      </p:ext>
+    </p:extLst>
+  </p:cSld>
+  <p:clrMapOvr>
+    <a:masterClrMapping/>
+  </p:clrMapOvr>
+</p:sld>
+</file>
+
+<file path=ppt/slides/slide20.xml><?xml version="1.0" encoding="utf-8"?>
 <p:sld xmlns:a="http://schemas.openxmlformats.org/drawingml/2006/main" xmlns:r="http://schemas.openxmlformats.org/officeDocument/2006/relationships" xmlns:p="http://schemas.openxmlformats.org/presentationml/2006/main">
   <p:cSld>
     <p:spTree>
@@ -7520,340 +8235,7 @@
 </p:sld>
 </file>
 
-<file path=ppt/slides/slide2.xml><?xml version="1.0" encoding="utf-8"?>
-<p:sld xmlns:a="http://schemas.openxmlformats.org/drawingml/2006/main" xmlns:r="http://schemas.openxmlformats.org/officeDocument/2006/relationships" xmlns:p="http://schemas.openxmlformats.org/presentationml/2006/main">
-  <p:cSld>
-    <p:spTree>
-      <p:nvGrpSpPr>
-        <p:cNvPr id="1" name=""/>
-        <p:cNvGrpSpPr/>
-        <p:nvPr/>
-      </p:nvGrpSpPr>
-      <p:grpSpPr>
-        <a:xfrm>
-          <a:off x="0" y="0"/>
-          <a:ext cx="0" cy="0"/>
-          <a:chOff x="0" y="0"/>
-          <a:chExt cx="0" cy="0"/>
-        </a:xfrm>
-      </p:grpSpPr>
-      <p:grpSp>
-        <p:nvGrpSpPr>
-          <p:cNvPr id="12" name="그룹 11"/>
-          <p:cNvGrpSpPr/>
-          <p:nvPr/>
-        </p:nvGrpSpPr>
-        <p:grpSpPr>
-          <a:xfrm>
-            <a:off x="4257631" y="2354707"/>
-            <a:ext cx="5074083" cy="2495888"/>
-            <a:chOff x="2733631" y="1988136"/>
-            <a:chExt cx="5074083" cy="2495888"/>
-          </a:xfrm>
-          <a:noFill/>
-        </p:grpSpPr>
-        <p:sp>
-          <p:nvSpPr>
-            <p:cNvPr id="13" name="TextBox 12"/>
-            <p:cNvSpPr txBox="1"/>
-            <p:nvPr/>
-          </p:nvSpPr>
-          <p:spPr>
-            <a:xfrm>
-              <a:off x="3136320" y="1988136"/>
-              <a:ext cx="3339184" cy="400110"/>
-            </a:xfrm>
-            <a:prstGeom prst="rect">
-              <a:avLst/>
-            </a:prstGeom>
-            <a:grpFill/>
-          </p:spPr>
-          <p:txBody>
-            <a:bodyPr wrap="none" rtlCol="0">
-              <a:spAutoFit/>
-            </a:bodyPr>
-            <a:lstStyle/>
-            <a:p>
-              <a:pPr algn="ctr"/>
-              <a:r>
-                <a:rPr lang="en-US" altLang="ko-KR" sz="2000" dirty="0">
-                  <a:solidFill>
-                    <a:schemeClr val="bg1"/>
-                  </a:solidFill>
-                  <a:latin typeface="+mn-ea"/>
-                </a:rPr>
-                <a:t>001/ Let’s Narrow it Down</a:t>
-              </a:r>
-              <a:endParaRPr lang="ko-KR" altLang="en-US" sz="2000" dirty="0">
-                <a:solidFill>
-                  <a:schemeClr val="bg1"/>
-                </a:solidFill>
-                <a:latin typeface="+mn-ea"/>
-              </a:endParaRPr>
-            </a:p>
-          </p:txBody>
-        </p:sp>
-        <p:sp>
-          <p:nvSpPr>
-            <p:cNvPr id="14" name="TextBox 13"/>
-            <p:cNvSpPr txBox="1"/>
-            <p:nvPr/>
-          </p:nvSpPr>
-          <p:spPr>
-            <a:xfrm>
-              <a:off x="2733631" y="2512082"/>
-              <a:ext cx="4144561" cy="400110"/>
-            </a:xfrm>
-            <a:prstGeom prst="rect">
-              <a:avLst/>
-            </a:prstGeom>
-            <a:grpFill/>
-          </p:spPr>
-          <p:txBody>
-            <a:bodyPr wrap="square" rtlCol="0">
-              <a:spAutoFit/>
-            </a:bodyPr>
-            <a:lstStyle/>
-            <a:p>
-              <a:pPr algn="ctr"/>
-              <a:r>
-                <a:rPr lang="en-US" altLang="ko-KR" sz="2000" dirty="0">
-                  <a:solidFill>
-                    <a:schemeClr val="bg1"/>
-                  </a:solidFill>
-                  <a:latin typeface="+mn-ea"/>
-                </a:rPr>
-                <a:t>002/ Mathematical formula </a:t>
-              </a:r>
-              <a:endParaRPr lang="ko-KR" altLang="en-US" sz="2000" dirty="0">
-                <a:solidFill>
-                  <a:schemeClr val="bg1"/>
-                </a:solidFill>
-                <a:latin typeface="+mn-ea"/>
-              </a:endParaRPr>
-            </a:p>
-          </p:txBody>
-        </p:sp>
-        <p:sp>
-          <p:nvSpPr>
-            <p:cNvPr id="15" name="TextBox 14"/>
-            <p:cNvSpPr txBox="1"/>
-            <p:nvPr/>
-          </p:nvSpPr>
-          <p:spPr>
-            <a:xfrm>
-              <a:off x="2820901" y="3036026"/>
-              <a:ext cx="3807003" cy="400110"/>
-            </a:xfrm>
-            <a:prstGeom prst="rect">
-              <a:avLst/>
-            </a:prstGeom>
-            <a:grpFill/>
-          </p:spPr>
-          <p:txBody>
-            <a:bodyPr wrap="none" rtlCol="0">
-              <a:spAutoFit/>
-            </a:bodyPr>
-            <a:lstStyle/>
-            <a:p>
-              <a:pPr algn="ctr"/>
-              <a:r>
-                <a:rPr lang="en-US" altLang="ko-KR" sz="2000" dirty="0">
-                  <a:solidFill>
-                    <a:schemeClr val="bg1"/>
-                  </a:solidFill>
-                  <a:latin typeface="+mn-ea"/>
-                </a:rPr>
-                <a:t>003/ Programming Algorithm </a:t>
-              </a:r>
-              <a:endParaRPr lang="ko-KR" altLang="en-US" sz="2000" dirty="0">
-                <a:solidFill>
-                  <a:schemeClr val="bg1"/>
-                </a:solidFill>
-                <a:latin typeface="+mn-ea"/>
-              </a:endParaRPr>
-            </a:p>
-          </p:txBody>
-        </p:sp>
-        <p:sp>
-          <p:nvSpPr>
-            <p:cNvPr id="16" name="TextBox 15"/>
-            <p:cNvSpPr txBox="1"/>
-            <p:nvPr/>
-          </p:nvSpPr>
-          <p:spPr>
-            <a:xfrm>
-              <a:off x="4974772" y="3559970"/>
-              <a:ext cx="1500732" cy="400110"/>
-            </a:xfrm>
-            <a:prstGeom prst="rect">
-              <a:avLst/>
-            </a:prstGeom>
-            <a:grpFill/>
-          </p:spPr>
-          <p:txBody>
-            <a:bodyPr wrap="none" rtlCol="0">
-              <a:spAutoFit/>
-            </a:bodyPr>
-            <a:lstStyle/>
-            <a:p>
-              <a:pPr algn="ctr"/>
-              <a:r>
-                <a:rPr lang="en-US" altLang="ko-KR" sz="2000" dirty="0">
-                  <a:solidFill>
-                    <a:schemeClr val="bg1"/>
-                  </a:solidFill>
-                  <a:latin typeface="+mn-ea"/>
-                </a:rPr>
-                <a:t>004/ Demo</a:t>
-              </a:r>
-              <a:endParaRPr lang="ko-KR" altLang="en-US" sz="2000" dirty="0">
-                <a:solidFill>
-                  <a:schemeClr val="bg1"/>
-                </a:solidFill>
-                <a:latin typeface="+mn-ea"/>
-              </a:endParaRPr>
-            </a:p>
-          </p:txBody>
-        </p:sp>
-        <p:sp>
-          <p:nvSpPr>
-            <p:cNvPr id="17" name="TextBox 16"/>
-            <p:cNvSpPr txBox="1"/>
-            <p:nvPr/>
-          </p:nvSpPr>
-          <p:spPr>
-            <a:xfrm>
-              <a:off x="3404482" y="4083914"/>
-              <a:ext cx="4403232" cy="400110"/>
-            </a:xfrm>
-            <a:prstGeom prst="rect">
-              <a:avLst/>
-            </a:prstGeom>
-            <a:grpFill/>
-          </p:spPr>
-          <p:txBody>
-            <a:bodyPr wrap="square" rtlCol="0">
-              <a:spAutoFit/>
-            </a:bodyPr>
-            <a:lstStyle/>
-            <a:p>
-              <a:pPr algn="ctr"/>
-              <a:r>
-                <a:rPr lang="en-US" altLang="ko-KR" sz="2000" dirty="0">
-                  <a:solidFill>
-                    <a:schemeClr val="bg1"/>
-                  </a:solidFill>
-                  <a:latin typeface="+mn-ea"/>
-                </a:rPr>
-                <a:t>005/ Wrap-up</a:t>
-              </a:r>
-              <a:endParaRPr lang="ko-KR" altLang="en-US" sz="2000" dirty="0">
-                <a:solidFill>
-                  <a:schemeClr val="bg1"/>
-                </a:solidFill>
-                <a:latin typeface="+mn-ea"/>
-              </a:endParaRPr>
-            </a:p>
-          </p:txBody>
-        </p:sp>
-      </p:grpSp>
-      <p:cxnSp>
-        <p:nvCxnSpPr>
-          <p:cNvPr id="18" name="직선 연결선 17"/>
-          <p:cNvCxnSpPr/>
-          <p:nvPr/>
-        </p:nvCxnSpPr>
-        <p:spPr>
-          <a:xfrm flipV="1">
-            <a:off x="4810125" y="1695450"/>
-            <a:ext cx="2571750" cy="8015"/>
-          </a:xfrm>
-          <a:prstGeom prst="line">
-            <a:avLst/>
-          </a:prstGeom>
-          <a:ln w="15875" cap="sq">
-            <a:solidFill>
-              <a:srgbClr val="C1444D"/>
-            </a:solidFill>
-            <a:headEnd type="none" w="sm" len="sm"/>
-            <a:tailEnd type="none" w="sm" len="sm"/>
-          </a:ln>
-        </p:spPr>
-        <p:style>
-          <a:lnRef idx="1">
-            <a:schemeClr val="accent1"/>
-          </a:lnRef>
-          <a:fillRef idx="0">
-            <a:schemeClr val="accent1"/>
-          </a:fillRef>
-          <a:effectRef idx="0">
-            <a:schemeClr val="accent1"/>
-          </a:effectRef>
-          <a:fontRef idx="minor">
-            <a:schemeClr val="tx1"/>
-          </a:fontRef>
-        </p:style>
-      </p:cxnSp>
-      <p:sp>
-        <p:nvSpPr>
-          <p:cNvPr id="19" name="TextBox 18"/>
-          <p:cNvSpPr txBox="1"/>
-          <p:nvPr/>
-        </p:nvSpPr>
-        <p:spPr>
-          <a:xfrm>
-            <a:off x="5061903" y="1476607"/>
-            <a:ext cx="2068195" cy="461665"/>
-          </a:xfrm>
-          <a:prstGeom prst="rect">
-            <a:avLst/>
-          </a:prstGeom>
-          <a:solidFill>
-            <a:srgbClr val="1A191C"/>
-          </a:solidFill>
-        </p:spPr>
-        <p:txBody>
-          <a:bodyPr wrap="none" rtlCol="0">
-            <a:spAutoFit/>
-          </a:bodyPr>
-          <a:lstStyle/>
-          <a:p>
-            <a:pPr algn="ctr"/>
-            <a:r>
-              <a:rPr lang="en-US" altLang="ko-KR" sz="2400" spc="300" dirty="0">
-                <a:solidFill>
-                  <a:srgbClr val="C1444D"/>
-                </a:solidFill>
-                <a:latin typeface="나눔스퀘어 Bold" panose="020B0600000101010101" pitchFamily="50" charset="-127"/>
-                <a:ea typeface="나눔스퀘어 Bold" panose="020B0600000101010101" pitchFamily="50" charset="-127"/>
-              </a:rPr>
-              <a:t>CONTENTS</a:t>
-            </a:r>
-            <a:endParaRPr lang="ko-KR" altLang="en-US" sz="2400" spc="300" dirty="0">
-              <a:solidFill>
-                <a:srgbClr val="C1444D"/>
-              </a:solidFill>
-              <a:latin typeface="나눔스퀘어 Bold" panose="020B0600000101010101" pitchFamily="50" charset="-127"/>
-              <a:ea typeface="나눔스퀘어 Bold" panose="020B0600000101010101" pitchFamily="50" charset="-127"/>
-            </a:endParaRPr>
-          </a:p>
-        </p:txBody>
-      </p:sp>
-    </p:spTree>
-    <p:extLst>
-      <p:ext uri="{BB962C8B-B14F-4D97-AF65-F5344CB8AC3E}">
-        <p14:creationId xmlns:p14="http://schemas.microsoft.com/office/powerpoint/2010/main" val="1289684798"/>
-      </p:ext>
-    </p:extLst>
-  </p:cSld>
-  <p:clrMapOvr>
-    <a:masterClrMapping/>
-  </p:clrMapOvr>
-</p:sld>
-</file>
-
-<file path=ppt/slides/slide20.xml><?xml version="1.0" encoding="utf-8"?>
+<file path=ppt/slides/slide21.xml><?xml version="1.0" encoding="utf-8"?>
 <p:sld xmlns:a="http://schemas.openxmlformats.org/drawingml/2006/main" xmlns:r="http://schemas.openxmlformats.org/officeDocument/2006/relationships" xmlns:p="http://schemas.openxmlformats.org/presentationml/2006/main">
   <p:cSld>
     <p:spTree>
@@ -8499,7 +8881,7 @@
 </p:sld>
 </file>
 
-<file path=ppt/slides/slide21.xml><?xml version="1.0" encoding="utf-8"?>
+<file path=ppt/slides/slide22.xml><?xml version="1.0" encoding="utf-8"?>
 <p:sld xmlns:a="http://schemas.openxmlformats.org/drawingml/2006/main" xmlns:r="http://schemas.openxmlformats.org/officeDocument/2006/relationships" xmlns:p="http://schemas.openxmlformats.org/presentationml/2006/main">
   <p:cSld>
     <p:spTree>
@@ -8903,7 +9285,7 @@
 </p:sld>
 </file>
 
-<file path=ppt/slides/slide22.xml><?xml version="1.0" encoding="utf-8"?>
+<file path=ppt/slides/slide23.xml><?xml version="1.0" encoding="utf-8"?>
 <p:sld xmlns:a="http://schemas.openxmlformats.org/drawingml/2006/main" xmlns:r="http://schemas.openxmlformats.org/officeDocument/2006/relationships" xmlns:p="http://schemas.openxmlformats.org/presentationml/2006/main">
   <p:cSld>
     <p:spTree>
@@ -9099,7 +9481,7 @@
                 <a:latin typeface="나눔스퀘어" panose="020B0600000101010101" pitchFamily="50" charset="-127"/>
                 <a:ea typeface="나눔스퀘어" panose="020B0600000101010101" pitchFamily="50" charset="-127"/>
               </a:rPr>
-              <a:t>	- 0 for foreground,</a:t>
+              <a:t>	- 1 for foreground,</a:t>
             </a:r>
           </a:p>
           <a:p>
@@ -9111,7 +9493,7 @@
                 <a:latin typeface="나눔스퀘어" panose="020B0600000101010101" pitchFamily="50" charset="-127"/>
                 <a:ea typeface="나눔스퀘어" panose="020B0600000101010101" pitchFamily="50" charset="-127"/>
               </a:rPr>
-              <a:t>	- 1 for background</a:t>
+              <a:t>	- 0 for background</a:t>
             </a:r>
           </a:p>
           <a:p>
@@ -9307,7 +9689,7 @@
 </p:sld>
 </file>
 
-<file path=ppt/slides/slide23.xml><?xml version="1.0" encoding="utf-8"?>
+<file path=ppt/slides/slide24.xml><?xml version="1.0" encoding="utf-8"?>
 <p:sld xmlns:a="http://schemas.openxmlformats.org/drawingml/2006/main" xmlns:r="http://schemas.openxmlformats.org/officeDocument/2006/relationships" xmlns:p="http://schemas.openxmlformats.org/presentationml/2006/main">
   <p:cSld>
     <p:spTree>
@@ -9643,7 +10025,7 @@
 </p:sld>
 </file>
 
-<file path=ppt/slides/slide24.xml><?xml version="1.0" encoding="utf-8"?>
+<file path=ppt/slides/slide25.xml><?xml version="1.0" encoding="utf-8"?>
 <p:sld xmlns:a="http://schemas.openxmlformats.org/drawingml/2006/main" xmlns:r="http://schemas.openxmlformats.org/officeDocument/2006/relationships" xmlns:p="http://schemas.openxmlformats.org/presentationml/2006/main">
   <p:cSld>
     <p:spTree>
@@ -10245,7 +10627,7 @@
 </p:sld>
 </file>
 
-<file path=ppt/slides/slide25.xml><?xml version="1.0" encoding="utf-8"?>
+<file path=ppt/slides/slide26.xml><?xml version="1.0" encoding="utf-8"?>
 <p:sld xmlns:a="http://schemas.openxmlformats.org/drawingml/2006/main" xmlns:r="http://schemas.openxmlformats.org/officeDocument/2006/relationships" xmlns:p="http://schemas.openxmlformats.org/presentationml/2006/main">
   <p:cSld>
     <p:spTree>
@@ -10764,7 +11146,7 @@
 </p:sld>
 </file>
 
-<file path=ppt/slides/slide26.xml><?xml version="1.0" encoding="utf-8"?>
+<file path=ppt/slides/slide27.xml><?xml version="1.0" encoding="utf-8"?>
 <p:sld xmlns:a="http://schemas.openxmlformats.org/drawingml/2006/main" xmlns:r="http://schemas.openxmlformats.org/officeDocument/2006/relationships" xmlns:p="http://schemas.openxmlformats.org/presentationml/2006/main">
   <p:cSld>
     <p:spTree>
@@ -10950,7 +11332,7 @@
 </p:sld>
 </file>
 
-<file path=ppt/slides/slide27.xml><?xml version="1.0" encoding="utf-8"?>
+<file path=ppt/slides/slide28.xml><?xml version="1.0" encoding="utf-8"?>
 <p:sld xmlns:a="http://schemas.openxmlformats.org/drawingml/2006/main" xmlns:r="http://schemas.openxmlformats.org/officeDocument/2006/relationships" xmlns:p="http://schemas.openxmlformats.org/presentationml/2006/main">
   <p:cSld>
     <p:spTree>
@@ -11504,358 +11886,6 @@
 </p:sld>
 </file>
 
-<file path=ppt/slides/slide28.xml><?xml version="1.0" encoding="utf-8"?>
-<p:sld xmlns:a="http://schemas.openxmlformats.org/drawingml/2006/main" xmlns:r="http://schemas.openxmlformats.org/officeDocument/2006/relationships" xmlns:p="http://schemas.openxmlformats.org/presentationml/2006/main">
-  <p:cSld>
-    <p:spTree>
-      <p:nvGrpSpPr>
-        <p:cNvPr id="1" name=""/>
-        <p:cNvGrpSpPr/>
-        <p:nvPr/>
-      </p:nvGrpSpPr>
-      <p:grpSpPr>
-        <a:xfrm>
-          <a:off x="0" y="0"/>
-          <a:ext cx="0" cy="0"/>
-          <a:chOff x="0" y="0"/>
-          <a:chExt cx="0" cy="0"/>
-        </a:xfrm>
-      </p:grpSpPr>
-      <p:sp>
-        <p:nvSpPr>
-          <p:cNvPr id="3" name="TextBox 2"/>
-          <p:cNvSpPr txBox="1"/>
-          <p:nvPr/>
-        </p:nvSpPr>
-        <p:spPr>
-          <a:xfrm>
-            <a:off x="246328" y="310733"/>
-            <a:ext cx="2953053" cy="584775"/>
-          </a:xfrm>
-          <a:prstGeom prst="rect">
-            <a:avLst/>
-          </a:prstGeom>
-          <a:noFill/>
-        </p:spPr>
-        <p:txBody>
-          <a:bodyPr wrap="none" rtlCol="0" anchor="ctr">
-            <a:spAutoFit/>
-          </a:bodyPr>
-          <a:lstStyle/>
-          <a:p>
-            <a:r>
-              <a:rPr lang="en-US" altLang="ko-KR" sz="3200" b="1" dirty="0">
-                <a:solidFill>
-                  <a:srgbClr val="C1444D"/>
-                </a:solidFill>
-                <a:latin typeface="나눔스퀘어 Bold" panose="020B0600000101010101" pitchFamily="50" charset="-127"/>
-                <a:ea typeface="나눔스퀘어 Bold" panose="020B0600000101010101" pitchFamily="50" charset="-127"/>
-              </a:rPr>
-              <a:t>005/ Wrap-up</a:t>
-            </a:r>
-            <a:endParaRPr lang="ko-KR" altLang="en-US" sz="3200" b="1" dirty="0">
-              <a:solidFill>
-                <a:srgbClr val="C1444D"/>
-              </a:solidFill>
-              <a:latin typeface="나눔스퀘어 Bold" panose="020B0600000101010101" pitchFamily="50" charset="-127"/>
-              <a:ea typeface="나눔스퀘어 Bold" panose="020B0600000101010101" pitchFamily="50" charset="-127"/>
-            </a:endParaRPr>
-          </a:p>
-        </p:txBody>
-      </p:sp>
-      <p:sp>
-        <p:nvSpPr>
-          <p:cNvPr id="5" name="TextBox 4"/>
-          <p:cNvSpPr txBox="1"/>
-          <p:nvPr/>
-        </p:nvSpPr>
-        <p:spPr>
-          <a:xfrm>
-            <a:off x="7620223" y="74037"/>
-            <a:ext cx="4533677" cy="400110"/>
-          </a:xfrm>
-          <a:prstGeom prst="rect">
-            <a:avLst/>
-          </a:prstGeom>
-          <a:noFill/>
-        </p:spPr>
-        <p:txBody>
-          <a:bodyPr wrap="none" rtlCol="0">
-            <a:spAutoFit/>
-          </a:bodyPr>
-          <a:lstStyle/>
-          <a:p>
-            <a:pPr algn="r"/>
-            <a:r>
-              <a:rPr lang="en-CA" altLang="ko-KR" sz="1000" dirty="0">
-                <a:solidFill>
-                  <a:srgbClr val="3D3D3D"/>
-                </a:solidFill>
-                <a:latin typeface="나눔스퀘어 Light" panose="020B0600000101010101" pitchFamily="50" charset="-127"/>
-                <a:ea typeface="나눔스퀘어 Light" panose="020B0600000101010101" pitchFamily="50" charset="-127"/>
-              </a:rPr>
-              <a:t>IMAGE SEGMENTATION + LINEAR PROGRAMMING + USER INTERACTION</a:t>
-            </a:r>
-            <a:endParaRPr lang="ko-KR" altLang="en-US" sz="1000" dirty="0">
-              <a:solidFill>
-                <a:srgbClr val="3D3D3D"/>
-              </a:solidFill>
-              <a:latin typeface="나눔스퀘어 Light" panose="020B0600000101010101" pitchFamily="50" charset="-127"/>
-              <a:ea typeface="나눔스퀘어 Light" panose="020B0600000101010101" pitchFamily="50" charset="-127"/>
-            </a:endParaRPr>
-          </a:p>
-          <a:p>
-            <a:pPr algn="r"/>
-            <a:endParaRPr lang="ko-KR" altLang="en-US" sz="1000" dirty="0">
-              <a:solidFill>
-                <a:srgbClr val="3D3D3D"/>
-              </a:solidFill>
-              <a:latin typeface="나눔스퀘어 Light" panose="020B0600000101010101" pitchFamily="50" charset="-127"/>
-              <a:ea typeface="나눔스퀘어 Light" panose="020B0600000101010101" pitchFamily="50" charset="-127"/>
-            </a:endParaRPr>
-          </a:p>
-        </p:txBody>
-      </p:sp>
-      <p:sp>
-        <p:nvSpPr>
-          <p:cNvPr id="7" name="TextBox 6"/>
-          <p:cNvSpPr txBox="1"/>
-          <p:nvPr/>
-        </p:nvSpPr>
-        <p:spPr>
-          <a:xfrm>
-            <a:off x="1073827" y="1574800"/>
-            <a:ext cx="10127324" cy="3693319"/>
-          </a:xfrm>
-          <a:prstGeom prst="rect">
-            <a:avLst/>
-          </a:prstGeom>
-          <a:noFill/>
-        </p:spPr>
-        <p:txBody>
-          <a:bodyPr wrap="none" rtlCol="0">
-            <a:spAutoFit/>
-          </a:bodyPr>
-          <a:lstStyle/>
-          <a:p>
-            <a:r>
-              <a:rPr lang="en-CA" altLang="ko-KR" dirty="0">
-                <a:solidFill>
-                  <a:schemeClr val="bg1"/>
-                </a:solidFill>
-                <a:latin typeface="나눔스퀘어" panose="020B0600000101010101" pitchFamily="50" charset="-127"/>
-                <a:ea typeface="나눔스퀘어" panose="020B0600000101010101" pitchFamily="50" charset="-127"/>
-              </a:rPr>
-              <a:t>Is it even useful?</a:t>
-            </a:r>
-          </a:p>
-          <a:p>
-            <a:endParaRPr lang="en-CA" altLang="ko-KR" dirty="0">
-              <a:solidFill>
-                <a:schemeClr val="bg1"/>
-              </a:solidFill>
-              <a:latin typeface="나눔스퀘어" panose="020B0600000101010101" pitchFamily="50" charset="-127"/>
-              <a:ea typeface="나눔스퀘어" panose="020B0600000101010101" pitchFamily="50" charset="-127"/>
-            </a:endParaRPr>
-          </a:p>
-          <a:p>
-            <a:r>
-              <a:rPr lang="en-CA" altLang="ko-KR" dirty="0">
-                <a:solidFill>
-                  <a:schemeClr val="bg1"/>
-                </a:solidFill>
-                <a:latin typeface="나눔스퀘어" panose="020B0600000101010101" pitchFamily="50" charset="-127"/>
-                <a:ea typeface="나눔스퀘어" panose="020B0600000101010101" pitchFamily="50" charset="-127"/>
-              </a:rPr>
-              <a:t> - Linear solvers are </a:t>
-            </a:r>
-            <a:r>
-              <a:rPr lang="en-CA" altLang="ko-KR" b="1" dirty="0">
-                <a:solidFill>
-                  <a:srgbClr val="BF586D"/>
-                </a:solidFill>
-                <a:latin typeface="나눔스퀘어" panose="020B0600000101010101" pitchFamily="50" charset="-127"/>
-                <a:ea typeface="나눔스퀘어" panose="020B0600000101010101" pitchFamily="50" charset="-127"/>
-              </a:rPr>
-              <a:t>more established</a:t>
-            </a:r>
-            <a:r>
-              <a:rPr lang="en-CA" altLang="ko-KR" dirty="0">
-                <a:solidFill>
-                  <a:schemeClr val="bg1"/>
-                </a:solidFill>
-                <a:latin typeface="나눔스퀘어" panose="020B0600000101010101" pitchFamily="50" charset="-127"/>
-                <a:ea typeface="나눔스퀘어" panose="020B0600000101010101" pitchFamily="50" charset="-127"/>
-              </a:rPr>
-              <a:t> than quadratic solvers</a:t>
-            </a:r>
-          </a:p>
-          <a:p>
-            <a:r>
-              <a:rPr lang="en-CA" altLang="ko-KR" dirty="0">
-                <a:solidFill>
-                  <a:schemeClr val="bg1"/>
-                </a:solidFill>
-                <a:latin typeface="나눔스퀘어" panose="020B0600000101010101" pitchFamily="50" charset="-127"/>
-                <a:ea typeface="나눔스퀘어" panose="020B0600000101010101" pitchFamily="50" charset="-127"/>
-              </a:rPr>
-              <a:t> - Linear problems are </a:t>
-            </a:r>
-            <a:r>
-              <a:rPr lang="en-CA" altLang="ko-KR" b="1" dirty="0">
-                <a:solidFill>
-                  <a:srgbClr val="BF586D"/>
-                </a:solidFill>
-                <a:latin typeface="나눔스퀘어" panose="020B0600000101010101" pitchFamily="50" charset="-127"/>
-                <a:ea typeface="나눔스퀘어" panose="020B0600000101010101" pitchFamily="50" charset="-127"/>
-              </a:rPr>
-              <a:t>faster</a:t>
-            </a:r>
-            <a:r>
-              <a:rPr lang="en-CA" altLang="ko-KR" dirty="0">
-                <a:solidFill>
-                  <a:schemeClr val="bg1"/>
-                </a:solidFill>
-                <a:latin typeface="나눔스퀘어" panose="020B0600000101010101" pitchFamily="50" charset="-127"/>
-                <a:ea typeface="나눔스퀘어" panose="020B0600000101010101" pitchFamily="50" charset="-127"/>
-              </a:rPr>
-              <a:t> and easier to solve</a:t>
-            </a:r>
-          </a:p>
-          <a:p>
-            <a:r>
-              <a:rPr lang="en-CA" altLang="ko-KR" dirty="0">
-                <a:solidFill>
-                  <a:schemeClr val="bg1"/>
-                </a:solidFill>
-                <a:latin typeface="나눔스퀘어" panose="020B0600000101010101" pitchFamily="50" charset="-127"/>
-                <a:ea typeface="나눔스퀘어" panose="020B0600000101010101" pitchFamily="50" charset="-127"/>
-              </a:rPr>
-              <a:t> - Compared to graph-cut, it is </a:t>
-            </a:r>
-            <a:r>
-              <a:rPr lang="en-CA" altLang="ko-KR" b="1" dirty="0">
-                <a:solidFill>
-                  <a:srgbClr val="BF586D"/>
-                </a:solidFill>
-                <a:latin typeface="나눔스퀘어" panose="020B0600000101010101" pitchFamily="50" charset="-127"/>
-                <a:ea typeface="나눔스퀘어" panose="020B0600000101010101" pitchFamily="50" charset="-127"/>
-              </a:rPr>
-              <a:t>more flexible </a:t>
-            </a:r>
-            <a:r>
-              <a:rPr lang="en-CA" altLang="ko-KR" dirty="0">
-                <a:solidFill>
-                  <a:schemeClr val="bg1"/>
-                </a:solidFill>
-                <a:latin typeface="나눔스퀘어" panose="020B0600000101010101" pitchFamily="50" charset="-127"/>
-                <a:ea typeface="나눔스퀘어" panose="020B0600000101010101" pitchFamily="50" charset="-127"/>
-              </a:rPr>
-              <a:t>(you can add more linear constraints)</a:t>
-            </a:r>
-          </a:p>
-          <a:p>
-            <a:endParaRPr lang="en-CA" altLang="ko-KR" dirty="0">
-              <a:solidFill>
-                <a:schemeClr val="bg1"/>
-              </a:solidFill>
-              <a:latin typeface="나눔스퀘어" panose="020B0600000101010101" pitchFamily="50" charset="-127"/>
-              <a:ea typeface="나눔스퀘어" panose="020B0600000101010101" pitchFamily="50" charset="-127"/>
-            </a:endParaRPr>
-          </a:p>
-          <a:p>
-            <a:r>
-              <a:rPr lang="en-CA" altLang="ko-KR" dirty="0">
-                <a:solidFill>
-                  <a:schemeClr val="bg1"/>
-                </a:solidFill>
-                <a:latin typeface="나눔스퀘어" panose="020B0600000101010101" pitchFamily="50" charset="-127"/>
-                <a:ea typeface="나눔스퀘어" panose="020B0600000101010101" pitchFamily="50" charset="-127"/>
-              </a:rPr>
-              <a:t>Things that can be done…</a:t>
-            </a:r>
-          </a:p>
-          <a:p>
-            <a:endParaRPr lang="en-CA" altLang="ko-KR" dirty="0">
-              <a:solidFill>
-                <a:schemeClr val="bg1"/>
-              </a:solidFill>
-              <a:latin typeface="나눔스퀘어" panose="020B0600000101010101" pitchFamily="50" charset="-127"/>
-              <a:ea typeface="나눔스퀘어" panose="020B0600000101010101" pitchFamily="50" charset="-127"/>
-            </a:endParaRPr>
-          </a:p>
-          <a:p>
-            <a:r>
-              <a:rPr lang="en-CA" altLang="ko-KR" dirty="0">
-                <a:solidFill>
-                  <a:schemeClr val="bg1"/>
-                </a:solidFill>
-                <a:latin typeface="나눔스퀘어" panose="020B0600000101010101" pitchFamily="50" charset="-127"/>
-                <a:ea typeface="나눔스퀘어" panose="020B0600000101010101" pitchFamily="50" charset="-127"/>
-              </a:rPr>
-              <a:t> - Video segmentation</a:t>
-            </a:r>
-          </a:p>
-          <a:p>
-            <a:r>
-              <a:rPr lang="en-CA" altLang="ko-KR" dirty="0">
-                <a:solidFill>
-                  <a:schemeClr val="bg1"/>
-                </a:solidFill>
-                <a:latin typeface="나눔스퀘어" panose="020B0600000101010101" pitchFamily="50" charset="-127"/>
-                <a:ea typeface="나눔스퀘어" panose="020B0600000101010101" pitchFamily="50" charset="-127"/>
-              </a:rPr>
-              <a:t> - Try with better linear solver</a:t>
-            </a:r>
-          </a:p>
-          <a:p>
-            <a:r>
-              <a:rPr lang="en-CA" altLang="ko-KR" dirty="0">
-                <a:solidFill>
-                  <a:schemeClr val="bg1"/>
-                </a:solidFill>
-                <a:latin typeface="나눔스퀘어" panose="020B0600000101010101" pitchFamily="50" charset="-127"/>
-                <a:ea typeface="나눔스퀘어" panose="020B0600000101010101" pitchFamily="50" charset="-127"/>
-              </a:rPr>
-              <a:t> - Use unsupervised-learning instead of user-interaction</a:t>
-            </a:r>
-          </a:p>
-          <a:p>
-            <a:endParaRPr lang="en-CA" altLang="ko-KR" dirty="0">
-              <a:solidFill>
-                <a:schemeClr val="bg1"/>
-              </a:solidFill>
-              <a:latin typeface="나눔스퀘어" panose="020B0600000101010101" pitchFamily="50" charset="-127"/>
-              <a:ea typeface="나눔스퀘어" panose="020B0600000101010101" pitchFamily="50" charset="-127"/>
-            </a:endParaRPr>
-          </a:p>
-          <a:p>
-            <a:r>
-              <a:rPr lang="en-CA" altLang="ko-KR" dirty="0">
-                <a:solidFill>
-                  <a:schemeClr val="bg1"/>
-                </a:solidFill>
-                <a:latin typeface="나눔스퀘어" panose="020B0600000101010101" pitchFamily="50" charset="-127"/>
-                <a:ea typeface="나눔스퀘어" panose="020B0600000101010101" pitchFamily="50" charset="-127"/>
-              </a:rPr>
-              <a:t>This paper is published in 2008 and it is likely that there are better solutions already out there</a:t>
-            </a:r>
-          </a:p>
-        </p:txBody>
-      </p:sp>
-    </p:spTree>
-    <p:extLst>
-      <p:ext uri="{BB962C8B-B14F-4D97-AF65-F5344CB8AC3E}">
-        <p14:creationId xmlns:p14="http://schemas.microsoft.com/office/powerpoint/2010/main" val="4941246"/>
-      </p:ext>
-    </p:extLst>
-  </p:cSld>
-  <p:clrMapOvr>
-    <a:masterClrMapping/>
-  </p:clrMapOvr>
-</p:sld>
-</file>
-
 <file path=ppt/slides/slide29.xml><?xml version="1.0" encoding="utf-8"?>
 <p:sld xmlns:a="http://schemas.openxmlformats.org/drawingml/2006/main" xmlns:r="http://schemas.openxmlformats.org/officeDocument/2006/relationships" xmlns:p="http://schemas.openxmlformats.org/presentationml/2006/main">
   <p:cSld>
@@ -11875,14 +11905,14 @@
       </p:grpSpPr>
       <p:sp>
         <p:nvSpPr>
-          <p:cNvPr id="4" name="TextBox 3"/>
+          <p:cNvPr id="3" name="TextBox 2"/>
           <p:cNvSpPr txBox="1"/>
           <p:nvPr/>
         </p:nvSpPr>
         <p:spPr>
           <a:xfrm>
-            <a:off x="4815301" y="2815489"/>
-            <a:ext cx="2561407" cy="276999"/>
+            <a:off x="246328" y="310733"/>
+            <a:ext cx="2953053" cy="584775"/>
           </a:xfrm>
           <a:prstGeom prst="rect">
             <a:avLst/>
@@ -11895,37 +11925,36 @@
           </a:bodyPr>
           <a:lstStyle/>
           <a:p>
-            <a:pPr algn="ctr"/>
-            <a:r>
-              <a:rPr lang="en-US" altLang="ko-KR" sz="1200" spc="100" dirty="0">
-                <a:solidFill>
-                  <a:schemeClr val="bg1"/>
-                </a:solidFill>
-                <a:latin typeface="나눔스퀘어 Light" panose="020B0600000101010101" pitchFamily="50" charset="-127"/>
-                <a:ea typeface="나눔스퀘어 Light" panose="020B0600000101010101" pitchFamily="50" charset="-127"/>
-              </a:rPr>
-              <a:t>PRESENTED BY JEEHEON KIM</a:t>
-            </a:r>
-            <a:endParaRPr lang="ko-KR" altLang="en-US" sz="1200" spc="100" dirty="0">
+            <a:r>
+              <a:rPr lang="en-US" altLang="ko-KR" sz="3200" b="1" dirty="0">
+                <a:solidFill>
+                  <a:srgbClr val="C1444D"/>
+                </a:solidFill>
+                <a:latin typeface="나눔스퀘어 Bold" panose="020B0600000101010101" pitchFamily="50" charset="-127"/>
+                <a:ea typeface="나눔스퀘어 Bold" panose="020B0600000101010101" pitchFamily="50" charset="-127"/>
+              </a:rPr>
+              <a:t>005/ Wrap-up</a:t>
+            </a:r>
+            <a:endParaRPr lang="ko-KR" altLang="en-US" sz="3200" b="1" dirty="0">
               <a:solidFill>
-                <a:schemeClr val="bg1"/>
+                <a:srgbClr val="C1444D"/>
               </a:solidFill>
-              <a:latin typeface="나눔스퀘어 Light" panose="020B0600000101010101" pitchFamily="50" charset="-127"/>
-              <a:ea typeface="나눔스퀘어 Light" panose="020B0600000101010101" pitchFamily="50" charset="-127"/>
+              <a:latin typeface="나눔스퀘어 Bold" panose="020B0600000101010101" pitchFamily="50" charset="-127"/>
+              <a:ea typeface="나눔스퀘어 Bold" panose="020B0600000101010101" pitchFamily="50" charset="-127"/>
             </a:endParaRPr>
           </a:p>
         </p:txBody>
       </p:sp>
       <p:sp>
         <p:nvSpPr>
-          <p:cNvPr id="6" name="TextBox 5"/>
+          <p:cNvPr id="5" name="TextBox 4"/>
           <p:cNvSpPr txBox="1"/>
           <p:nvPr/>
         </p:nvSpPr>
         <p:spPr>
           <a:xfrm>
-            <a:off x="4838511" y="3136613"/>
-            <a:ext cx="2514984" cy="584775"/>
+            <a:off x="7620223" y="74037"/>
+            <a:ext cx="4533677" cy="400110"/>
           </a:xfrm>
           <a:prstGeom prst="rect">
             <a:avLst/>
@@ -11933,36 +11962,273 @@
           <a:noFill/>
         </p:spPr>
         <p:txBody>
-          <a:bodyPr wrap="none" rtlCol="0" anchor="ctr">
+          <a:bodyPr wrap="none" rtlCol="0">
             <a:spAutoFit/>
           </a:bodyPr>
           <a:lstStyle/>
           <a:p>
-            <a:pPr algn="ctr"/>
-            <a:r>
-              <a:rPr lang="en-US" altLang="ko-KR" sz="3200" b="1" spc="300" dirty="0">
-                <a:solidFill>
-                  <a:srgbClr val="C1444D"/>
-                </a:solidFill>
-                <a:latin typeface="나눔스퀘어 Bold" panose="020B0600000101010101" pitchFamily="50" charset="-127"/>
-                <a:ea typeface="나눔스퀘어 Bold" panose="020B0600000101010101" pitchFamily="50" charset="-127"/>
-              </a:rPr>
-              <a:t>Thank you</a:t>
-            </a:r>
-            <a:endParaRPr lang="ko-KR" altLang="en-US" sz="3200" b="1" spc="300" dirty="0">
+            <a:pPr algn="r"/>
+            <a:r>
+              <a:rPr lang="en-CA" altLang="ko-KR" sz="1000" dirty="0">
+                <a:solidFill>
+                  <a:srgbClr val="3D3D3D"/>
+                </a:solidFill>
+                <a:latin typeface="나눔스퀘어 Light" panose="020B0600000101010101" pitchFamily="50" charset="-127"/>
+                <a:ea typeface="나눔스퀘어 Light" panose="020B0600000101010101" pitchFamily="50" charset="-127"/>
+              </a:rPr>
+              <a:t>IMAGE SEGMENTATION + LINEAR PROGRAMMING + USER INTERACTION</a:t>
+            </a:r>
+            <a:endParaRPr lang="ko-KR" altLang="en-US" sz="1000" dirty="0">
               <a:solidFill>
-                <a:srgbClr val="C1444D"/>
+                <a:srgbClr val="3D3D3D"/>
               </a:solidFill>
-              <a:latin typeface="나눔스퀘어 Bold" panose="020B0600000101010101" pitchFamily="50" charset="-127"/>
-              <a:ea typeface="나눔스퀘어 Bold" panose="020B0600000101010101" pitchFamily="50" charset="-127"/>
+              <a:latin typeface="나눔스퀘어 Light" panose="020B0600000101010101" pitchFamily="50" charset="-127"/>
+              <a:ea typeface="나눔스퀘어 Light" panose="020B0600000101010101" pitchFamily="50" charset="-127"/>
             </a:endParaRPr>
+          </a:p>
+          <a:p>
+            <a:pPr algn="r"/>
+            <a:endParaRPr lang="ko-KR" altLang="en-US" sz="1000" dirty="0">
+              <a:solidFill>
+                <a:srgbClr val="3D3D3D"/>
+              </a:solidFill>
+              <a:latin typeface="나눔스퀘어 Light" panose="020B0600000101010101" pitchFamily="50" charset="-127"/>
+              <a:ea typeface="나눔스퀘어 Light" panose="020B0600000101010101" pitchFamily="50" charset="-127"/>
+            </a:endParaRPr>
+          </a:p>
+        </p:txBody>
+      </p:sp>
+      <p:sp>
+        <p:nvSpPr>
+          <p:cNvPr id="7" name="TextBox 6"/>
+          <p:cNvSpPr txBox="1"/>
+          <p:nvPr/>
+        </p:nvSpPr>
+        <p:spPr>
+          <a:xfrm>
+            <a:off x="1073827" y="1574800"/>
+            <a:ext cx="10127324" cy="3693319"/>
+          </a:xfrm>
+          <a:prstGeom prst="rect">
+            <a:avLst/>
+          </a:prstGeom>
+          <a:noFill/>
+        </p:spPr>
+        <p:txBody>
+          <a:bodyPr wrap="none" rtlCol="0">
+            <a:spAutoFit/>
+          </a:bodyPr>
+          <a:lstStyle/>
+          <a:p>
+            <a:r>
+              <a:rPr lang="en-CA" altLang="ko-KR" dirty="0">
+                <a:solidFill>
+                  <a:schemeClr val="bg1"/>
+                </a:solidFill>
+                <a:latin typeface="나눔스퀘어" panose="020B0600000101010101" pitchFamily="50" charset="-127"/>
+                <a:ea typeface="나눔스퀘어" panose="020B0600000101010101" pitchFamily="50" charset="-127"/>
+              </a:rPr>
+              <a:t>Is it even useful?</a:t>
+            </a:r>
+          </a:p>
+          <a:p>
+            <a:endParaRPr lang="en-CA" altLang="ko-KR" dirty="0">
+              <a:solidFill>
+                <a:schemeClr val="bg1"/>
+              </a:solidFill>
+              <a:latin typeface="나눔스퀘어" panose="020B0600000101010101" pitchFamily="50" charset="-127"/>
+              <a:ea typeface="나눔스퀘어" panose="020B0600000101010101" pitchFamily="50" charset="-127"/>
+            </a:endParaRPr>
+          </a:p>
+          <a:p>
+            <a:r>
+              <a:rPr lang="en-CA" altLang="ko-KR" dirty="0">
+                <a:solidFill>
+                  <a:schemeClr val="bg1"/>
+                </a:solidFill>
+                <a:latin typeface="나눔스퀘어" panose="020B0600000101010101" pitchFamily="50" charset="-127"/>
+                <a:ea typeface="나눔스퀘어" panose="020B0600000101010101" pitchFamily="50" charset="-127"/>
+              </a:rPr>
+              <a:t> - Linear solvers are </a:t>
+            </a:r>
+            <a:r>
+              <a:rPr lang="en-CA" altLang="ko-KR" b="1" dirty="0">
+                <a:solidFill>
+                  <a:srgbClr val="BF586D"/>
+                </a:solidFill>
+                <a:latin typeface="나눔스퀘어" panose="020B0600000101010101" pitchFamily="50" charset="-127"/>
+                <a:ea typeface="나눔스퀘어" panose="020B0600000101010101" pitchFamily="50" charset="-127"/>
+              </a:rPr>
+              <a:t>more established</a:t>
+            </a:r>
+            <a:r>
+              <a:rPr lang="en-CA" altLang="ko-KR" dirty="0">
+                <a:solidFill>
+                  <a:schemeClr val="bg1"/>
+                </a:solidFill>
+                <a:latin typeface="나눔스퀘어" panose="020B0600000101010101" pitchFamily="50" charset="-127"/>
+                <a:ea typeface="나눔스퀘어" panose="020B0600000101010101" pitchFamily="50" charset="-127"/>
+              </a:rPr>
+              <a:t> than quadratic solvers</a:t>
+            </a:r>
+          </a:p>
+          <a:p>
+            <a:r>
+              <a:rPr lang="en-CA" altLang="ko-KR" dirty="0">
+                <a:solidFill>
+                  <a:schemeClr val="bg1"/>
+                </a:solidFill>
+                <a:latin typeface="나눔스퀘어" panose="020B0600000101010101" pitchFamily="50" charset="-127"/>
+                <a:ea typeface="나눔스퀘어" panose="020B0600000101010101" pitchFamily="50" charset="-127"/>
+              </a:rPr>
+              <a:t> - Linear problems are </a:t>
+            </a:r>
+            <a:r>
+              <a:rPr lang="en-CA" altLang="ko-KR" b="1" dirty="0">
+                <a:solidFill>
+                  <a:srgbClr val="BF586D"/>
+                </a:solidFill>
+                <a:latin typeface="나눔스퀘어" panose="020B0600000101010101" pitchFamily="50" charset="-127"/>
+                <a:ea typeface="나눔스퀘어" panose="020B0600000101010101" pitchFamily="50" charset="-127"/>
+              </a:rPr>
+              <a:t>faster</a:t>
+            </a:r>
+            <a:r>
+              <a:rPr lang="en-CA" altLang="ko-KR" dirty="0">
+                <a:solidFill>
+                  <a:schemeClr val="bg1"/>
+                </a:solidFill>
+                <a:latin typeface="나눔스퀘어" panose="020B0600000101010101" pitchFamily="50" charset="-127"/>
+                <a:ea typeface="나눔스퀘어" panose="020B0600000101010101" pitchFamily="50" charset="-127"/>
+              </a:rPr>
+              <a:t> and easier to solve</a:t>
+            </a:r>
+          </a:p>
+          <a:p>
+            <a:r>
+              <a:rPr lang="en-CA" altLang="ko-KR" dirty="0">
+                <a:solidFill>
+                  <a:schemeClr val="bg1"/>
+                </a:solidFill>
+                <a:latin typeface="나눔스퀘어" panose="020B0600000101010101" pitchFamily="50" charset="-127"/>
+                <a:ea typeface="나눔스퀘어" panose="020B0600000101010101" pitchFamily="50" charset="-127"/>
+              </a:rPr>
+              <a:t> - Compared to graph-cut, it is </a:t>
+            </a:r>
+            <a:r>
+              <a:rPr lang="en-CA" altLang="ko-KR" b="1" dirty="0">
+                <a:solidFill>
+                  <a:srgbClr val="BF586D"/>
+                </a:solidFill>
+                <a:latin typeface="나눔스퀘어" panose="020B0600000101010101" pitchFamily="50" charset="-127"/>
+                <a:ea typeface="나눔스퀘어" panose="020B0600000101010101" pitchFamily="50" charset="-127"/>
+              </a:rPr>
+              <a:t>more flexible </a:t>
+            </a:r>
+            <a:r>
+              <a:rPr lang="en-CA" altLang="ko-KR" dirty="0">
+                <a:solidFill>
+                  <a:schemeClr val="bg1"/>
+                </a:solidFill>
+                <a:latin typeface="나눔스퀘어" panose="020B0600000101010101" pitchFamily="50" charset="-127"/>
+                <a:ea typeface="나눔스퀘어" panose="020B0600000101010101" pitchFamily="50" charset="-127"/>
+              </a:rPr>
+              <a:t>(you can add more linear constraints)</a:t>
+            </a:r>
+          </a:p>
+          <a:p>
+            <a:endParaRPr lang="en-CA" altLang="ko-KR" dirty="0">
+              <a:solidFill>
+                <a:schemeClr val="bg1"/>
+              </a:solidFill>
+              <a:latin typeface="나눔스퀘어" panose="020B0600000101010101" pitchFamily="50" charset="-127"/>
+              <a:ea typeface="나눔스퀘어" panose="020B0600000101010101" pitchFamily="50" charset="-127"/>
+            </a:endParaRPr>
+          </a:p>
+          <a:p>
+            <a:r>
+              <a:rPr lang="en-CA" altLang="ko-KR" dirty="0">
+                <a:solidFill>
+                  <a:schemeClr val="bg1"/>
+                </a:solidFill>
+                <a:latin typeface="나눔스퀘어" panose="020B0600000101010101" pitchFamily="50" charset="-127"/>
+                <a:ea typeface="나눔스퀘어" panose="020B0600000101010101" pitchFamily="50" charset="-127"/>
+              </a:rPr>
+              <a:t>Things that can be done…</a:t>
+            </a:r>
+          </a:p>
+          <a:p>
+            <a:endParaRPr lang="en-CA" altLang="ko-KR" dirty="0">
+              <a:solidFill>
+                <a:schemeClr val="bg1"/>
+              </a:solidFill>
+              <a:latin typeface="나눔스퀘어" panose="020B0600000101010101" pitchFamily="50" charset="-127"/>
+              <a:ea typeface="나눔스퀘어" panose="020B0600000101010101" pitchFamily="50" charset="-127"/>
+            </a:endParaRPr>
+          </a:p>
+          <a:p>
+            <a:r>
+              <a:rPr lang="en-CA" altLang="ko-KR" dirty="0">
+                <a:solidFill>
+                  <a:schemeClr val="bg1"/>
+                </a:solidFill>
+                <a:latin typeface="나눔스퀘어" panose="020B0600000101010101" pitchFamily="50" charset="-127"/>
+                <a:ea typeface="나눔스퀘어" panose="020B0600000101010101" pitchFamily="50" charset="-127"/>
+              </a:rPr>
+              <a:t> - Video segmentation</a:t>
+            </a:r>
+          </a:p>
+          <a:p>
+            <a:r>
+              <a:rPr lang="en-CA" altLang="ko-KR" dirty="0">
+                <a:solidFill>
+                  <a:schemeClr val="bg1"/>
+                </a:solidFill>
+                <a:latin typeface="나눔스퀘어" panose="020B0600000101010101" pitchFamily="50" charset="-127"/>
+                <a:ea typeface="나눔스퀘어" panose="020B0600000101010101" pitchFamily="50" charset="-127"/>
+              </a:rPr>
+              <a:t> - Try with better linear solver</a:t>
+            </a:r>
+          </a:p>
+          <a:p>
+            <a:r>
+              <a:rPr lang="en-CA" altLang="ko-KR" dirty="0">
+                <a:solidFill>
+                  <a:schemeClr val="bg1"/>
+                </a:solidFill>
+                <a:latin typeface="나눔스퀘어" panose="020B0600000101010101" pitchFamily="50" charset="-127"/>
+                <a:ea typeface="나눔스퀘어" panose="020B0600000101010101" pitchFamily="50" charset="-127"/>
+              </a:rPr>
+              <a:t> - Use unsupervised-learning instead of user-interaction</a:t>
+            </a:r>
+          </a:p>
+          <a:p>
+            <a:endParaRPr lang="en-CA" altLang="ko-KR" dirty="0">
+              <a:solidFill>
+                <a:schemeClr val="bg1"/>
+              </a:solidFill>
+              <a:latin typeface="나눔스퀘어" panose="020B0600000101010101" pitchFamily="50" charset="-127"/>
+              <a:ea typeface="나눔스퀘어" panose="020B0600000101010101" pitchFamily="50" charset="-127"/>
+            </a:endParaRPr>
+          </a:p>
+          <a:p>
+            <a:r>
+              <a:rPr lang="en-CA" altLang="ko-KR" dirty="0">
+                <a:solidFill>
+                  <a:schemeClr val="bg1"/>
+                </a:solidFill>
+                <a:latin typeface="나눔스퀘어" panose="020B0600000101010101" pitchFamily="50" charset="-127"/>
+                <a:ea typeface="나눔스퀘어" panose="020B0600000101010101" pitchFamily="50" charset="-127"/>
+              </a:rPr>
+              <a:t>This paper is published in 2008 and it is likely that there are better solutions already out there</a:t>
+            </a:r>
           </a:p>
         </p:txBody>
       </p:sp>
     </p:spTree>
     <p:extLst>
       <p:ext uri="{BB962C8B-B14F-4D97-AF65-F5344CB8AC3E}">
-        <p14:creationId xmlns:p14="http://schemas.microsoft.com/office/powerpoint/2010/main" val="1614815688"/>
+        <p14:creationId xmlns:p14="http://schemas.microsoft.com/office/powerpoint/2010/main" val="4941246"/>
       </p:ext>
     </p:extLst>
   </p:cSld>
@@ -12264,6 +12530,122 @@
     <p:extLst>
       <p:ext uri="{BB962C8B-B14F-4D97-AF65-F5344CB8AC3E}">
         <p14:creationId xmlns:p14="http://schemas.microsoft.com/office/powerpoint/2010/main" val="1011277734"/>
+      </p:ext>
+    </p:extLst>
+  </p:cSld>
+  <p:clrMapOvr>
+    <a:masterClrMapping/>
+  </p:clrMapOvr>
+</p:sld>
+</file>
+
+<file path=ppt/slides/slide30.xml><?xml version="1.0" encoding="utf-8"?>
+<p:sld xmlns:a="http://schemas.openxmlformats.org/drawingml/2006/main" xmlns:r="http://schemas.openxmlformats.org/officeDocument/2006/relationships" xmlns:p="http://schemas.openxmlformats.org/presentationml/2006/main">
+  <p:cSld>
+    <p:spTree>
+      <p:nvGrpSpPr>
+        <p:cNvPr id="1" name=""/>
+        <p:cNvGrpSpPr/>
+        <p:nvPr/>
+      </p:nvGrpSpPr>
+      <p:grpSpPr>
+        <a:xfrm>
+          <a:off x="0" y="0"/>
+          <a:ext cx="0" cy="0"/>
+          <a:chOff x="0" y="0"/>
+          <a:chExt cx="0" cy="0"/>
+        </a:xfrm>
+      </p:grpSpPr>
+      <p:sp>
+        <p:nvSpPr>
+          <p:cNvPr id="4" name="TextBox 3"/>
+          <p:cNvSpPr txBox="1"/>
+          <p:nvPr/>
+        </p:nvSpPr>
+        <p:spPr>
+          <a:xfrm>
+            <a:off x="4815301" y="2815489"/>
+            <a:ext cx="2561407" cy="276999"/>
+          </a:xfrm>
+          <a:prstGeom prst="rect">
+            <a:avLst/>
+          </a:prstGeom>
+          <a:noFill/>
+        </p:spPr>
+        <p:txBody>
+          <a:bodyPr wrap="none" rtlCol="0" anchor="ctr">
+            <a:spAutoFit/>
+          </a:bodyPr>
+          <a:lstStyle/>
+          <a:p>
+            <a:pPr algn="ctr"/>
+            <a:r>
+              <a:rPr lang="en-US" altLang="ko-KR" sz="1200" spc="100" dirty="0">
+                <a:solidFill>
+                  <a:schemeClr val="bg1"/>
+                </a:solidFill>
+                <a:latin typeface="나눔스퀘어 Light" panose="020B0600000101010101" pitchFamily="50" charset="-127"/>
+                <a:ea typeface="나눔스퀘어 Light" panose="020B0600000101010101" pitchFamily="50" charset="-127"/>
+              </a:rPr>
+              <a:t>PRESENTED BY JEEHEON KIM</a:t>
+            </a:r>
+            <a:endParaRPr lang="ko-KR" altLang="en-US" sz="1200" spc="100" dirty="0">
+              <a:solidFill>
+                <a:schemeClr val="bg1"/>
+              </a:solidFill>
+              <a:latin typeface="나눔스퀘어 Light" panose="020B0600000101010101" pitchFamily="50" charset="-127"/>
+              <a:ea typeface="나눔스퀘어 Light" panose="020B0600000101010101" pitchFamily="50" charset="-127"/>
+            </a:endParaRPr>
+          </a:p>
+        </p:txBody>
+      </p:sp>
+      <p:sp>
+        <p:nvSpPr>
+          <p:cNvPr id="6" name="TextBox 5"/>
+          <p:cNvSpPr txBox="1"/>
+          <p:nvPr/>
+        </p:nvSpPr>
+        <p:spPr>
+          <a:xfrm>
+            <a:off x="4838511" y="3136613"/>
+            <a:ext cx="2514984" cy="584775"/>
+          </a:xfrm>
+          <a:prstGeom prst="rect">
+            <a:avLst/>
+          </a:prstGeom>
+          <a:noFill/>
+        </p:spPr>
+        <p:txBody>
+          <a:bodyPr wrap="none" rtlCol="0" anchor="ctr">
+            <a:spAutoFit/>
+          </a:bodyPr>
+          <a:lstStyle/>
+          <a:p>
+            <a:pPr algn="ctr"/>
+            <a:r>
+              <a:rPr lang="en-US" altLang="ko-KR" sz="3200" b="1" spc="300" dirty="0">
+                <a:solidFill>
+                  <a:srgbClr val="C1444D"/>
+                </a:solidFill>
+                <a:latin typeface="나눔스퀘어 Bold" panose="020B0600000101010101" pitchFamily="50" charset="-127"/>
+                <a:ea typeface="나눔스퀘어 Bold" panose="020B0600000101010101" pitchFamily="50" charset="-127"/>
+              </a:rPr>
+              <a:t>Thank you</a:t>
+            </a:r>
+            <a:endParaRPr lang="ko-KR" altLang="en-US" sz="3200" b="1" spc="300" dirty="0">
+              <a:solidFill>
+                <a:srgbClr val="C1444D"/>
+              </a:solidFill>
+              <a:latin typeface="나눔스퀘어 Bold" panose="020B0600000101010101" pitchFamily="50" charset="-127"/>
+              <a:ea typeface="나눔스퀘어 Bold" panose="020B0600000101010101" pitchFamily="50" charset="-127"/>
+            </a:endParaRPr>
+          </a:p>
+        </p:txBody>
+      </p:sp>
+    </p:spTree>
+    <p:extLst>
+      <p:ext uri="{BB962C8B-B14F-4D97-AF65-F5344CB8AC3E}">
+        <p14:creationId xmlns:p14="http://schemas.microsoft.com/office/powerpoint/2010/main" val="1614815688"/>
       </p:ext>
     </p:extLst>
   </p:cSld>
